--- a/インセプションデッキ矢吹研A班.pptx
+++ b/インセプションデッキ矢吹研A班.pptx
@@ -212,7 +212,7 @@
           <a:p>
             <a:fld id="{44823B36-9560-43F4-8AF9-F0441FB700C8}" type="datetimeFigureOut">
               <a:rPr kumimoji="1" lang="ja-JP" altLang="en-US" smtClean="0"/>
-              <a:t>2017/5/19</a:t>
+              <a:t>2017/5/22</a:t>
             </a:fld>
             <a:endParaRPr kumimoji="1" lang="ja-JP" altLang="en-US"/>
           </a:p>
@@ -377,7 +377,7 @@
           <a:p>
             <a:fld id="{E6A73E96-2B78-4241-A155-C881DEA9C1F0}" type="datetimeFigureOut">
               <a:rPr kumimoji="1" lang="ja-JP" altLang="en-US" smtClean="0"/>
-              <a:t>2017/5/19</a:t>
+              <a:t>2017/5/22</a:t>
             </a:fld>
             <a:endParaRPr kumimoji="1" lang="ja-JP" altLang="en-US"/>
           </a:p>
@@ -1132,7 +1132,7 @@
           <a:p>
             <a:fld id="{FEA89CF0-315F-4979-AB96-C9AF16050C40}" type="datetimeFigureOut">
               <a:rPr kumimoji="1" lang="ja-JP" altLang="en-US" smtClean="0"/>
-              <a:t>2017/5/19</a:t>
+              <a:t>2017/5/22</a:t>
             </a:fld>
             <a:endParaRPr kumimoji="1" lang="ja-JP" altLang="en-US"/>
           </a:p>
@@ -1334,7 +1334,7 @@
           <a:p>
             <a:fld id="{FEA89CF0-315F-4979-AB96-C9AF16050C40}" type="datetimeFigureOut">
               <a:rPr kumimoji="1" lang="ja-JP" altLang="en-US" smtClean="0"/>
-              <a:t>2017/5/19</a:t>
+              <a:t>2017/5/22</a:t>
             </a:fld>
             <a:endParaRPr kumimoji="1" lang="ja-JP" altLang="en-US"/>
           </a:p>
@@ -1546,7 +1546,7 @@
           <a:p>
             <a:fld id="{FEA89CF0-315F-4979-AB96-C9AF16050C40}" type="datetimeFigureOut">
               <a:rPr kumimoji="1" lang="ja-JP" altLang="en-US" smtClean="0"/>
-              <a:t>2017/5/19</a:t>
+              <a:t>2017/5/22</a:t>
             </a:fld>
             <a:endParaRPr kumimoji="1" lang="ja-JP" altLang="en-US"/>
           </a:p>
@@ -1748,7 +1748,7 @@
           <a:p>
             <a:fld id="{FEA89CF0-315F-4979-AB96-C9AF16050C40}" type="datetimeFigureOut">
               <a:rPr kumimoji="1" lang="ja-JP" altLang="en-US" smtClean="0"/>
-              <a:t>2017/5/19</a:t>
+              <a:t>2017/5/22</a:t>
             </a:fld>
             <a:endParaRPr kumimoji="1" lang="ja-JP" altLang="en-US"/>
           </a:p>
@@ -1994,7 +1994,7 @@
           <a:p>
             <a:fld id="{FEA89CF0-315F-4979-AB96-C9AF16050C40}" type="datetimeFigureOut">
               <a:rPr kumimoji="1" lang="ja-JP" altLang="en-US" smtClean="0"/>
-              <a:t>2017/5/19</a:t>
+              <a:t>2017/5/22</a:t>
             </a:fld>
             <a:endParaRPr kumimoji="1" lang="ja-JP" altLang="en-US"/>
           </a:p>
@@ -2290,7 +2290,7 @@
           <a:p>
             <a:fld id="{FEA89CF0-315F-4979-AB96-C9AF16050C40}" type="datetimeFigureOut">
               <a:rPr kumimoji="1" lang="ja-JP" altLang="en-US" smtClean="0"/>
-              <a:t>2017/5/19</a:t>
+              <a:t>2017/5/22</a:t>
             </a:fld>
             <a:endParaRPr kumimoji="1" lang="ja-JP" altLang="en-US"/>
           </a:p>
@@ -2721,7 +2721,7 @@
           <a:p>
             <a:fld id="{FEA89CF0-315F-4979-AB96-C9AF16050C40}" type="datetimeFigureOut">
               <a:rPr kumimoji="1" lang="ja-JP" altLang="en-US" smtClean="0"/>
-              <a:t>2017/5/19</a:t>
+              <a:t>2017/5/22</a:t>
             </a:fld>
             <a:endParaRPr kumimoji="1" lang="ja-JP" altLang="en-US"/>
           </a:p>
@@ -2839,7 +2839,7 @@
           <a:p>
             <a:fld id="{FEA89CF0-315F-4979-AB96-C9AF16050C40}" type="datetimeFigureOut">
               <a:rPr kumimoji="1" lang="ja-JP" altLang="en-US" smtClean="0"/>
-              <a:t>2017/5/19</a:t>
+              <a:t>2017/5/22</a:t>
             </a:fld>
             <a:endParaRPr kumimoji="1" lang="ja-JP" altLang="en-US"/>
           </a:p>
@@ -2934,7 +2934,7 @@
           <a:p>
             <a:fld id="{FEA89CF0-315F-4979-AB96-C9AF16050C40}" type="datetimeFigureOut">
               <a:rPr kumimoji="1" lang="ja-JP" altLang="en-US" smtClean="0"/>
-              <a:t>2017/5/19</a:t>
+              <a:t>2017/5/22</a:t>
             </a:fld>
             <a:endParaRPr kumimoji="1" lang="ja-JP" altLang="en-US"/>
           </a:p>
@@ -3243,7 +3243,7 @@
           <a:p>
             <a:fld id="{FEA89CF0-315F-4979-AB96-C9AF16050C40}" type="datetimeFigureOut">
               <a:rPr kumimoji="1" lang="ja-JP" altLang="en-US" smtClean="0"/>
-              <a:t>2017/5/19</a:t>
+              <a:t>2017/5/22</a:t>
             </a:fld>
             <a:endParaRPr kumimoji="1" lang="ja-JP" altLang="en-US"/>
           </a:p>
@@ -3496,7 +3496,7 @@
           <a:p>
             <a:fld id="{FEA89CF0-315F-4979-AB96-C9AF16050C40}" type="datetimeFigureOut">
               <a:rPr kumimoji="1" lang="ja-JP" altLang="en-US" smtClean="0"/>
-              <a:t>2017/5/19</a:t>
+              <a:t>2017/5/22</a:t>
             </a:fld>
             <a:endParaRPr kumimoji="1" lang="ja-JP" altLang="en-US"/>
           </a:p>
@@ -3741,7 +3741,7 @@
           <a:p>
             <a:fld id="{FEA89CF0-315F-4979-AB96-C9AF16050C40}" type="datetimeFigureOut">
               <a:rPr kumimoji="1" lang="ja-JP" altLang="en-US" smtClean="0"/>
-              <a:t>2017/5/19</a:t>
+              <a:t>2017/5/22</a:t>
             </a:fld>
             <a:endParaRPr kumimoji="1" lang="ja-JP" altLang="en-US"/>
           </a:p>
@@ -18572,7 +18572,7 @@
         </p:nvSpPr>
         <p:spPr bwMode="auto">
           <a:xfrm>
-            <a:off x="3497289" y="5672138"/>
+            <a:off x="3272634" y="5697538"/>
             <a:ext cx="228600" cy="457200"/>
           </a:xfrm>
           <a:prstGeom prst="ellipse">
@@ -21586,23 +21586,27 @@
           <a:p>
             <a:r>
               <a:rPr kumimoji="1" lang="ja-JP" altLang="en-US" dirty="0" smtClean="0"/>
-              <a:t>ターゲットは千葉工大、津田沼キャンパスに通う</a:t>
-            </a:r>
-            <a:r>
-              <a:rPr kumimoji="1" lang="en-US" altLang="ja-JP" dirty="0" smtClean="0"/>
+              <a:t>ターゲットは</a:t>
+            </a:r>
+            <a:r>
+              <a:rPr lang="ja-JP" altLang="en-US" b="1" dirty="0"/>
+              <a:t>千葉工業</a:t>
+            </a:r>
+            <a:r>
+              <a:rPr lang="ja-JP" altLang="en-US" b="1" dirty="0" smtClean="0"/>
+              <a:t>大学社会システム科学部</a:t>
+            </a:r>
+            <a:r>
+              <a:rPr lang="en-US" altLang="ja-JP" b="1" dirty="0" smtClean="0"/>
               <a:t>PM</a:t>
             </a:r>
             <a:r>
-              <a:rPr lang="ja-JP" altLang="en-US" dirty="0"/>
-              <a:t>学科</a:t>
-            </a:r>
-            <a:r>
-              <a:rPr lang="ja-JP" altLang="en-US" dirty="0" smtClean="0"/>
-              <a:t>の</a:t>
+              <a:rPr lang="ja-JP" altLang="en-US" b="1" dirty="0" smtClean="0"/>
+              <a:t>学科生</a:t>
             </a:r>
             <a:r>
               <a:rPr kumimoji="1" lang="ja-JP" altLang="en-US" dirty="0" smtClean="0"/>
-              <a:t>学生である。</a:t>
+              <a:t>である。</a:t>
             </a:r>
             <a:endParaRPr kumimoji="1" lang="en-US" altLang="ja-JP" dirty="0" smtClean="0"/>
           </a:p>
@@ -21617,7 +21621,15 @@
             </a:r>
             <a:r>
               <a:rPr kumimoji="1" lang="ja-JP" altLang="en-US" dirty="0" smtClean="0"/>
-              <a:t>では、必要な情報を手に入れるために手間がかかっていた。</a:t>
+              <a:t>では、必要な情報を手に入れるために</a:t>
+            </a:r>
+            <a:r>
+              <a:rPr kumimoji="1" lang="ja-JP" altLang="en-US" b="1" dirty="0" smtClean="0"/>
+              <a:t>手間</a:t>
+            </a:r>
+            <a:r>
+              <a:rPr kumimoji="1" lang="ja-JP" altLang="en-US" dirty="0" smtClean="0"/>
+              <a:t>がかかっていた。</a:t>
             </a:r>
             <a:endParaRPr lang="en-US" altLang="ja-JP" dirty="0"/>
           </a:p>
@@ -21640,7 +21652,21 @@
             </a:r>
             <a:r>
               <a:rPr kumimoji="1" lang="ja-JP" altLang="en-US" dirty="0" smtClean="0"/>
-              <a:t>」システムではその手間を省き、必要な情報をその場で提供させることを可能とする。</a:t>
+              <a:t>」システムではその</a:t>
+            </a:r>
+            <a:endParaRPr kumimoji="1" lang="en-US" altLang="ja-JP" dirty="0" smtClean="0"/>
+          </a:p>
+          <a:p>
+            <a:pPr marL="0" indent="0">
+              <a:buNone/>
+            </a:pPr>
+            <a:r>
+              <a:rPr kumimoji="1" lang="ja-JP" altLang="en-US" b="1" dirty="0" smtClean="0"/>
+              <a:t>手間を省き</a:t>
+            </a:r>
+            <a:r>
+              <a:rPr kumimoji="1" lang="ja-JP" altLang="en-US" dirty="0" smtClean="0"/>
+              <a:t>、必要な情報をその場で提供させることを可能とする。</a:t>
             </a:r>
             <a:endParaRPr kumimoji="1" lang="en-US" altLang="ja-JP" dirty="0" smtClean="0"/>
           </a:p>
@@ -21726,7 +21752,15 @@
           <a:p>
             <a:r>
               <a:rPr lang="ja-JP" altLang="en-US" dirty="0" smtClean="0"/>
-              <a:t>従来の学生アプリでは、必要な情報を手に入れるために手間がかかる。</a:t>
+              <a:t>従来の学生アプリでは、必要な情報を手に入れるために</a:t>
+            </a:r>
+            <a:r>
+              <a:rPr lang="ja-JP" altLang="en-US" b="1" dirty="0" smtClean="0"/>
+              <a:t>手間</a:t>
+            </a:r>
+            <a:r>
+              <a:rPr lang="ja-JP" altLang="en-US" dirty="0" smtClean="0"/>
+              <a:t>がかかる。</a:t>
             </a:r>
             <a:endParaRPr lang="en-US" altLang="ja-JP" dirty="0" smtClean="0"/>
           </a:p>
@@ -21773,11 +21807,19 @@
             </a:r>
             <a:r>
               <a:rPr lang="en-US" altLang="ja-JP" dirty="0"/>
-              <a:t> PM</a:t>
+              <a:t> </a:t>
+            </a:r>
+            <a:r>
+              <a:rPr lang="en-US" altLang="ja-JP" b="1" dirty="0"/>
+              <a:t>PM</a:t>
+            </a:r>
+            <a:r>
+              <a:rPr lang="ja-JP" altLang="en-US" b="1" dirty="0"/>
+              <a:t>学科専用闇キャンパスポータル</a:t>
             </a:r>
             <a:r>
               <a:rPr lang="ja-JP" altLang="en-US" dirty="0"/>
-              <a:t>学科専用闇キャンパスポータル」</a:t>
+              <a:t>」</a:t>
             </a:r>
             <a:r>
               <a:rPr lang="ja-JP" altLang="en-US" dirty="0" smtClean="0"/>
@@ -21818,7 +21860,31 @@
           <a:p>
             <a:r>
               <a:rPr lang="ja-JP" altLang="en-US" dirty="0" smtClean="0"/>
-              <a:t>これは情報を素早く入手することができ、これまでの学生アプリとは違って、リアルタイム且つ素早い情報収集力が備わっている。</a:t>
+              <a:t>これは情報を</a:t>
+            </a:r>
+            <a:r>
+              <a:rPr lang="ja-JP" altLang="en-US" b="1" dirty="0" smtClean="0"/>
+              <a:t>素早く</a:t>
+            </a:r>
+            <a:r>
+              <a:rPr lang="ja-JP" altLang="en-US" dirty="0" smtClean="0"/>
+              <a:t>入手することができ、これまでの学生アプリとは違って、</a:t>
+            </a:r>
+            <a:r>
+              <a:rPr lang="ja-JP" altLang="en-US" b="1" dirty="0" smtClean="0"/>
+              <a:t>リアルタイム</a:t>
+            </a:r>
+            <a:r>
+              <a:rPr lang="ja-JP" altLang="en-US" dirty="0" smtClean="0"/>
+              <a:t>且つ</a:t>
+            </a:r>
+            <a:r>
+              <a:rPr lang="ja-JP" altLang="en-US" b="1" dirty="0" smtClean="0"/>
+              <a:t>素早い</a:t>
+            </a:r>
+            <a:r>
+              <a:rPr lang="ja-JP" altLang="en-US" dirty="0" smtClean="0"/>
+              <a:t>情報収集力が備わっている。</a:t>
             </a:r>
             <a:endParaRPr lang="en-US" altLang="ja-JP" dirty="0" smtClean="0"/>
           </a:p>
@@ -21938,6 +22004,20 @@
             </a:endParaRPr>
           </a:p>
           <a:p>
+            <a:endParaRPr lang="en-US" altLang="ja-JP" sz="3200" b="1" dirty="0" smtClean="0">
+              <a:solidFill>
+                <a:schemeClr val="tx1"/>
+              </a:solidFill>
+            </a:endParaRPr>
+          </a:p>
+          <a:p>
+            <a:endParaRPr lang="en-US" altLang="ja-JP" sz="3200" b="1" dirty="0">
+              <a:solidFill>
+                <a:schemeClr val="tx1"/>
+              </a:solidFill>
+            </a:endParaRPr>
+          </a:p>
+          <a:p>
             <a:endParaRPr lang="en-US" altLang="ja-JP" sz="3200" b="1" dirty="0">
               <a:solidFill>
                 <a:schemeClr val="tx1"/>
@@ -22086,8 +22166,8 @@
         </p:nvSpPr>
         <p:spPr>
           <a:xfrm>
-            <a:off x="3962401" y="268495"/>
-            <a:ext cx="4058471" cy="2875757"/>
+            <a:off x="3962401" y="507137"/>
+            <a:ext cx="4058471" cy="3463613"/>
           </a:xfrm>
           <a:prstGeom prst="rect">
             <a:avLst/>
@@ -22264,7 +22344,7 @@
       </p:sp>
       <p:graphicFrame>
         <p:nvGraphicFramePr>
-          <p:cNvPr id="4" name="コンテンツ プレースホルダー 3"/>
+          <p:cNvPr id="8" name="コンテンツ プレースホルダー 7"/>
           <p:cNvGraphicFramePr>
             <a:graphicFrameLocks noGrp="1"/>
           </p:cNvGraphicFramePr>
@@ -22272,14 +22352,14 @@
             <p:ph idx="1"/>
             <p:extLst>
               <p:ext uri="{D42A27DB-BD31-4B8C-83A1-F6EECF244321}">
-                <p14:modId xmlns:p14="http://schemas.microsoft.com/office/powerpoint/2010/main" val="2654287424"/>
+                <p14:modId xmlns:p14="http://schemas.microsoft.com/office/powerpoint/2010/main" val="2198681188"/>
               </p:ext>
             </p:extLst>
           </p:nvPr>
         </p:nvGraphicFramePr>
         <p:xfrm>
-          <a:off x="946885" y="1211585"/>
-          <a:ext cx="10406915" cy="3771000"/>
+          <a:off x="994610" y="1825625"/>
+          <a:ext cx="10359189" cy="2560320"/>
         </p:xfrm>
         <a:graphic>
           <a:graphicData uri="http://schemas.openxmlformats.org/drawingml/2006/table">
@@ -22288,15 +22368,22 @@
                 <a:tableStyleId>{5C22544A-7EE6-4342-B048-85BDC9FD1C3A}</a:tableStyleId>
               </a:tblPr>
               <a:tblGrid>
-                <a:gridCol w="10406915">
+                <a:gridCol w="5101389">
                   <a:extLst>
                     <a:ext uri="{9D8B030D-6E8A-4147-A177-3AD203B41FA5}">
-                      <a16:colId xmlns:a16="http://schemas.microsoft.com/office/drawing/2014/main" val="3870674396"/>
+                      <a16:colId xmlns:a16="http://schemas.microsoft.com/office/drawing/2014/main" val="715414527"/>
+                    </a:ext>
+                  </a:extLst>
+                </a:gridCol>
+                <a:gridCol w="5257800">
+                  <a:extLst>
+                    <a:ext uri="{9D8B030D-6E8A-4147-A177-3AD203B41FA5}">
+                      <a16:colId xmlns:a16="http://schemas.microsoft.com/office/drawing/2014/main" val="3259534146"/>
                     </a:ext>
                   </a:extLst>
                 </a:gridCol>
               </a:tblGrid>
-              <a:tr h="205735">
+              <a:tr h="335276">
                 <a:tc>
                   <a:txBody>
                     <a:bodyPr/>
@@ -22304,29 +22391,50 @@
                     <a:p>
                       <a:pPr algn="ctr"/>
                       <a:r>
-                        <a:rPr kumimoji="1" lang="ja-JP" altLang="en-US" sz="2000" b="1" dirty="0" smtClean="0">
-                          <a:solidFill>
-                            <a:schemeClr val="tx1"/>
-                          </a:solidFill>
-                        </a:rPr>
+                        <a:rPr kumimoji="1" lang="ja-JP" altLang="en-US" dirty="0" smtClean="0"/>
                         <a:t>やること</a:t>
                       </a:r>
-                      <a:endParaRPr kumimoji="1" lang="ja-JP" altLang="en-US" sz="2000" b="1" dirty="0">
-                        <a:solidFill>
-                          <a:schemeClr val="tx1"/>
-                        </a:solidFill>
-                      </a:endParaRPr>
+                      <a:endParaRPr kumimoji="1" lang="ja-JP" altLang="en-US" dirty="0"/>
+                    </a:p>
+                  </a:txBody>
+                  <a:tcPr/>
+                </a:tc>
+                <a:tc>
+                  <a:txBody>
+                    <a:bodyPr/>
+                    <a:lstStyle/>
+                    <a:p>
+                      <a:pPr algn="ctr"/>
+                      <a:r>
+                        <a:rPr kumimoji="1" lang="ja-JP" altLang="en-US" dirty="0" smtClean="0"/>
+                        <a:t>やらないこと</a:t>
+                      </a:r>
+                      <a:endParaRPr kumimoji="1" lang="ja-JP" altLang="en-US" dirty="0"/>
                     </a:p>
                   </a:txBody>
                   <a:tcPr/>
                 </a:tc>
                 <a:extLst>
                   <a:ext uri="{0D108BD9-81ED-4DB2-BD59-A6C34878D82A}">
-                    <a16:rowId xmlns:a16="http://schemas.microsoft.com/office/drawing/2014/main" val="1172609299"/>
+                    <a16:rowId xmlns:a16="http://schemas.microsoft.com/office/drawing/2014/main" val="1048205067"/>
                   </a:ext>
                 </a:extLst>
               </a:tr>
-              <a:tr h="274315">
+              <a:tr h="335276">
+                <a:tc>
+                  <a:txBody>
+                    <a:bodyPr/>
+                    <a:lstStyle/>
+                    <a:p>
+                      <a:r>
+                        <a:rPr kumimoji="1" lang="ja-JP" altLang="en-US" b="1" i="0" dirty="0" smtClean="0"/>
+                        <a:t>・トップページを作成をする</a:t>
+                      </a:r>
+                      <a:endParaRPr kumimoji="1" lang="ja-JP" altLang="en-US" b="1" i="0" dirty="0"/>
+                    </a:p>
+                  </a:txBody>
+                  <a:tcPr/>
+                </a:tc>
                 <a:tc>
                   <a:txBody>
                     <a:bodyPr/>
@@ -22334,27 +22442,7 @@
                     <a:p>
                       <a:r>
                         <a:rPr kumimoji="1" lang="ja-JP" altLang="en-US" b="1" dirty="0" smtClean="0"/>
-                        <a:t>科目ごとの過去問・シラバスを表示する。</a:t>
-                      </a:r>
-                    </a:p>
-                  </a:txBody>
-                  <a:tcPr/>
-                </a:tc>
-                <a:extLst>
-                  <a:ext uri="{0D108BD9-81ED-4DB2-BD59-A6C34878D82A}">
-                    <a16:rowId xmlns:a16="http://schemas.microsoft.com/office/drawing/2014/main" val="1702721751"/>
-                  </a:ext>
-                </a:extLst>
-              </a:tr>
-              <a:tr h="274315">
-                <a:tc>
-                  <a:txBody>
-                    <a:bodyPr/>
-                    <a:lstStyle/>
-                    <a:p>
-                      <a:r>
-                        <a:rPr kumimoji="1" lang="ja-JP" altLang="en-US" b="1" dirty="0" smtClean="0"/>
-                        <a:t>津田沼校舎の案内図を表示する。</a:t>
+                        <a:t>・他の学科の資料集め</a:t>
                       </a:r>
                       <a:endParaRPr kumimoji="1" lang="ja-JP" altLang="en-US" b="1" dirty="0"/>
                     </a:p>
@@ -22363,11 +22451,11 @@
                 </a:tc>
                 <a:extLst>
                   <a:ext uri="{0D108BD9-81ED-4DB2-BD59-A6C34878D82A}">
-                    <a16:rowId xmlns:a16="http://schemas.microsoft.com/office/drawing/2014/main" val="2940320563"/>
+                    <a16:rowId xmlns:a16="http://schemas.microsoft.com/office/drawing/2014/main" val="3192546197"/>
                   </a:ext>
                 </a:extLst>
               </a:tr>
-              <a:tr h="274315">
+              <a:tr h="335276">
                 <a:tc>
                   <a:txBody>
                     <a:bodyPr/>
@@ -22391,41 +22479,35 @@
                         <a:defRPr/>
                       </a:pPr>
                       <a:r>
-                        <a:rPr kumimoji="1" lang="ja-JP" altLang="en-US" b="1" dirty="0" smtClean="0"/>
-                        <a:t>教養科目の空きを表示する。</a:t>
+                        <a:rPr lang="ja-JP" altLang="en-US" b="1" dirty="0" smtClean="0"/>
+                        <a:t>・</a:t>
                       </a:r>
+                      <a:r>
+                        <a:rPr lang="ja-JP" altLang="ja-JP" b="1" dirty="0" smtClean="0"/>
+                        <a:t>科目ごとの過去問・シラバスを表示する。</a:t>
+                      </a:r>
+                      <a:endParaRPr lang="ja-JP" altLang="ja-JP" dirty="0" smtClean="0"/>
+                    </a:p>
+                  </a:txBody>
+                  <a:tcPr/>
+                </a:tc>
+                <a:tc>
+                  <a:txBody>
+                    <a:bodyPr/>
+                    <a:lstStyle/>
+                    <a:p>
+                      <a:endParaRPr kumimoji="1" lang="ja-JP" altLang="en-US"/>
                     </a:p>
                   </a:txBody>
                   <a:tcPr/>
                 </a:tc>
                 <a:extLst>
                   <a:ext uri="{0D108BD9-81ED-4DB2-BD59-A6C34878D82A}">
-                    <a16:rowId xmlns:a16="http://schemas.microsoft.com/office/drawing/2014/main" val="648988141"/>
+                    <a16:rowId xmlns:a16="http://schemas.microsoft.com/office/drawing/2014/main" val="243681978"/>
                   </a:ext>
                 </a:extLst>
               </a:tr>
-              <a:tr h="342895">
-                <a:tc>
-                  <a:txBody>
-                    <a:bodyPr/>
-                    <a:lstStyle/>
-                    <a:p>
-                      <a:r>
-                        <a:rPr kumimoji="1" lang="ja-JP" altLang="en-US" b="1" dirty="0" smtClean="0"/>
-                        <a:t>資料集の時間割を表示する。</a:t>
-                      </a:r>
-                      <a:endParaRPr kumimoji="1" lang="ja-JP" altLang="en-US" b="1" dirty="0"/>
-                    </a:p>
-                  </a:txBody>
-                  <a:tcPr/>
-                </a:tc>
-                <a:extLst>
-                  <a:ext uri="{0D108BD9-81ED-4DB2-BD59-A6C34878D82A}">
-                    <a16:rowId xmlns:a16="http://schemas.microsoft.com/office/drawing/2014/main" val="3830218123"/>
-                  </a:ext>
-                </a:extLst>
-              </a:tr>
-              <a:tr h="297175">
+              <a:tr h="335276">
                 <a:tc>
                   <a:txBody>
                     <a:bodyPr/>
@@ -22449,108 +22531,430 @@
                         <a:defRPr/>
                       </a:pPr>
                       <a:r>
-                        <a:rPr kumimoji="1" lang="ja-JP" altLang="en-US" b="1" dirty="0" smtClean="0"/>
-                        <a:t>講師情報、それぞれの科目を取った学生の評価を表示する。</a:t>
+                        <a:rPr lang="ja-JP" altLang="en-US" b="1" dirty="0" smtClean="0"/>
+                        <a:t>・</a:t>
                       </a:r>
+                      <a:r>
+                        <a:rPr lang="ja-JP" altLang="ja-JP" b="1" dirty="0" smtClean="0"/>
+                        <a:t>今までの</a:t>
+                      </a:r>
+                      <a:r>
+                        <a:rPr lang="en-US" altLang="ja-JP" b="1" dirty="0" smtClean="0"/>
+                        <a:t>PM</a:t>
+                      </a:r>
+                      <a:r>
+                        <a:rPr lang="ja-JP" altLang="ja-JP" b="1" dirty="0" smtClean="0"/>
+                        <a:t>実験の完成体を表示する。</a:t>
+                      </a:r>
+                      <a:endParaRPr lang="ja-JP" altLang="ja-JP" dirty="0" smtClean="0"/>
+                    </a:p>
+                  </a:txBody>
+                  <a:tcPr/>
+                </a:tc>
+                <a:tc>
+                  <a:txBody>
+                    <a:bodyPr/>
+                    <a:lstStyle/>
+                    <a:p>
+                      <a:endParaRPr kumimoji="1" lang="ja-JP" altLang="en-US"/>
                     </a:p>
                   </a:txBody>
                   <a:tcPr/>
                 </a:tc>
                 <a:extLst>
                   <a:ext uri="{0D108BD9-81ED-4DB2-BD59-A6C34878D82A}">
-                    <a16:rowId xmlns:a16="http://schemas.microsoft.com/office/drawing/2014/main" val="1147759662"/>
+                    <a16:rowId xmlns:a16="http://schemas.microsoft.com/office/drawing/2014/main" val="895431990"/>
                   </a:ext>
                 </a:extLst>
               </a:tr>
-              <a:tr h="228595">
+              <a:tr h="335276">
                 <a:tc>
                   <a:txBody>
                     <a:bodyPr/>
                     <a:lstStyle/>
                     <a:p>
+                      <a:pPr marL="0" marR="0" indent="0" algn="l" defTabSz="914400" rtl="0" eaLnBrk="1" fontAlgn="auto" latinLnBrk="0" hangingPunct="1">
+                        <a:lnSpc>
+                          <a:spcPct val="100000"/>
+                        </a:lnSpc>
+                        <a:spcBef>
+                          <a:spcPts val="0"/>
+                        </a:spcBef>
+                        <a:spcAft>
+                          <a:spcPts val="0"/>
+                        </a:spcAft>
+                        <a:buClrTx/>
+                        <a:buSzTx/>
+                        <a:buFontTx/>
+                        <a:buNone/>
+                        <a:tabLst/>
+                        <a:defRPr/>
+                      </a:pPr>
                       <a:r>
-                        <a:rPr kumimoji="1" lang="ja-JP" altLang="en-US" b="1" dirty="0" smtClean="0"/>
-                        <a:t>自分の今までの単位数を表示する。</a:t>
+                        <a:rPr lang="ja-JP" altLang="en-US" b="1" dirty="0" smtClean="0"/>
+                        <a:t>・</a:t>
                       </a:r>
-                      <a:endParaRPr kumimoji="1" lang="ja-JP" altLang="en-US" b="1" dirty="0"/>
+                      <a:r>
+                        <a:rPr lang="ja-JP" altLang="ja-JP" b="1" dirty="0" smtClean="0"/>
+                        <a:t>必要な科目や単位の計算</a:t>
+                      </a:r>
+                      <a:r>
+                        <a:rPr lang="ja-JP" altLang="en-US" b="1" dirty="0" smtClean="0"/>
+                        <a:t>を</a:t>
+                      </a:r>
+                      <a:r>
+                        <a:rPr lang="ja-JP" altLang="ja-JP" b="1" dirty="0" smtClean="0"/>
+                        <a:t>する。</a:t>
+                      </a:r>
+                      <a:endParaRPr lang="ja-JP" altLang="ja-JP" dirty="0" smtClean="0"/>
+                    </a:p>
+                  </a:txBody>
+                  <a:tcPr/>
+                </a:tc>
+                <a:tc>
+                  <a:txBody>
+                    <a:bodyPr/>
+                    <a:lstStyle/>
+                    <a:p>
+                      <a:endParaRPr kumimoji="1" lang="ja-JP" altLang="en-US" dirty="0"/>
                     </a:p>
                   </a:txBody>
                   <a:tcPr/>
                 </a:tc>
                 <a:extLst>
                   <a:ext uri="{0D108BD9-81ED-4DB2-BD59-A6C34878D82A}">
-                    <a16:rowId xmlns:a16="http://schemas.microsoft.com/office/drawing/2014/main" val="518334240"/>
+                    <a16:rowId xmlns:a16="http://schemas.microsoft.com/office/drawing/2014/main" val="1389210637"/>
                   </a:ext>
                 </a:extLst>
               </a:tr>
-              <a:tr h="297175">
+              <a:tr h="335276">
                 <a:tc>
                   <a:txBody>
                     <a:bodyPr/>
                     <a:lstStyle/>
                     <a:p>
+                      <a:pPr marL="0" marR="0" indent="0" algn="l" defTabSz="914400" rtl="0" eaLnBrk="1" fontAlgn="auto" latinLnBrk="0" hangingPunct="1">
+                        <a:lnSpc>
+                          <a:spcPct val="100000"/>
+                        </a:lnSpc>
+                        <a:spcBef>
+                          <a:spcPts val="0"/>
+                        </a:spcBef>
+                        <a:spcAft>
+                          <a:spcPts val="0"/>
+                        </a:spcAft>
+                        <a:buClrTx/>
+                        <a:buSzTx/>
+                        <a:buFontTx/>
+                        <a:buNone/>
+                        <a:tabLst/>
+                        <a:defRPr/>
+                      </a:pPr>
                       <a:r>
-                        <a:rPr kumimoji="1" lang="ja-JP" altLang="en-US" b="1" dirty="0" smtClean="0"/>
-                        <a:t>必要な科目や単位の計算する。</a:t>
+                        <a:rPr lang="ja-JP" altLang="en-US" b="1" dirty="0" smtClean="0"/>
+                        <a:t>・</a:t>
                       </a:r>
-                      <a:endParaRPr kumimoji="1" lang="ja-JP" altLang="en-US" b="1" dirty="0"/>
+                      <a:r>
+                        <a:rPr lang="ja-JP" altLang="ja-JP" b="1" dirty="0" smtClean="0"/>
+                        <a:t>自分の今までの単位数を表示する。</a:t>
+                      </a:r>
+                      <a:endParaRPr lang="ja-JP" altLang="ja-JP" dirty="0" smtClean="0"/>
+                    </a:p>
+                  </a:txBody>
+                  <a:tcPr/>
+                </a:tc>
+                <a:tc>
+                  <a:txBody>
+                    <a:bodyPr/>
+                    <a:lstStyle/>
+                    <a:p>
+                      <a:endParaRPr kumimoji="1" lang="ja-JP" altLang="en-US" dirty="0"/>
                     </a:p>
                   </a:txBody>
                   <a:tcPr/>
                 </a:tc>
                 <a:extLst>
                   <a:ext uri="{0D108BD9-81ED-4DB2-BD59-A6C34878D82A}">
-                    <a16:rowId xmlns:a16="http://schemas.microsoft.com/office/drawing/2014/main" val="569120380"/>
+                    <a16:rowId xmlns:a16="http://schemas.microsoft.com/office/drawing/2014/main" val="2902661589"/>
                   </a:ext>
                 </a:extLst>
               </a:tr>
-              <a:tr h="205735">
+              <a:tr h="335276">
                 <a:tc>
                   <a:txBody>
                     <a:bodyPr/>
                     <a:lstStyle/>
                     <a:p>
+                      <a:pPr marL="0" marR="0" indent="0" algn="l" defTabSz="914400" rtl="0" eaLnBrk="1" fontAlgn="auto" latinLnBrk="0" hangingPunct="1">
+                        <a:lnSpc>
+                          <a:spcPct val="100000"/>
+                        </a:lnSpc>
+                        <a:spcBef>
+                          <a:spcPts val="0"/>
+                        </a:spcBef>
+                        <a:spcAft>
+                          <a:spcPts val="0"/>
+                        </a:spcAft>
+                        <a:buClrTx/>
+                        <a:buSzTx/>
+                        <a:buFontTx/>
+                        <a:buNone/>
+                        <a:tabLst/>
+                        <a:defRPr/>
+                      </a:pPr>
                       <a:r>
-                        <a:rPr kumimoji="1" lang="ja-JP" altLang="en-US" b="1" dirty="0" smtClean="0"/>
-                        <a:t>今までの</a:t>
+                        <a:rPr lang="ja-JP" altLang="en-US" b="1" dirty="0" smtClean="0"/>
+                        <a:t>・</a:t>
                       </a:r>
                       <a:r>
-                        <a:rPr kumimoji="1" lang="en-US" altLang="ja-JP" b="1" dirty="0" smtClean="0"/>
-                        <a:t>PM</a:t>
+                        <a:rPr lang="ja-JP" altLang="ja-JP" b="1" dirty="0" smtClean="0"/>
+                        <a:t>資料集の時間割を表示する。</a:t>
                       </a:r>
-                      <a:r>
-                        <a:rPr kumimoji="1" lang="ja-JP" altLang="en-US" b="1" dirty="0" smtClean="0"/>
-                        <a:t>実験の完成体を表示する。</a:t>
-                      </a:r>
-                      <a:endParaRPr kumimoji="1" lang="ja-JP" altLang="en-US" b="1" dirty="0"/>
+                      <a:endParaRPr lang="ja-JP" altLang="ja-JP" dirty="0" smtClean="0"/>
+                    </a:p>
+                  </a:txBody>
+                  <a:tcPr/>
+                </a:tc>
+                <a:tc>
+                  <a:txBody>
+                    <a:bodyPr/>
+                    <a:lstStyle/>
+                    <a:p>
+                      <a:endParaRPr kumimoji="1" lang="ja-JP" altLang="en-US" dirty="0"/>
                     </a:p>
                   </a:txBody>
                   <a:tcPr/>
                 </a:tc>
                 <a:extLst>
                   <a:ext uri="{0D108BD9-81ED-4DB2-BD59-A6C34878D82A}">
-                    <a16:rowId xmlns:a16="http://schemas.microsoft.com/office/drawing/2014/main" val="3703063389"/>
+                    <a16:rowId xmlns:a16="http://schemas.microsoft.com/office/drawing/2014/main" val="1311193933"/>
                   </a:ext>
                 </a:extLst>
               </a:tr>
-              <a:tr h="448680">
+            </a:tbl>
+          </a:graphicData>
+        </a:graphic>
+      </p:graphicFrame>
+      <p:graphicFrame>
+        <p:nvGraphicFramePr>
+          <p:cNvPr id="9" name="表 8"/>
+          <p:cNvGraphicFramePr>
+            <a:graphicFrameLocks noGrp="1"/>
+          </p:cNvGraphicFramePr>
+          <p:nvPr>
+            <p:extLst>
+              <p:ext uri="{D42A27DB-BD31-4B8C-83A1-F6EECF244321}">
+                <p14:modId xmlns:p14="http://schemas.microsoft.com/office/powerpoint/2010/main" val="3321893986"/>
+              </p:ext>
+            </p:extLst>
+          </p:nvPr>
+        </p:nvGraphicFramePr>
+        <p:xfrm>
+          <a:off x="994609" y="4385947"/>
+          <a:ext cx="10359189" cy="1928260"/>
+        </p:xfrm>
+        <a:graphic>
+          <a:graphicData uri="http://schemas.openxmlformats.org/drawingml/2006/table">
+            <a:tbl>
+              <a:tblPr firstRow="1" bandRow="1">
+                <a:tableStyleId>{5C22544A-7EE6-4342-B048-85BDC9FD1C3A}</a:tableStyleId>
+              </a:tblPr>
+              <a:tblGrid>
+                <a:gridCol w="10359189">
+                  <a:extLst>
+                    <a:ext uri="{9D8B030D-6E8A-4147-A177-3AD203B41FA5}">
+                      <a16:colId xmlns:a16="http://schemas.microsoft.com/office/drawing/2014/main" val="846846601"/>
+                    </a:ext>
+                  </a:extLst>
+                </a:gridCol>
+              </a:tblGrid>
+              <a:tr h="385652">
                 <a:tc>
                   <a:txBody>
                     <a:bodyPr/>
                     <a:lstStyle/>
                     <a:p>
+                      <a:pPr algn="ctr"/>
                       <a:r>
-                        <a:rPr kumimoji="1" lang="ja-JP" altLang="en-US" b="1" dirty="0" smtClean="0"/>
-                        <a:t>資格情報を表示する。</a:t>
+                        <a:rPr kumimoji="1" lang="ja-JP" altLang="en-US" dirty="0" smtClean="0"/>
+                        <a:t>やるかもしれない</a:t>
                       </a:r>
-                      <a:endParaRPr kumimoji="1" lang="ja-JP" altLang="en-US" b="1" dirty="0"/>
+                      <a:endParaRPr kumimoji="1" lang="ja-JP" altLang="en-US" dirty="0"/>
                     </a:p>
                   </a:txBody>
                   <a:tcPr/>
                 </a:tc>
                 <a:extLst>
                   <a:ext uri="{0D108BD9-81ED-4DB2-BD59-A6C34878D82A}">
-                    <a16:rowId xmlns:a16="http://schemas.microsoft.com/office/drawing/2014/main" val="2655526150"/>
+                    <a16:rowId xmlns:a16="http://schemas.microsoft.com/office/drawing/2014/main" val="1058407176"/>
+                  </a:ext>
+                </a:extLst>
+              </a:tr>
+              <a:tr h="385652">
+                <a:tc>
+                  <a:txBody>
+                    <a:bodyPr/>
+                    <a:lstStyle/>
+                    <a:p>
+                      <a:pPr marL="0" marR="0" indent="0" algn="l" defTabSz="914400" rtl="0" eaLnBrk="1" fontAlgn="auto" latinLnBrk="0" hangingPunct="1">
+                        <a:lnSpc>
+                          <a:spcPct val="100000"/>
+                        </a:lnSpc>
+                        <a:spcBef>
+                          <a:spcPts val="0"/>
+                        </a:spcBef>
+                        <a:spcAft>
+                          <a:spcPts val="0"/>
+                        </a:spcAft>
+                        <a:buClrTx/>
+                        <a:buSzTx/>
+                        <a:buFontTx/>
+                        <a:buNone/>
+                        <a:tabLst/>
+                        <a:defRPr/>
+                      </a:pPr>
+                      <a:r>
+                        <a:rPr lang="ja-JP" altLang="en-US" b="1" dirty="0" smtClean="0"/>
+                        <a:t>・</a:t>
+                      </a:r>
+                      <a:r>
+                        <a:rPr lang="ja-JP" altLang="ja-JP" b="1" dirty="0" smtClean="0"/>
+                        <a:t>津田沼校舎の案内図を表示する。</a:t>
+                      </a:r>
+                      <a:endParaRPr lang="ja-JP" altLang="ja-JP" dirty="0" smtClean="0"/>
+                    </a:p>
+                  </a:txBody>
+                  <a:tcPr/>
+                </a:tc>
+                <a:extLst>
+                  <a:ext uri="{0D108BD9-81ED-4DB2-BD59-A6C34878D82A}">
+                    <a16:rowId xmlns:a16="http://schemas.microsoft.com/office/drawing/2014/main" val="2680796669"/>
+                  </a:ext>
+                </a:extLst>
+              </a:tr>
+              <a:tr h="385652">
+                <a:tc>
+                  <a:txBody>
+                    <a:bodyPr/>
+                    <a:lstStyle/>
+                    <a:p>
+                      <a:pPr marL="0" marR="0" indent="0" algn="l" defTabSz="914400" rtl="0" eaLnBrk="1" fontAlgn="auto" latinLnBrk="0" hangingPunct="1">
+                        <a:lnSpc>
+                          <a:spcPct val="100000"/>
+                        </a:lnSpc>
+                        <a:spcBef>
+                          <a:spcPts val="0"/>
+                        </a:spcBef>
+                        <a:spcAft>
+                          <a:spcPts val="0"/>
+                        </a:spcAft>
+                        <a:buClrTx/>
+                        <a:buSzTx/>
+                        <a:buFontTx/>
+                        <a:buNone/>
+                        <a:tabLst/>
+                        <a:defRPr/>
+                      </a:pPr>
+                      <a:r>
+                        <a:rPr lang="ja-JP" altLang="en-US" b="1" dirty="0" smtClean="0"/>
+                        <a:t>・</a:t>
+                      </a:r>
+                      <a:r>
+                        <a:rPr lang="ja-JP" altLang="ja-JP" b="1" dirty="0" smtClean="0"/>
+                        <a:t>教養科目の空きを表示する。</a:t>
+                      </a:r>
+                      <a:endParaRPr lang="ja-JP" altLang="ja-JP" dirty="0" smtClean="0"/>
+                    </a:p>
+                  </a:txBody>
+                  <a:tcPr/>
+                </a:tc>
+                <a:extLst>
+                  <a:ext uri="{0D108BD9-81ED-4DB2-BD59-A6C34878D82A}">
+                    <a16:rowId xmlns:a16="http://schemas.microsoft.com/office/drawing/2014/main" val="3505487081"/>
+                  </a:ext>
+                </a:extLst>
+              </a:tr>
+              <a:tr h="385652">
+                <a:tc>
+                  <a:txBody>
+                    <a:bodyPr/>
+                    <a:lstStyle/>
+                    <a:p>
+                      <a:pPr marL="0" marR="0" indent="0" algn="l" defTabSz="914400" rtl="0" eaLnBrk="1" fontAlgn="auto" latinLnBrk="0" hangingPunct="1">
+                        <a:lnSpc>
+                          <a:spcPct val="100000"/>
+                        </a:lnSpc>
+                        <a:spcBef>
+                          <a:spcPts val="0"/>
+                        </a:spcBef>
+                        <a:spcAft>
+                          <a:spcPts val="0"/>
+                        </a:spcAft>
+                        <a:buClrTx/>
+                        <a:buSzTx/>
+                        <a:buFontTx/>
+                        <a:buNone/>
+                        <a:tabLst/>
+                        <a:defRPr/>
+                      </a:pPr>
+                      <a:r>
+                        <a:rPr lang="ja-JP" altLang="en-US" b="1" dirty="0" smtClean="0"/>
+                        <a:t>・</a:t>
+                      </a:r>
+                      <a:r>
+                        <a:rPr lang="ja-JP" altLang="ja-JP" b="1" dirty="0" smtClean="0"/>
+                        <a:t>講師情報、それぞれの科目を取った学生の評価を表示する。</a:t>
+                      </a:r>
+                      <a:endParaRPr lang="ja-JP" altLang="ja-JP" dirty="0" smtClean="0"/>
+                    </a:p>
+                  </a:txBody>
+                  <a:tcPr/>
+                </a:tc>
+                <a:extLst>
+                  <a:ext uri="{0D108BD9-81ED-4DB2-BD59-A6C34878D82A}">
+                    <a16:rowId xmlns:a16="http://schemas.microsoft.com/office/drawing/2014/main" val="562080075"/>
+                  </a:ext>
+                </a:extLst>
+              </a:tr>
+              <a:tr h="385652">
+                <a:tc>
+                  <a:txBody>
+                    <a:bodyPr/>
+                    <a:lstStyle/>
+                    <a:p>
+                      <a:pPr marL="0" marR="0" indent="0" algn="l" defTabSz="914400" rtl="0" eaLnBrk="1" fontAlgn="auto" latinLnBrk="0" hangingPunct="1">
+                        <a:lnSpc>
+                          <a:spcPct val="100000"/>
+                        </a:lnSpc>
+                        <a:spcBef>
+                          <a:spcPts val="0"/>
+                        </a:spcBef>
+                        <a:spcAft>
+                          <a:spcPts val="0"/>
+                        </a:spcAft>
+                        <a:buClrTx/>
+                        <a:buSzTx/>
+                        <a:buFontTx/>
+                        <a:buNone/>
+                        <a:tabLst/>
+                        <a:defRPr/>
+                      </a:pPr>
+                      <a:r>
+                        <a:rPr lang="ja-JP" altLang="en-US" b="1" dirty="0" smtClean="0"/>
+                        <a:t>・</a:t>
+                      </a:r>
+                      <a:r>
+                        <a:rPr lang="ja-JP" altLang="ja-JP" b="1" dirty="0" smtClean="0"/>
+                        <a:t>資格情報を表示する。</a:t>
+                      </a:r>
+                      <a:endParaRPr lang="ja-JP" altLang="ja-JP" dirty="0" smtClean="0"/>
+                    </a:p>
+                  </a:txBody>
+                  <a:tcPr/>
+                </a:tc>
+                <a:extLst>
+                  <a:ext uri="{0D108BD9-81ED-4DB2-BD59-A6C34878D82A}">
+                    <a16:rowId xmlns:a16="http://schemas.microsoft.com/office/drawing/2014/main" val="3360182246"/>
                   </a:ext>
                 </a:extLst>
               </a:tr>
@@ -22919,7 +23323,7 @@
         </p:nvSpPr>
         <p:spPr>
           <a:xfrm>
-            <a:off x="9442969" y="1262512"/>
+            <a:off x="9179334" y="1346557"/>
             <a:ext cx="2954655" cy="461665"/>
           </a:xfrm>
           <a:prstGeom prst="rect">
@@ -23886,45 +24290,45 @@
           <a:lstStyle/>
           <a:p>
             <a:r>
-              <a:rPr kumimoji="1" lang="ja-JP" altLang="en-US" sz="3600" dirty="0" smtClean="0"/>
+              <a:rPr kumimoji="1" lang="ja-JP" altLang="en-US" sz="3600" b="1" dirty="0" smtClean="0"/>
               <a:t>ファイルの紛失</a:t>
             </a:r>
-            <a:endParaRPr kumimoji="1" lang="en-US" altLang="ja-JP" sz="3600" dirty="0" smtClean="0"/>
+            <a:endParaRPr kumimoji="1" lang="en-US" altLang="ja-JP" sz="3600" b="1" dirty="0" smtClean="0"/>
           </a:p>
           <a:p>
             <a:r>
-              <a:rPr lang="ja-JP" altLang="en-US" sz="3600" dirty="0" smtClean="0"/>
+              <a:rPr lang="ja-JP" altLang="en-US" sz="3600" b="1" dirty="0" smtClean="0"/>
               <a:t>メンバー間での衝突</a:t>
             </a:r>
-            <a:endParaRPr lang="en-US" altLang="ja-JP" sz="3600" dirty="0" smtClean="0"/>
+            <a:endParaRPr lang="en-US" altLang="ja-JP" sz="3600" b="1" dirty="0" smtClean="0"/>
           </a:p>
           <a:p>
             <a:r>
-              <a:rPr lang="ja-JP" altLang="en-US" sz="3600" dirty="0" smtClean="0"/>
+              <a:rPr lang="ja-JP" altLang="en-US" sz="3600" b="1" dirty="0" smtClean="0"/>
               <a:t>期日、予算の超過</a:t>
             </a:r>
-            <a:endParaRPr lang="en-US" altLang="ja-JP" sz="3600" dirty="0" smtClean="0"/>
+            <a:endParaRPr lang="en-US" altLang="ja-JP" sz="3600" b="1" dirty="0" smtClean="0"/>
           </a:p>
           <a:p>
             <a:r>
-              <a:rPr lang="ja-JP" altLang="en-US" sz="3600" dirty="0" smtClean="0"/>
+              <a:rPr lang="ja-JP" altLang="en-US" sz="3600" b="1" dirty="0" smtClean="0"/>
               <a:t>技術力不足</a:t>
             </a:r>
-            <a:endParaRPr lang="en-US" altLang="ja-JP" sz="3600" dirty="0" smtClean="0"/>
+            <a:endParaRPr lang="en-US" altLang="ja-JP" sz="3600" b="1" dirty="0" smtClean="0"/>
           </a:p>
           <a:p>
             <a:r>
-              <a:rPr kumimoji="1" lang="ja-JP" altLang="en-US" sz="3600" dirty="0" smtClean="0"/>
+              <a:rPr kumimoji="1" lang="ja-JP" altLang="en-US" sz="3600" b="1" dirty="0" smtClean="0"/>
               <a:t>掲載データ不足</a:t>
             </a:r>
-            <a:endParaRPr kumimoji="1" lang="en-US" altLang="ja-JP" sz="3600" dirty="0" smtClean="0"/>
+            <a:endParaRPr kumimoji="1" lang="en-US" altLang="ja-JP" sz="3600" b="1" dirty="0" smtClean="0"/>
           </a:p>
           <a:p>
             <a:r>
-              <a:rPr lang="ja-JP" altLang="en-US" sz="3600" dirty="0" smtClean="0"/>
+              <a:rPr lang="ja-JP" altLang="en-US" sz="3600" b="1" dirty="0" smtClean="0"/>
               <a:t>サーバーの故障</a:t>
             </a:r>
-            <a:endParaRPr lang="en-US" altLang="ja-JP" sz="3600" dirty="0" smtClean="0"/>
+            <a:endParaRPr lang="en-US" altLang="ja-JP" sz="3600" b="1" dirty="0" smtClean="0"/>
           </a:p>
         </p:txBody>
       </p:sp>

--- a/インセプションデッキ矢吹研A班.pptx
+++ b/インセプションデッキ矢吹研A班.pptx
@@ -5308,8 +5308,8 @@
         </p:nvSpPr>
         <p:spPr bwMode="auto">
           <a:xfrm>
-            <a:off x="6719251" y="3019207"/>
-            <a:ext cx="1934825" cy="507831"/>
+            <a:off x="6080594" y="2475034"/>
+            <a:ext cx="1994136" cy="384721"/>
           </a:xfrm>
           <a:prstGeom prst="rect">
             <a:avLst/>
@@ -5538,14 +5538,14 @@
               <a:buNone/>
             </a:pPr>
             <a:r>
-              <a:rPr lang="ja-JP" altLang="en-US" sz="2800" dirty="0">
+              <a:rPr lang="ja-JP" altLang="en-US" sz="2000" dirty="0" smtClean="0">
                 <a:latin typeface="ヒラギノ角ゴ StdN W8" charset="0"/>
                 <a:ea typeface="ＭＳ Ｐゴシック" panose="020B0600070205080204" pitchFamily="50" charset="-128"/>
                 <a:sym typeface="ヒラギノ角ゴ StdN W8" charset="0"/>
               </a:rPr>
-              <a:t>トレーニング</a:t>
-            </a:r>
-            <a:endParaRPr lang="en-US" altLang="ja-JP" sz="2800" dirty="0">
+              <a:t>レビュー・振り返り</a:t>
+            </a:r>
+            <a:endParaRPr lang="en-US" altLang="ja-JP" sz="2000" dirty="0">
               <a:latin typeface="ヒラギノ角ゴ StdN W8" charset="0"/>
               <a:ea typeface="ＭＳ Ｐゴシック" panose="020B0600070205080204" pitchFamily="50" charset="-128"/>
               <a:sym typeface="ヒラギノ角ゴ StdN W8" charset="0"/>
@@ -5819,7 +5819,7 @@
         <p:spPr bwMode="auto">
           <a:xfrm>
             <a:off x="3215509" y="3824779"/>
-            <a:ext cx="1171796" cy="446276"/>
+            <a:ext cx="1012713" cy="446276"/>
           </a:xfrm>
           <a:prstGeom prst="rect">
             <a:avLst/>
@@ -6070,7 +6070,7 @@
               <a:t>1</a:t>
             </a:r>
             <a:r>
-              <a:rPr lang="ja-JP" altLang="en-US" sz="2400" dirty="0" smtClean="0">
+              <a:rPr lang="en-US" altLang="ja-JP" sz="2400" dirty="0">
                 <a:solidFill>
                   <a:srgbClr val="FFFFFF"/>
                 </a:solidFill>
@@ -6078,7 +6078,18 @@
                 <a:ea typeface="ＭＳ Ｐゴシック" panose="020B0600070205080204" pitchFamily="50" charset="-128"/>
                 <a:sym typeface="ヒラギノ角ゴ ProN W6" charset="0"/>
               </a:rPr>
-              <a:t>週間</a:t>
+              <a:t>1</a:t>
+            </a:r>
+            <a:r>
+              <a:rPr lang="ja-JP" altLang="en-US" sz="2400" dirty="0" smtClean="0">
+                <a:solidFill>
+                  <a:srgbClr val="FFFFFF"/>
+                </a:solidFill>
+                <a:latin typeface="ヒラギノ角ゴ ProN W6" charset="0"/>
+                <a:ea typeface="ＭＳ Ｐゴシック" panose="020B0600070205080204" pitchFamily="50" charset="-128"/>
+                <a:sym typeface="ヒラギノ角ゴ ProN W6" charset="0"/>
+              </a:rPr>
+              <a:t>日</a:t>
             </a:r>
             <a:endParaRPr lang="ja-JP" altLang="en-US" sz="2400" dirty="0">
               <a:solidFill>
@@ -6156,7 +6167,7 @@
         <p:spPr bwMode="auto">
           <a:xfrm>
             <a:off x="5172630" y="3863251"/>
-            <a:ext cx="479298" cy="369332"/>
+            <a:ext cx="517770" cy="369332"/>
           </a:xfrm>
           <a:prstGeom prst="rect">
             <a:avLst/>
@@ -6385,7 +6396,7 @@
               <a:buNone/>
             </a:pPr>
             <a:r>
-              <a:rPr lang="en-US" altLang="ja-JP" sz="2400" dirty="0" smtClean="0">
+              <a:rPr lang="ja-JP" altLang="en-US" sz="2400" dirty="0">
                 <a:solidFill>
                   <a:srgbClr val="FFFFFF"/>
                 </a:solidFill>
@@ -6393,7 +6404,7 @@
                 <a:ea typeface="ＭＳ Ｐゴシック" panose="020B0600070205080204" pitchFamily="50" charset="-128"/>
                 <a:sym typeface="ヒラギノ角ゴ ProN W6" charset="0"/>
               </a:rPr>
-              <a:t>3</a:t>
+              <a:t>２</a:t>
             </a:r>
             <a:r>
               <a:rPr lang="ja-JP" altLang="en-US" sz="2400" dirty="0" smtClean="0">
@@ -6602,7 +6613,7 @@
         <p:spPr bwMode="auto">
           <a:xfrm>
             <a:off x="7537969" y="3843516"/>
-            <a:ext cx="479298" cy="369332"/>
+            <a:ext cx="517770" cy="369332"/>
           </a:xfrm>
           <a:prstGeom prst="rect">
             <a:avLst/>
@@ -6831,7 +6842,7 @@
               <a:buNone/>
             </a:pPr>
             <a:r>
-              <a:rPr lang="en-US" altLang="ja-JP" sz="2400" dirty="0" smtClean="0">
+              <a:rPr lang="ja-JP" altLang="en-US" sz="2400" dirty="0" smtClean="0">
                 <a:solidFill>
                   <a:srgbClr val="FFFFFF"/>
                 </a:solidFill>
@@ -6839,18 +6850,7 @@
                 <a:ea typeface="ＭＳ Ｐゴシック" panose="020B0600070205080204" pitchFamily="50" charset="-128"/>
                 <a:sym typeface="ヒラギノ角ゴ ProN W6" charset="0"/>
               </a:rPr>
-              <a:t>4</a:t>
-            </a:r>
-            <a:r>
-              <a:rPr lang="ja-JP" altLang="en-US" sz="2400" dirty="0" smtClean="0">
-                <a:solidFill>
-                  <a:srgbClr val="FFFFFF"/>
-                </a:solidFill>
-                <a:latin typeface="ヒラギノ角ゴ ProN W6" charset="0"/>
-                <a:ea typeface="ＭＳ Ｐゴシック" panose="020B0600070205080204" pitchFamily="50" charset="-128"/>
-                <a:sym typeface="ヒラギノ角ゴ ProN W6" charset="0"/>
-              </a:rPr>
-              <a:t>日</a:t>
+              <a:t>１日</a:t>
             </a:r>
             <a:endParaRPr lang="ja-JP" altLang="en-US" sz="2400" dirty="0">
               <a:solidFill>
@@ -11120,7 +11120,7 @@
         </p:nvSpPr>
         <p:spPr bwMode="auto">
           <a:xfrm>
-            <a:off x="3688555" y="1903413"/>
+            <a:off x="4021708" y="1839913"/>
             <a:ext cx="228600" cy="457200"/>
           </a:xfrm>
           <a:prstGeom prst="ellipse">
@@ -11949,7 +11949,7 @@
         </p:nvSpPr>
         <p:spPr bwMode="auto">
           <a:xfrm>
-            <a:off x="3324206" y="2403844"/>
+            <a:off x="3595690" y="2420144"/>
             <a:ext cx="228600" cy="457200"/>
           </a:xfrm>
           <a:prstGeom prst="ellipse">
@@ -16914,7 +16914,7 @@
         </p:nvSpPr>
         <p:spPr bwMode="auto">
           <a:xfrm>
-            <a:off x="3159488" y="4633913"/>
+            <a:off x="3640964" y="4550094"/>
             <a:ext cx="228600" cy="457200"/>
           </a:xfrm>
           <a:prstGeom prst="ellipse">
@@ -17743,7 +17743,7 @@
         </p:nvSpPr>
         <p:spPr bwMode="auto">
           <a:xfrm>
-            <a:off x="2816226" y="5199082"/>
+            <a:off x="2899577" y="5188875"/>
             <a:ext cx="228600" cy="457200"/>
           </a:xfrm>
           <a:prstGeom prst="ellipse">
@@ -18572,7 +18572,7 @@
         </p:nvSpPr>
         <p:spPr bwMode="auto">
           <a:xfrm>
-            <a:off x="3272634" y="5697538"/>
+            <a:off x="3490914" y="5638800"/>
             <a:ext cx="228600" cy="457200"/>
           </a:xfrm>
           <a:prstGeom prst="ellipse">
@@ -19814,8 +19814,8 @@
         </p:nvSpPr>
         <p:spPr bwMode="auto">
           <a:xfrm>
-            <a:off x="6636124" y="2038306"/>
-            <a:ext cx="1934825" cy="507831"/>
+            <a:off x="5568801" y="1472721"/>
+            <a:ext cx="1994136" cy="384721"/>
           </a:xfrm>
           <a:prstGeom prst="rect">
             <a:avLst/>
@@ -20044,14 +20044,14 @@
               <a:buNone/>
             </a:pPr>
             <a:r>
-              <a:rPr lang="ja-JP" altLang="en-US" sz="2800" dirty="0">
+              <a:rPr lang="ja-JP" altLang="en-US" sz="2000" dirty="0" smtClean="0">
                 <a:latin typeface="ヒラギノ角ゴ StdN W8" charset="0"/>
                 <a:ea typeface="ＭＳ Ｐゴシック" panose="020B0600070205080204" pitchFamily="50" charset="-128"/>
                 <a:sym typeface="ヒラギノ角ゴ StdN W8" charset="0"/>
               </a:rPr>
-              <a:t>トレーニング</a:t>
-            </a:r>
-            <a:endParaRPr lang="en-US" altLang="ja-JP" sz="2800" dirty="0">
+              <a:t>レビュー・振り返り</a:t>
+            </a:r>
+            <a:endParaRPr lang="en-US" altLang="ja-JP" sz="2000" dirty="0">
               <a:latin typeface="ヒラギノ角ゴ StdN W8" charset="0"/>
               <a:ea typeface="ＭＳ Ｐゴシック" panose="020B0600070205080204" pitchFamily="50" charset="-128"/>
               <a:sym typeface="ヒラギノ角ゴ StdN W8" charset="0"/>
@@ -20325,7 +20325,7 @@
         <p:spPr bwMode="auto">
           <a:xfrm>
             <a:off x="3132382" y="2843878"/>
-            <a:ext cx="1171796" cy="446276"/>
+            <a:ext cx="1012713" cy="446276"/>
           </a:xfrm>
           <a:prstGeom prst="rect">
             <a:avLst/>
@@ -20576,7 +20576,7 @@
               <a:t>1</a:t>
             </a:r>
             <a:r>
-              <a:rPr lang="ja-JP" altLang="en-US" sz="2400" dirty="0" smtClean="0">
+              <a:rPr lang="en-US" altLang="ja-JP" sz="2400" dirty="0">
                 <a:solidFill>
                   <a:srgbClr val="FFFFFF"/>
                 </a:solidFill>
@@ -20584,7 +20584,18 @@
                 <a:ea typeface="ＭＳ Ｐゴシック" panose="020B0600070205080204" pitchFamily="50" charset="-128"/>
                 <a:sym typeface="ヒラギノ角ゴ ProN W6" charset="0"/>
               </a:rPr>
-              <a:t>週間</a:t>
+              <a:t>1</a:t>
+            </a:r>
+            <a:r>
+              <a:rPr lang="ja-JP" altLang="en-US" sz="2400" dirty="0">
+                <a:solidFill>
+                  <a:srgbClr val="FFFFFF"/>
+                </a:solidFill>
+                <a:latin typeface="ヒラギノ角ゴ ProN W6" charset="0"/>
+                <a:ea typeface="ＭＳ Ｐゴシック" panose="020B0600070205080204" pitchFamily="50" charset="-128"/>
+                <a:sym typeface="ヒラギノ角ゴ ProN W6" charset="0"/>
+              </a:rPr>
+              <a:t>日</a:t>
             </a:r>
             <a:endParaRPr lang="ja-JP" altLang="en-US" sz="2400" dirty="0">
               <a:solidFill>
@@ -20662,7 +20673,7 @@
         <p:spPr bwMode="auto">
           <a:xfrm>
             <a:off x="5089503" y="2882350"/>
-            <a:ext cx="479298" cy="369332"/>
+            <a:ext cx="517770" cy="369332"/>
           </a:xfrm>
           <a:prstGeom prst="rect">
             <a:avLst/>
@@ -20891,7 +20902,7 @@
               <a:buNone/>
             </a:pPr>
             <a:r>
-              <a:rPr lang="en-US" altLang="ja-JP" sz="2400" dirty="0" smtClean="0">
+              <a:rPr lang="ja-JP" altLang="en-US" sz="2400" dirty="0">
                 <a:solidFill>
                   <a:srgbClr val="FFFFFF"/>
                 </a:solidFill>
@@ -20899,7 +20910,7 @@
                 <a:ea typeface="ＭＳ Ｐゴシック" panose="020B0600070205080204" pitchFamily="50" charset="-128"/>
                 <a:sym typeface="ヒラギノ角ゴ ProN W6" charset="0"/>
               </a:rPr>
-              <a:t>3</a:t>
+              <a:t>２</a:t>
             </a:r>
             <a:r>
               <a:rPr lang="ja-JP" altLang="en-US" sz="2400" dirty="0" smtClean="0">
@@ -21108,7 +21119,7 @@
         <p:spPr bwMode="auto">
           <a:xfrm>
             <a:off x="7454842" y="2862615"/>
-            <a:ext cx="479298" cy="369332"/>
+            <a:ext cx="517770" cy="369332"/>
           </a:xfrm>
           <a:prstGeom prst="rect">
             <a:avLst/>
@@ -21337,7 +21348,7 @@
               <a:buNone/>
             </a:pPr>
             <a:r>
-              <a:rPr lang="en-US" altLang="ja-JP" sz="2400" dirty="0" smtClean="0">
+              <a:rPr lang="ja-JP" altLang="en-US" sz="2400" dirty="0">
                 <a:solidFill>
                   <a:srgbClr val="FFFFFF"/>
                 </a:solidFill>
@@ -21345,7 +21356,7 @@
                 <a:ea typeface="ＭＳ Ｐゴシック" panose="020B0600070205080204" pitchFamily="50" charset="-128"/>
                 <a:sym typeface="ヒラギノ角ゴ ProN W6" charset="0"/>
               </a:rPr>
-              <a:t>4</a:t>
+              <a:t>１</a:t>
             </a:r>
             <a:r>
               <a:rPr lang="ja-JP" altLang="en-US" sz="2400" dirty="0" smtClean="0">

--- a/インセプションデッキ矢吹研A班.pptx
+++ b/インセプションデッキ矢吹研A班.pptx
@@ -26,7 +26,7 @@
     <p:sldId id="274" r:id="rId14"/>
   </p:sldIdLst>
   <p:sldSz cx="12192000" cy="6858000"/>
-  <p:notesSz cx="6845300" cy="9993313"/>
+  <p:notesSz cx="6813550" cy="9955213"/>
   <p:defaultTextStyle>
     <a:defPPr>
       <a:defRPr lang="ja-JP"/>
@@ -165,14 +165,14 @@
         <p:spPr>
           <a:xfrm>
             <a:off x="0" y="0"/>
-            <a:ext cx="2967038" cy="501650"/>
+            <a:ext cx="2953276" cy="499737"/>
           </a:xfrm>
           <a:prstGeom prst="rect">
             <a:avLst/>
           </a:prstGeom>
         </p:spPr>
         <p:txBody>
-          <a:bodyPr vert="horz" lIns="91440" tIns="45720" rIns="91440" bIns="45720" rtlCol="0"/>
+          <a:bodyPr vert="horz" lIns="91056" tIns="45528" rIns="91056" bIns="45528" rtlCol="0"/>
           <a:lstStyle>
             <a:lvl1pPr algn="l">
               <a:defRPr sz="1200"/>
@@ -195,15 +195,15 @@
         </p:nvSpPr>
         <p:spPr>
           <a:xfrm>
-            <a:off x="3876675" y="0"/>
-            <a:ext cx="2967038" cy="501650"/>
+            <a:off x="3858694" y="0"/>
+            <a:ext cx="2953276" cy="499737"/>
           </a:xfrm>
           <a:prstGeom prst="rect">
             <a:avLst/>
           </a:prstGeom>
         </p:spPr>
         <p:txBody>
-          <a:bodyPr vert="horz" lIns="91440" tIns="45720" rIns="91440" bIns="45720" rtlCol="0"/>
+          <a:bodyPr vert="horz" lIns="91056" tIns="45528" rIns="91056" bIns="45528" rtlCol="0"/>
           <a:lstStyle>
             <a:lvl1pPr algn="r">
               <a:defRPr sz="1200"/>
@@ -212,7 +212,7 @@
           <a:p>
             <a:fld id="{44823B36-9560-43F4-8AF9-F0441FB700C8}" type="datetimeFigureOut">
               <a:rPr kumimoji="1" lang="ja-JP" altLang="en-US" smtClean="0"/>
-              <a:t>2017/5/22</a:t>
+              <a:t>2017/5/26</a:t>
             </a:fld>
             <a:endParaRPr kumimoji="1" lang="ja-JP" altLang="en-US"/>
           </a:p>
@@ -230,15 +230,15 @@
         </p:nvSpPr>
         <p:spPr>
           <a:xfrm>
-            <a:off x="0" y="9491663"/>
-            <a:ext cx="2967038" cy="501650"/>
+            <a:off x="0" y="9455476"/>
+            <a:ext cx="2953276" cy="499737"/>
           </a:xfrm>
           <a:prstGeom prst="rect">
             <a:avLst/>
           </a:prstGeom>
         </p:spPr>
         <p:txBody>
-          <a:bodyPr vert="horz" lIns="91440" tIns="45720" rIns="91440" bIns="45720" rtlCol="0" anchor="b"/>
+          <a:bodyPr vert="horz" lIns="91056" tIns="45528" rIns="91056" bIns="45528" rtlCol="0" anchor="b"/>
           <a:lstStyle>
             <a:lvl1pPr algn="l">
               <a:defRPr sz="1200"/>
@@ -261,15 +261,15 @@
         </p:nvSpPr>
         <p:spPr>
           <a:xfrm>
-            <a:off x="3876675" y="9491663"/>
-            <a:ext cx="2967038" cy="501650"/>
+            <a:off x="3858694" y="9455476"/>
+            <a:ext cx="2953276" cy="499737"/>
           </a:xfrm>
           <a:prstGeom prst="rect">
             <a:avLst/>
           </a:prstGeom>
         </p:spPr>
         <p:txBody>
-          <a:bodyPr vert="horz" lIns="91440" tIns="45720" rIns="91440" bIns="45720" rtlCol="0" anchor="b"/>
+          <a:bodyPr vert="horz" lIns="91056" tIns="45528" rIns="91056" bIns="45528" rtlCol="0" anchor="b"/>
           <a:lstStyle>
             <a:lvl1pPr algn="r">
               <a:defRPr sz="1200"/>
@@ -292,6 +292,7 @@
     </p:extLst>
   </p:cSld>
   <p:clrMap bg1="lt1" tx1="dk1" bg2="lt2" tx2="dk2" accent1="accent1" accent2="accent2" accent3="accent3" accent4="accent4" accent5="accent5" accent6="accent6" hlink="hlink" folHlink="folHlink"/>
+  <p:hf hdr="0" ftr="0" dt="0"/>
 </p:handoutMaster>
 </file>
 
@@ -329,15 +330,15 @@
         </p:nvSpPr>
         <p:spPr>
           <a:xfrm>
-            <a:off x="0" y="0"/>
-            <a:ext cx="2966297" cy="501401"/>
+            <a:off x="0" y="1"/>
+            <a:ext cx="2952539" cy="499489"/>
           </a:xfrm>
           <a:prstGeom prst="rect">
             <a:avLst/>
           </a:prstGeom>
         </p:spPr>
         <p:txBody>
-          <a:bodyPr vert="horz" lIns="91440" tIns="45720" rIns="91440" bIns="45720" rtlCol="0"/>
+          <a:bodyPr vert="horz" lIns="91056" tIns="45528" rIns="91056" bIns="45528" rtlCol="0"/>
           <a:lstStyle>
             <a:lvl1pPr algn="l">
               <a:defRPr sz="1200"/>
@@ -360,15 +361,15 @@
         </p:nvSpPr>
         <p:spPr>
           <a:xfrm>
-            <a:off x="3877419" y="0"/>
-            <a:ext cx="2966297" cy="501401"/>
+            <a:off x="3859435" y="1"/>
+            <a:ext cx="2952539" cy="499489"/>
           </a:xfrm>
           <a:prstGeom prst="rect">
             <a:avLst/>
           </a:prstGeom>
         </p:spPr>
         <p:txBody>
-          <a:bodyPr vert="horz" lIns="91440" tIns="45720" rIns="91440" bIns="45720" rtlCol="0"/>
+          <a:bodyPr vert="horz" lIns="91056" tIns="45528" rIns="91056" bIns="45528" rtlCol="0"/>
           <a:lstStyle>
             <a:lvl1pPr algn="r">
               <a:defRPr sz="1200"/>
@@ -377,7 +378,7 @@
           <a:p>
             <a:fld id="{E6A73E96-2B78-4241-A155-C881DEA9C1F0}" type="datetimeFigureOut">
               <a:rPr kumimoji="1" lang="ja-JP" altLang="en-US" smtClean="0"/>
-              <a:t>2017/5/22</a:t>
+              <a:t>2017/5/26</a:t>
             </a:fld>
             <a:endParaRPr kumimoji="1" lang="ja-JP" altLang="en-US"/>
           </a:p>
@@ -395,8 +396,8 @@
         </p:nvSpPr>
         <p:spPr>
           <a:xfrm>
-            <a:off x="425450" y="1249363"/>
-            <a:ext cx="5994400" cy="3371850"/>
+            <a:off x="422275" y="1244600"/>
+            <a:ext cx="5969000" cy="3359150"/>
           </a:xfrm>
           <a:prstGeom prst="rect">
             <a:avLst/>
@@ -409,7 +410,7 @@
           </a:ln>
         </p:spPr>
         <p:txBody>
-          <a:bodyPr vert="horz" lIns="91440" tIns="45720" rIns="91440" bIns="45720" rtlCol="0" anchor="ctr"/>
+          <a:bodyPr vert="horz" lIns="91056" tIns="45528" rIns="91056" bIns="45528" rtlCol="0" anchor="ctr"/>
           <a:lstStyle/>
           <a:p>
             <a:endParaRPr lang="ja-JP" altLang="en-US"/>
@@ -428,15 +429,15 @@
         </p:nvSpPr>
         <p:spPr>
           <a:xfrm>
-            <a:off x="684530" y="4809282"/>
-            <a:ext cx="5476240" cy="3934867"/>
+            <a:off x="681355" y="4790947"/>
+            <a:ext cx="5450840" cy="3919865"/>
           </a:xfrm>
           <a:prstGeom prst="rect">
             <a:avLst/>
           </a:prstGeom>
         </p:spPr>
         <p:txBody>
-          <a:bodyPr vert="horz" lIns="91440" tIns="45720" rIns="91440" bIns="45720" rtlCol="0"/>
+          <a:bodyPr vert="horz" lIns="91056" tIns="45528" rIns="91056" bIns="45528" rtlCol="0"/>
           <a:lstStyle/>
           <a:p>
             <a:pPr lvl="0"/>
@@ -520,15 +521,15 @@
         </p:nvSpPr>
         <p:spPr>
           <a:xfrm>
-            <a:off x="0" y="9491914"/>
-            <a:ext cx="2966297" cy="501400"/>
+            <a:off x="0" y="9455726"/>
+            <a:ext cx="2952539" cy="499488"/>
           </a:xfrm>
           <a:prstGeom prst="rect">
             <a:avLst/>
           </a:prstGeom>
         </p:spPr>
         <p:txBody>
-          <a:bodyPr vert="horz" lIns="91440" tIns="45720" rIns="91440" bIns="45720" rtlCol="0" anchor="b"/>
+          <a:bodyPr vert="horz" lIns="91056" tIns="45528" rIns="91056" bIns="45528" rtlCol="0" anchor="b"/>
           <a:lstStyle>
             <a:lvl1pPr algn="l">
               <a:defRPr sz="1200"/>
@@ -551,15 +552,15 @@
         </p:nvSpPr>
         <p:spPr>
           <a:xfrm>
-            <a:off x="3877419" y="9491914"/>
-            <a:ext cx="2966297" cy="501400"/>
+            <a:off x="3859435" y="9455726"/>
+            <a:ext cx="2952539" cy="499488"/>
           </a:xfrm>
           <a:prstGeom prst="rect">
             <a:avLst/>
           </a:prstGeom>
         </p:spPr>
         <p:txBody>
-          <a:bodyPr vert="horz" lIns="91440" tIns="45720" rIns="91440" bIns="45720" rtlCol="0" anchor="b"/>
+          <a:bodyPr vert="horz" lIns="91056" tIns="45528" rIns="91056" bIns="45528" rtlCol="0" anchor="b"/>
           <a:lstStyle>
             <a:lvl1pPr algn="r">
               <a:defRPr sz="1200"/>
@@ -582,6 +583,7 @@
     </p:extLst>
   </p:cSld>
   <p:clrMap bg1="lt1" tx1="dk1" bg2="lt2" tx2="dk2" accent1="accent1" accent2="accent2" accent3="accent3" accent4="accent4" accent5="accent5" accent6="accent6" hlink="hlink" folHlink="folHlink"/>
+  <p:hf hdr="0" ftr="0" dt="0"/>
   <p:notesStyle>
     <a:lvl1pPr marL="0" algn="l" defTabSz="914400" rtl="0" eaLnBrk="1" latinLnBrk="0" hangingPunct="1">
       <a:defRPr kumimoji="1" sz="1200" kern="1200">
@@ -696,6 +698,90 @@
       </p:grpSpPr>
       <p:sp>
         <p:nvSpPr>
+          <p:cNvPr id="2" name="スライド イメージ プレースホルダー 1"/>
+          <p:cNvSpPr>
+            <a:spLocks noGrp="1" noRot="1" noChangeAspect="1"/>
+          </p:cNvSpPr>
+          <p:nvPr>
+            <p:ph type="sldImg"/>
+          </p:nvPr>
+        </p:nvSpPr>
+        <p:spPr/>
+      </p:sp>
+      <p:sp>
+        <p:nvSpPr>
+          <p:cNvPr id="3" name="ノート プレースホルダー 2"/>
+          <p:cNvSpPr>
+            <a:spLocks noGrp="1"/>
+          </p:cNvSpPr>
+          <p:nvPr>
+            <p:ph type="body" idx="1"/>
+          </p:nvPr>
+        </p:nvSpPr>
+        <p:spPr/>
+        <p:txBody>
+          <a:bodyPr/>
+          <a:lstStyle/>
+          <a:p>
+            <a:endParaRPr kumimoji="1" lang="ja-JP" altLang="en-US"/>
+          </a:p>
+        </p:txBody>
+      </p:sp>
+      <p:sp>
+        <p:nvSpPr>
+          <p:cNvPr id="4" name="スライド番号プレースホルダー 3"/>
+          <p:cNvSpPr>
+            <a:spLocks noGrp="1"/>
+          </p:cNvSpPr>
+          <p:nvPr>
+            <p:ph type="sldNum" sz="quarter" idx="10"/>
+          </p:nvPr>
+        </p:nvSpPr>
+        <p:spPr/>
+        <p:txBody>
+          <a:bodyPr/>
+          <a:lstStyle/>
+          <a:p>
+            <a:fld id="{E7F5767D-ABA6-4C1A-AE06-443C7249090C}" type="slidenum">
+              <a:rPr kumimoji="1" lang="ja-JP" altLang="en-US" smtClean="0"/>
+              <a:t>1</a:t>
+            </a:fld>
+            <a:endParaRPr kumimoji="1" lang="ja-JP" altLang="en-US"/>
+          </a:p>
+        </p:txBody>
+      </p:sp>
+    </p:spTree>
+    <p:extLst>
+      <p:ext uri="{BB962C8B-B14F-4D97-AF65-F5344CB8AC3E}">
+        <p14:creationId xmlns:p14="http://schemas.microsoft.com/office/powerpoint/2010/main" val="799015325"/>
+      </p:ext>
+    </p:extLst>
+  </p:cSld>
+  <p:clrMapOvr>
+    <a:masterClrMapping/>
+  </p:clrMapOvr>
+</p:notes>
+</file>
+
+<file path=ppt/notesSlides/notesSlide2.xml><?xml version="1.0" encoding="utf-8"?>
+<p:notes xmlns:a="http://schemas.openxmlformats.org/drawingml/2006/main" xmlns:r="http://schemas.openxmlformats.org/officeDocument/2006/relationships" xmlns:p="http://schemas.openxmlformats.org/presentationml/2006/main">
+  <p:cSld>
+    <p:spTree>
+      <p:nvGrpSpPr>
+        <p:cNvPr id="1" name=""/>
+        <p:cNvGrpSpPr/>
+        <p:nvPr/>
+      </p:nvGrpSpPr>
+      <p:grpSpPr>
+        <a:xfrm>
+          <a:off x="0" y="0"/>
+          <a:ext cx="0" cy="0"/>
+          <a:chOff x="0" y="0"/>
+          <a:chExt cx="0" cy="0"/>
+        </a:xfrm>
+      </p:grpSpPr>
+      <p:sp>
+        <p:nvSpPr>
           <p:cNvPr id="25602" name="Rectangle 1"/>
           <p:cNvSpPr>
             <a:spLocks noGrp="1" noRot="1" noChangeAspect="1" noChangeArrowheads="1" noTextEdit="1"/>
@@ -730,7 +816,7 @@
           <a:p>
             <a:pPr eaLnBrk="1" hangingPunct="1"/>
             <a:r>
-              <a:rPr lang="en-US" altLang="ja-JP" sz="200" smtClean="0">
+              <a:rPr lang="en-US" altLang="ja-JP" sz="200">
                 <a:solidFill>
                   <a:srgbClr val="000000"/>
                 </a:solidFill>
@@ -749,7 +835,7 @@
           </a:p>
           <a:p>
             <a:pPr eaLnBrk="1" hangingPunct="1"/>
-            <a:endParaRPr lang="en-US" altLang="ja-JP" sz="200" smtClean="0">
+            <a:endParaRPr lang="en-US" altLang="ja-JP" sz="200">
               <a:solidFill>
                 <a:srgbClr val="000000"/>
               </a:solidFill>
@@ -760,7 +846,7 @@
           <a:p>
             <a:pPr eaLnBrk="1" hangingPunct="1"/>
             <a:r>
-              <a:rPr lang="en-US" altLang="ja-JP" sz="200" smtClean="0">
+              <a:rPr lang="en-US" altLang="ja-JP" sz="200">
                 <a:solidFill>
                   <a:srgbClr val="000000"/>
                 </a:solidFill>
@@ -779,7 +865,7 @@
           </a:p>
           <a:p>
             <a:pPr eaLnBrk="1" hangingPunct="1"/>
-            <a:endParaRPr lang="en-US" altLang="ja-JP" sz="200" smtClean="0">
+            <a:endParaRPr lang="en-US" altLang="ja-JP" sz="200">
               <a:solidFill>
                 <a:srgbClr val="000000"/>
               </a:solidFill>
@@ -790,7 +876,7 @@
           <a:p>
             <a:pPr eaLnBrk="1" hangingPunct="1"/>
             <a:r>
-              <a:rPr lang="en-US" altLang="ja-JP" sz="1000" smtClean="0">
+              <a:rPr lang="en-US" altLang="ja-JP" sz="1000">
                 <a:solidFill>
                   <a:srgbClr val="000000"/>
                 </a:solidFill>
@@ -810,7 +896,7 @@
           <a:p>
             <a:pPr eaLnBrk="1" hangingPunct="1"/>
             <a:r>
-              <a:rPr lang="en-US" altLang="ja-JP" sz="1000" smtClean="0">
+              <a:rPr lang="en-US" altLang="ja-JP" sz="1000">
                 <a:solidFill>
                   <a:srgbClr val="000000"/>
                 </a:solidFill>
@@ -820,7 +906,7 @@
               <a:t>1. No two sliders can </a:t>
             </a:r>
             <a:r>
-              <a:rPr lang="en-US" altLang="ja-JP" sz="200" smtClean="0">
+              <a:rPr lang="en-US" altLang="ja-JP" sz="200">
                 <a:solidFill>
                   <a:srgbClr val="000000"/>
                 </a:solidFill>
@@ -840,7 +926,7 @@
           <a:p>
             <a:pPr eaLnBrk="1" hangingPunct="1"/>
             <a:r>
-              <a:rPr lang="en-US" altLang="ja-JP" sz="200" smtClean="0">
+              <a:rPr lang="en-US" altLang="ja-JP" sz="200">
                 <a:solidFill>
                   <a:srgbClr val="000000"/>
                 </a:solidFill>
@@ -865,7 +951,7 @@
 </p:notes>
 </file>
 
-<file path=ppt/notesSlides/notesSlide2.xml><?xml version="1.0" encoding="utf-8"?>
+<file path=ppt/notesSlides/notesSlide3.xml><?xml version="1.0" encoding="utf-8"?>
 <p:notes xmlns:a="http://schemas.openxmlformats.org/drawingml/2006/main" xmlns:r="http://schemas.openxmlformats.org/officeDocument/2006/relationships" xmlns:p="http://schemas.openxmlformats.org/presentationml/2006/main">
   <p:cSld>
     <p:spTree>
@@ -1130,9 +1216,9 @@
           <a:bodyPr/>
           <a:lstStyle/>
           <a:p>
-            <a:fld id="{FEA89CF0-315F-4979-AB96-C9AF16050C40}" type="datetimeFigureOut">
+            <a:fld id="{E5E469D5-F795-482D-B0D7-07E5A7634AD4}" type="datetime1">
               <a:rPr kumimoji="1" lang="ja-JP" altLang="en-US" smtClean="0"/>
-              <a:t>2017/5/22</a:t>
+              <a:t>2017/5/26</a:t>
             </a:fld>
             <a:endParaRPr kumimoji="1" lang="ja-JP" altLang="en-US"/>
           </a:p>
@@ -1332,9 +1418,9 @@
           <a:bodyPr/>
           <a:lstStyle/>
           <a:p>
-            <a:fld id="{FEA89CF0-315F-4979-AB96-C9AF16050C40}" type="datetimeFigureOut">
+            <a:fld id="{D7C53EB5-3677-443F-996A-A40A3880F401}" type="datetime1">
               <a:rPr kumimoji="1" lang="ja-JP" altLang="en-US" smtClean="0"/>
-              <a:t>2017/5/22</a:t>
+              <a:t>2017/5/26</a:t>
             </a:fld>
             <a:endParaRPr kumimoji="1" lang="ja-JP" altLang="en-US"/>
           </a:p>
@@ -1544,9 +1630,9 @@
           <a:bodyPr/>
           <a:lstStyle/>
           <a:p>
-            <a:fld id="{FEA89CF0-315F-4979-AB96-C9AF16050C40}" type="datetimeFigureOut">
+            <a:fld id="{C045E4E9-7BD1-42B6-88A2-5205C7B587DD}" type="datetime1">
               <a:rPr kumimoji="1" lang="ja-JP" altLang="en-US" smtClean="0"/>
-              <a:t>2017/5/22</a:t>
+              <a:t>2017/5/26</a:t>
             </a:fld>
             <a:endParaRPr kumimoji="1" lang="ja-JP" altLang="en-US"/>
           </a:p>
@@ -1746,9 +1832,9 @@
           <a:bodyPr/>
           <a:lstStyle/>
           <a:p>
-            <a:fld id="{FEA89CF0-315F-4979-AB96-C9AF16050C40}" type="datetimeFigureOut">
+            <a:fld id="{47929945-3511-4472-97C7-680A477CC988}" type="datetime1">
               <a:rPr kumimoji="1" lang="ja-JP" altLang="en-US" smtClean="0"/>
-              <a:t>2017/5/22</a:t>
+              <a:t>2017/5/26</a:t>
             </a:fld>
             <a:endParaRPr kumimoji="1" lang="ja-JP" altLang="en-US"/>
           </a:p>
@@ -1992,9 +2078,9 @@
           <a:bodyPr/>
           <a:lstStyle/>
           <a:p>
-            <a:fld id="{FEA89CF0-315F-4979-AB96-C9AF16050C40}" type="datetimeFigureOut">
+            <a:fld id="{1C574AF9-66AA-4FFE-8E1B-4BE51D41C96D}" type="datetime1">
               <a:rPr kumimoji="1" lang="ja-JP" altLang="en-US" smtClean="0"/>
-              <a:t>2017/5/22</a:t>
+              <a:t>2017/5/26</a:t>
             </a:fld>
             <a:endParaRPr kumimoji="1" lang="ja-JP" altLang="en-US"/>
           </a:p>
@@ -2288,9 +2374,9 @@
           <a:bodyPr/>
           <a:lstStyle/>
           <a:p>
-            <a:fld id="{FEA89CF0-315F-4979-AB96-C9AF16050C40}" type="datetimeFigureOut">
+            <a:fld id="{F77EB08F-30EA-49DA-A2FB-9847371D4C66}" type="datetime1">
               <a:rPr kumimoji="1" lang="ja-JP" altLang="en-US" smtClean="0"/>
-              <a:t>2017/5/22</a:t>
+              <a:t>2017/5/26</a:t>
             </a:fld>
             <a:endParaRPr kumimoji="1" lang="ja-JP" altLang="en-US"/>
           </a:p>
@@ -2719,9 +2805,9 @@
           <a:bodyPr/>
           <a:lstStyle/>
           <a:p>
-            <a:fld id="{FEA89CF0-315F-4979-AB96-C9AF16050C40}" type="datetimeFigureOut">
+            <a:fld id="{B0BE181C-66BD-4DAC-A4DA-91208C327AE6}" type="datetime1">
               <a:rPr kumimoji="1" lang="ja-JP" altLang="en-US" smtClean="0"/>
-              <a:t>2017/5/22</a:t>
+              <a:t>2017/5/26</a:t>
             </a:fld>
             <a:endParaRPr kumimoji="1" lang="ja-JP" altLang="en-US"/>
           </a:p>
@@ -2837,9 +2923,9 @@
           <a:bodyPr/>
           <a:lstStyle/>
           <a:p>
-            <a:fld id="{FEA89CF0-315F-4979-AB96-C9AF16050C40}" type="datetimeFigureOut">
+            <a:fld id="{98E149A5-3263-4EB5-BB37-854917B194A1}" type="datetime1">
               <a:rPr kumimoji="1" lang="ja-JP" altLang="en-US" smtClean="0"/>
-              <a:t>2017/5/22</a:t>
+              <a:t>2017/5/26</a:t>
             </a:fld>
             <a:endParaRPr kumimoji="1" lang="ja-JP" altLang="en-US"/>
           </a:p>
@@ -2932,9 +3018,9 @@
           <a:bodyPr/>
           <a:lstStyle/>
           <a:p>
-            <a:fld id="{FEA89CF0-315F-4979-AB96-C9AF16050C40}" type="datetimeFigureOut">
+            <a:fld id="{E0BC77AB-D50D-40C3-ABF7-379E30A601BB}" type="datetime1">
               <a:rPr kumimoji="1" lang="ja-JP" altLang="en-US" smtClean="0"/>
-              <a:t>2017/5/22</a:t>
+              <a:t>2017/5/26</a:t>
             </a:fld>
             <a:endParaRPr kumimoji="1" lang="ja-JP" altLang="en-US"/>
           </a:p>
@@ -3241,9 +3327,9 @@
           <a:bodyPr/>
           <a:lstStyle/>
           <a:p>
-            <a:fld id="{FEA89CF0-315F-4979-AB96-C9AF16050C40}" type="datetimeFigureOut">
+            <a:fld id="{2062C1BE-F49F-48CD-9905-49D05CC2F7D4}" type="datetime1">
               <a:rPr kumimoji="1" lang="ja-JP" altLang="en-US" smtClean="0"/>
-              <a:t>2017/5/22</a:t>
+              <a:t>2017/5/26</a:t>
             </a:fld>
             <a:endParaRPr kumimoji="1" lang="ja-JP" altLang="en-US"/>
           </a:p>
@@ -3494,9 +3580,9 @@
           <a:bodyPr/>
           <a:lstStyle/>
           <a:p>
-            <a:fld id="{FEA89CF0-315F-4979-AB96-C9AF16050C40}" type="datetimeFigureOut">
+            <a:fld id="{0501E273-2494-4A5C-85AE-EE1F39E3134E}" type="datetime1">
               <a:rPr kumimoji="1" lang="ja-JP" altLang="en-US" smtClean="0"/>
-              <a:t>2017/5/22</a:t>
+              <a:t>2017/5/26</a:t>
             </a:fld>
             <a:endParaRPr kumimoji="1" lang="ja-JP" altLang="en-US"/>
           </a:p>
@@ -3739,9 +3825,9 @@
             </a:lvl1pPr>
           </a:lstStyle>
           <a:p>
-            <a:fld id="{FEA89CF0-315F-4979-AB96-C9AF16050C40}" type="datetimeFigureOut">
+            <a:fld id="{4049E619-4B82-451E-B8DD-B0522E948560}" type="datetime1">
               <a:rPr kumimoji="1" lang="ja-JP" altLang="en-US" smtClean="0"/>
-              <a:t>2017/5/22</a:t>
+              <a:t>2017/5/26</a:t>
             </a:fld>
             <a:endParaRPr kumimoji="1" lang="ja-JP" altLang="en-US"/>
           </a:p>
@@ -3846,6 +3932,7 @@
     <p:sldLayoutId id="2147483658" r:id="rId10"/>
     <p:sldLayoutId id="2147483659" r:id="rId11"/>
   </p:sldLayoutIdLst>
+  <p:hf hdr="0" ftr="0" dt="0"/>
   <p:txStyles>
     <p:titleStyle>
       <a:lvl1pPr algn="l" defTabSz="914400" rtl="0" eaLnBrk="1" latinLnBrk="0" hangingPunct="1">
@@ -4194,6 +4281,29 @@
           </a:p>
         </p:txBody>
       </p:sp>
+      <p:sp>
+        <p:nvSpPr>
+          <p:cNvPr id="4" name="スライド番号プレースホルダー 3"/>
+          <p:cNvSpPr>
+            <a:spLocks noGrp="1"/>
+          </p:cNvSpPr>
+          <p:nvPr>
+            <p:ph type="sldNum" sz="quarter" idx="12"/>
+          </p:nvPr>
+        </p:nvSpPr>
+        <p:spPr/>
+        <p:txBody>
+          <a:bodyPr/>
+          <a:lstStyle/>
+          <a:p>
+            <a:fld id="{8A903737-8B57-476D-8319-ED02A8A4DA96}" type="slidenum">
+              <a:rPr kumimoji="1" lang="ja-JP" altLang="en-US" sz="4000" smtClean="0"/>
+              <a:t>1</a:t>
+            </a:fld>
+            <a:endParaRPr kumimoji="1" lang="ja-JP" altLang="en-US" dirty="0"/>
+          </a:p>
+        </p:txBody>
+      </p:sp>
     </p:spTree>
     <p:extLst>
       <p:ext uri="{BB962C8B-B14F-4D97-AF65-F5344CB8AC3E}">
@@ -4273,14 +4383,14 @@
             <p:ph idx="1"/>
             <p:extLst>
               <p:ext uri="{D42A27DB-BD31-4B8C-83A1-F6EECF244321}">
-                <p14:modId xmlns:p14="http://schemas.microsoft.com/office/powerpoint/2010/main" val="3313323576"/>
+                <p14:modId xmlns:p14="http://schemas.microsoft.com/office/powerpoint/2010/main" val="1493074173"/>
               </p:ext>
             </p:extLst>
           </p:nvPr>
         </p:nvGraphicFramePr>
         <p:xfrm>
           <a:off x="838201" y="1690688"/>
-          <a:ext cx="10911212" cy="4482195"/>
+          <a:ext cx="10911212" cy="4421178"/>
         </p:xfrm>
         <a:graphic>
           <a:graphicData uri="http://schemas.openxmlformats.org/drawingml/2006/table">
@@ -4438,89 +4548,23 @@
                     <a:bodyPr/>
                     <a:lstStyle/>
                     <a:p>
-                      <a:pPr algn="ctr"/>
-                      <a:r>
-                        <a:rPr kumimoji="1" lang="ja-JP" altLang="en-US" sz="2800" b="1" dirty="0" smtClean="0">
-                          <a:solidFill>
-                            <a:schemeClr val="tx1"/>
-                          </a:solidFill>
-                        </a:rPr>
-                        <a:t>プロダクトオーナー</a:t>
-                      </a:r>
-                      <a:endParaRPr kumimoji="1" lang="ja-JP" altLang="en-US" sz="2800" b="1" dirty="0">
-                        <a:solidFill>
-                          <a:schemeClr val="tx1"/>
-                        </a:solidFill>
-                      </a:endParaRPr>
-                    </a:p>
-                  </a:txBody>
-                  <a:tcPr anchor="ctr"/>
-                </a:tc>
-                <a:tc>
-                  <a:txBody>
-                    <a:bodyPr/>
-                    <a:lstStyle/>
-                    <a:p>
-                      <a:pPr algn="ctr"/>
-                      <a:r>
-                        <a:rPr kumimoji="1" lang="ja-JP" altLang="en-US" sz="2800" b="1" dirty="0" smtClean="0">
-                          <a:solidFill>
-                            <a:schemeClr val="tx1"/>
-                          </a:solidFill>
-                        </a:rPr>
-                        <a:t>近藤智之</a:t>
-                      </a:r>
-                      <a:endParaRPr kumimoji="1" lang="ja-JP" altLang="en-US" sz="2800" b="1" dirty="0">
-                        <a:solidFill>
-                          <a:schemeClr val="tx1"/>
-                        </a:solidFill>
-                      </a:endParaRPr>
-                    </a:p>
-                  </a:txBody>
-                  <a:tcPr anchor="ctr"/>
-                </a:tc>
-                <a:tc>
-                  <a:txBody>
-                    <a:bodyPr/>
-                    <a:lstStyle/>
-                    <a:p>
-                      <a:r>
-                        <a:rPr kumimoji="1" lang="ja-JP" altLang="en-US" b="1" dirty="0" smtClean="0"/>
-                        <a:t>開発チームを活用してプロダクトの価値を最大化する。ユーザーストーリーの項目の内容を関係者が理解できるように説明できる。</a:t>
-                      </a:r>
-                      <a:endParaRPr kumimoji="1" lang="en-US" altLang="ja-JP" b="1" dirty="0" smtClean="0"/>
-                    </a:p>
-                  </a:txBody>
-                  <a:tcPr anchor="ctr"/>
-                </a:tc>
-                <a:extLst>
-                  <a:ext uri="{0D108BD9-81ED-4DB2-BD59-A6C34878D82A}">
-                    <a16:rowId xmlns:a16="http://schemas.microsoft.com/office/drawing/2014/main" val="2343541702"/>
-                  </a:ext>
-                </a:extLst>
-              </a:tr>
-              <a:tr h="1005897">
-                <a:tc>
-                  <a:txBody>
-                    <a:bodyPr/>
-                    <a:lstStyle/>
-                    <a:p>
-                      <a:pPr algn="ctr"/>
-                      <a:r>
-                        <a:rPr kumimoji="1" lang="ja-JP" altLang="en-US" sz="2800" b="1" dirty="0" smtClean="0"/>
-                        <a:t>１</a:t>
-                      </a:r>
-                      <a:endParaRPr kumimoji="1" lang="ja-JP" altLang="en-US" sz="2800" b="1" dirty="0"/>
-                    </a:p>
-                  </a:txBody>
-                  <a:tcPr anchor="ctr"/>
-                </a:tc>
-                <a:tc>
-                  <a:txBody>
-                    <a:bodyPr/>
-                    <a:lstStyle/>
-                    <a:p>
-                      <a:pPr algn="ctr"/>
+                      <a:pPr marL="0" marR="0" lvl="0" indent="0" algn="ctr" defTabSz="914400" rtl="0" eaLnBrk="1" fontAlgn="auto" latinLnBrk="0" hangingPunct="1">
+                        <a:lnSpc>
+                          <a:spcPct val="100000"/>
+                        </a:lnSpc>
+                        <a:spcBef>
+                          <a:spcPts val="0"/>
+                        </a:spcBef>
+                        <a:spcAft>
+                          <a:spcPts val="0"/>
+                        </a:spcAft>
+                        <a:buClrTx/>
+                        <a:buSzTx/>
+                        <a:buFontTx/>
+                        <a:buNone/>
+                        <a:tabLst/>
+                        <a:defRPr/>
+                      </a:pPr>
                       <a:r>
                         <a:rPr kumimoji="1" lang="ja-JP" altLang="en-US" sz="2800" b="1" dirty="0" smtClean="0">
                           <a:solidFill>
@@ -4529,11 +4573,6 @@
                         </a:rPr>
                         <a:t>スクラム　マスター</a:t>
                       </a:r>
-                      <a:endParaRPr kumimoji="1" lang="ja-JP" altLang="en-US" sz="2800" b="1" dirty="0">
-                        <a:solidFill>
-                          <a:schemeClr val="tx1"/>
-                        </a:solidFill>
-                      </a:endParaRPr>
                     </a:p>
                   </a:txBody>
                   <a:tcPr anchor="ctr"/>
@@ -4577,18 +4616,17 @@
                         <a:rPr kumimoji="1" lang="ja-JP" altLang="en-US" b="1" dirty="0" smtClean="0"/>
                         <a:t>開発チームに教える。プロダクトオーナーと開発チームの会話を促す。</a:t>
                       </a:r>
-                      <a:endParaRPr kumimoji="1" lang="ja-JP" altLang="en-US" b="1" dirty="0"/>
                     </a:p>
                   </a:txBody>
                   <a:tcPr anchor="ctr"/>
                 </a:tc>
                 <a:extLst>
                   <a:ext uri="{0D108BD9-81ED-4DB2-BD59-A6C34878D82A}">
-                    <a16:rowId xmlns:a16="http://schemas.microsoft.com/office/drawing/2014/main" val="434458954"/>
+                    <a16:rowId xmlns:a16="http://schemas.microsoft.com/office/drawing/2014/main" val="2343541702"/>
                   </a:ext>
                 </a:extLst>
               </a:tr>
-              <a:tr h="935960">
+              <a:tr h="1005897">
                 <a:tc>
                   <a:txBody>
                     <a:bodyPr/>
@@ -4597,26 +4635,35 @@
                       <a:pPr algn="ctr"/>
                       <a:r>
                         <a:rPr kumimoji="1" lang="ja-JP" altLang="en-US" sz="2800" b="1" dirty="0" smtClean="0"/>
-                        <a:t>３</a:t>
+                        <a:t>１</a:t>
                       </a:r>
                       <a:endParaRPr kumimoji="1" lang="ja-JP" altLang="en-US" sz="2800" b="1" dirty="0"/>
                     </a:p>
                   </a:txBody>
-                  <a:tcPr anchor="ctr">
-                    <a:solidFill>
-                      <a:schemeClr val="accent1">
-                        <a:lumMod val="60000"/>
-                        <a:lumOff val="40000"/>
-                      </a:schemeClr>
-                    </a:solidFill>
-                  </a:tcPr>
+                  <a:tcPr anchor="ctr"/>
                 </a:tc>
                 <a:tc>
                   <a:txBody>
                     <a:bodyPr/>
                     <a:lstStyle/>
                     <a:p>
-                      <a:pPr algn="ctr"/>
+                      <a:pPr marL="0" marR="0" lvl="0" indent="0" algn="ctr" defTabSz="914400" rtl="0" eaLnBrk="1" fontAlgn="auto" latinLnBrk="0" hangingPunct="1">
+                        <a:lnSpc>
+                          <a:spcPct val="100000"/>
+                        </a:lnSpc>
+                        <a:spcBef>
+                          <a:spcPts val="0"/>
+                        </a:spcBef>
+                        <a:spcAft>
+                          <a:spcPts val="0"/>
+                        </a:spcAft>
+                        <a:buClrTx/>
+                        <a:buSzTx/>
+                        <a:buFontTx/>
+                        <a:buNone/>
+                        <a:tabLst/>
+                        <a:defRPr/>
+                      </a:pPr>
                       <a:r>
                         <a:rPr kumimoji="1" lang="ja-JP" altLang="en-US" sz="2800" b="1" dirty="0" smtClean="0">
                           <a:solidFill>
@@ -4625,21 +4672,9 @@
                         </a:rPr>
                         <a:t>開発チーム</a:t>
                       </a:r>
-                      <a:endParaRPr kumimoji="1" lang="ja-JP" altLang="en-US" sz="2800" b="1" dirty="0">
-                        <a:solidFill>
-                          <a:schemeClr val="tx1"/>
-                        </a:solidFill>
-                      </a:endParaRPr>
                     </a:p>
                   </a:txBody>
-                  <a:tcPr anchor="ctr">
-                    <a:solidFill>
-                      <a:schemeClr val="accent1">
-                        <a:lumMod val="60000"/>
-                        <a:lumOff val="40000"/>
-                      </a:schemeClr>
-                    </a:solidFill>
-                  </a:tcPr>
+                  <a:tcPr anchor="ctr"/>
                 </a:tc>
                 <a:tc>
                   <a:txBody>
@@ -4687,6 +4722,127 @@
                         </a:rPr>
                         <a:t>竹内裕治</a:t>
                       </a:r>
+                    </a:p>
+                  </a:txBody>
+                  <a:tcPr anchor="ctr"/>
+                </a:tc>
+                <a:tc>
+                  <a:txBody>
+                    <a:bodyPr/>
+                    <a:lstStyle/>
+                    <a:p>
+                      <a:pPr marL="0" marR="0" lvl="0" indent="0" algn="l" defTabSz="914400" rtl="0" eaLnBrk="1" fontAlgn="auto" latinLnBrk="0" hangingPunct="1">
+                        <a:lnSpc>
+                          <a:spcPct val="100000"/>
+                        </a:lnSpc>
+                        <a:spcBef>
+                          <a:spcPts val="0"/>
+                        </a:spcBef>
+                        <a:spcAft>
+                          <a:spcPts val="0"/>
+                        </a:spcAft>
+                        <a:buClrTx/>
+                        <a:buSzTx/>
+                        <a:buFontTx/>
+                        <a:buNone/>
+                        <a:tabLst/>
+                        <a:defRPr/>
+                      </a:pPr>
+                      <a:r>
+                        <a:rPr kumimoji="1" lang="ja-JP" altLang="en-US" b="1" dirty="0" smtClean="0"/>
+                        <a:t>上下関係はない。作業を進めていく過程で個人が複数のことをできるようになる</a:t>
+                      </a:r>
+                    </a:p>
+                    <a:p>
+                      <a:endParaRPr kumimoji="1" lang="ja-JP" altLang="en-US" b="1" dirty="0"/>
+                    </a:p>
+                  </a:txBody>
+                  <a:tcPr anchor="ctr"/>
+                </a:tc>
+                <a:extLst>
+                  <a:ext uri="{0D108BD9-81ED-4DB2-BD59-A6C34878D82A}">
+                    <a16:rowId xmlns:a16="http://schemas.microsoft.com/office/drawing/2014/main" val="434458954"/>
+                  </a:ext>
+                </a:extLst>
+              </a:tr>
+              <a:tr h="935960">
+                <a:tc>
+                  <a:txBody>
+                    <a:bodyPr/>
+                    <a:lstStyle/>
+                    <a:p>
+                      <a:pPr algn="ctr"/>
+                      <a:r>
+                        <a:rPr kumimoji="1" lang="ja-JP" altLang="en-US" sz="2800" b="1" dirty="0" smtClean="0"/>
+                        <a:t>３</a:t>
+                      </a:r>
+                      <a:endParaRPr kumimoji="1" lang="ja-JP" altLang="en-US" sz="2800" b="1" dirty="0"/>
+                    </a:p>
+                  </a:txBody>
+                  <a:tcPr anchor="ctr">
+                    <a:solidFill>
+                      <a:schemeClr val="accent1">
+                        <a:lumMod val="60000"/>
+                        <a:lumOff val="40000"/>
+                      </a:schemeClr>
+                    </a:solidFill>
+                  </a:tcPr>
+                </a:tc>
+                <a:tc>
+                  <a:txBody>
+                    <a:bodyPr/>
+                    <a:lstStyle/>
+                    <a:p>
+                      <a:pPr marL="0" marR="0" lvl="0" indent="0" algn="ctr" defTabSz="914400" rtl="0" eaLnBrk="1" fontAlgn="auto" latinLnBrk="0" hangingPunct="1">
+                        <a:lnSpc>
+                          <a:spcPct val="100000"/>
+                        </a:lnSpc>
+                        <a:spcBef>
+                          <a:spcPts val="0"/>
+                        </a:spcBef>
+                        <a:spcAft>
+                          <a:spcPts val="0"/>
+                        </a:spcAft>
+                        <a:buClrTx/>
+                        <a:buSzTx/>
+                        <a:buFontTx/>
+                        <a:buNone/>
+                        <a:tabLst/>
+                        <a:defRPr/>
+                      </a:pPr>
+                      <a:r>
+                        <a:rPr kumimoji="1" lang="ja-JP" altLang="en-US" sz="2800" b="1" dirty="0" smtClean="0">
+                          <a:solidFill>
+                            <a:schemeClr val="tx1"/>
+                          </a:solidFill>
+                        </a:rPr>
+                        <a:t>プロダクトオーナー</a:t>
+                      </a:r>
+                    </a:p>
+                  </a:txBody>
+                  <a:tcPr anchor="ctr">
+                    <a:solidFill>
+                      <a:schemeClr val="accent1">
+                        <a:lumMod val="60000"/>
+                        <a:lumOff val="40000"/>
+                      </a:schemeClr>
+                    </a:solidFill>
+                  </a:tcPr>
+                </a:tc>
+                <a:tc>
+                  <a:txBody>
+                    <a:bodyPr/>
+                    <a:lstStyle/>
+                    <a:p>
+                      <a:pPr algn="ctr"/>
+                      <a:r>
+                        <a:rPr kumimoji="1" lang="ja-JP" altLang="en-US" sz="2800" b="1" dirty="0" smtClean="0">
+                          <a:solidFill>
+                            <a:schemeClr val="tx1"/>
+                          </a:solidFill>
+                        </a:rPr>
+                        <a:t>近藤智之</a:t>
+                      </a:r>
                       <a:endParaRPr kumimoji="1" lang="ja-JP" altLang="en-US" sz="2800" b="1" dirty="0">
                         <a:solidFill>
                           <a:schemeClr val="tx1"/>
@@ -4708,11 +4864,28 @@
                     <a:bodyPr/>
                     <a:lstStyle/>
                     <a:p>
+                      <a:pPr marL="0" marR="0" lvl="0" indent="0" algn="l" defTabSz="914400" rtl="0" eaLnBrk="1" fontAlgn="auto" latinLnBrk="0" hangingPunct="1">
+                        <a:lnSpc>
+                          <a:spcPct val="100000"/>
+                        </a:lnSpc>
+                        <a:spcBef>
+                          <a:spcPts val="0"/>
+                        </a:spcBef>
+                        <a:spcAft>
+                          <a:spcPts val="0"/>
+                        </a:spcAft>
+                        <a:buClrTx/>
+                        <a:buSzTx/>
+                        <a:buFontTx/>
+                        <a:buNone/>
+                        <a:tabLst/>
+                        <a:defRPr/>
+                      </a:pPr>
                       <a:r>
                         <a:rPr kumimoji="1" lang="ja-JP" altLang="en-US" b="1" dirty="0" smtClean="0"/>
-                        <a:t>上下関係はない。作業を進めていく過程で個人が複数のことをできるようになる</a:t>
+                        <a:t>開発チームを活用してプロダクトの価値を最大化する。ユーザーストーリーの項目の内容を関係者が理解できるように説明できる。</a:t>
                       </a:r>
-                      <a:endParaRPr kumimoji="1" lang="ja-JP" altLang="en-US" b="1" dirty="0"/>
+                      <a:endParaRPr kumimoji="1" lang="en-US" altLang="ja-JP" b="1" dirty="0" smtClean="0"/>
                     </a:p>
                   </a:txBody>
                   <a:tcPr anchor="ctr">
@@ -4734,6 +4907,29 @@
           </a:graphicData>
         </a:graphic>
       </p:graphicFrame>
+      <p:sp>
+        <p:nvSpPr>
+          <p:cNvPr id="3" name="スライド番号プレースホルダー 2"/>
+          <p:cNvSpPr>
+            <a:spLocks noGrp="1"/>
+          </p:cNvSpPr>
+          <p:nvPr>
+            <p:ph type="sldNum" sz="quarter" idx="12"/>
+          </p:nvPr>
+        </p:nvSpPr>
+        <p:spPr/>
+        <p:txBody>
+          <a:bodyPr/>
+          <a:lstStyle/>
+          <a:p>
+            <a:fld id="{8A903737-8B57-476D-8319-ED02A8A4DA96}" type="slidenum">
+              <a:rPr kumimoji="1" lang="ja-JP" altLang="en-US" sz="4000" smtClean="0"/>
+              <a:t>10</a:t>
+            </a:fld>
+            <a:endParaRPr kumimoji="1" lang="ja-JP" altLang="en-US" dirty="0"/>
+          </a:p>
+        </p:txBody>
+      </p:sp>
     </p:spTree>
     <p:extLst>
       <p:ext uri="{BB962C8B-B14F-4D97-AF65-F5344CB8AC3E}">
@@ -4996,7 +5192,7 @@
         </p:nvSpPr>
         <p:spPr bwMode="auto">
           <a:xfrm rot="5400000">
-            <a:off x="4024674" y="3346942"/>
+            <a:off x="3950029" y="3412464"/>
             <a:ext cx="838200" cy="228600"/>
           </a:xfrm>
           <a:custGeom>
@@ -5100,7 +5296,7 @@
         </p:nvSpPr>
         <p:spPr bwMode="auto">
           <a:xfrm rot="5400000">
-            <a:off x="6078605" y="3331629"/>
+            <a:off x="6026198" y="3325205"/>
             <a:ext cx="838200" cy="228600"/>
           </a:xfrm>
           <a:custGeom>
@@ -5204,7 +5400,7 @@
         </p:nvSpPr>
         <p:spPr bwMode="auto">
           <a:xfrm rot="5400000">
-            <a:off x="8342222" y="3277141"/>
+            <a:off x="8859546" y="3357494"/>
             <a:ext cx="838200" cy="228600"/>
           </a:xfrm>
           <a:custGeom>
@@ -5308,8 +5504,8 @@
         </p:nvSpPr>
         <p:spPr bwMode="auto">
           <a:xfrm>
-            <a:off x="6080594" y="2475034"/>
-            <a:ext cx="1994136" cy="384721"/>
+            <a:off x="6644680" y="3107664"/>
+            <a:ext cx="2385268" cy="384721"/>
           </a:xfrm>
           <a:prstGeom prst="rect">
             <a:avLst/>
@@ -5538,16 +5734,14 @@
               <a:buNone/>
             </a:pPr>
             <a:r>
-              <a:rPr lang="ja-JP" altLang="en-US" sz="2000" dirty="0" smtClean="0">
-                <a:latin typeface="ヒラギノ角ゴ StdN W8" charset="0"/>
-                <a:ea typeface="ＭＳ Ｐゴシック" panose="020B0600070205080204" pitchFamily="50" charset="-128"/>
+              <a:rPr lang="ja-JP" altLang="en-US" sz="2000" b="1" dirty="0" smtClean="0">
+                <a:latin typeface="+mn-ea"/>
                 <a:sym typeface="ヒラギノ角ゴ StdN W8" charset="0"/>
               </a:rPr>
               <a:t>レビュー・振り返り</a:t>
             </a:r>
-            <a:endParaRPr lang="en-US" altLang="ja-JP" sz="2000" dirty="0">
-              <a:latin typeface="ヒラギノ角ゴ StdN W8" charset="0"/>
-              <a:ea typeface="ＭＳ Ｐゴシック" panose="020B0600070205080204" pitchFamily="50" charset="-128"/>
+            <a:endParaRPr lang="en-US" altLang="ja-JP" sz="2000" b="1" dirty="0">
+              <a:latin typeface="+mn-ea"/>
               <a:sym typeface="ヒラギノ角ゴ StdN W8" charset="0"/>
             </a:endParaRPr>
           </a:p>
@@ -5563,7 +5757,7 @@
         </p:nvSpPr>
         <p:spPr bwMode="auto">
           <a:xfrm>
-            <a:off x="3128567" y="3003152"/>
+            <a:off x="3139441" y="2895032"/>
             <a:ext cx="795089" cy="507831"/>
           </a:xfrm>
           <a:prstGeom prst="rect">
@@ -6438,8 +6632,8 @@
         </p:nvSpPr>
         <p:spPr bwMode="auto">
           <a:xfrm>
-            <a:off x="7537969" y="2444713"/>
-            <a:ext cx="2392363" cy="461962"/>
+            <a:off x="8459963" y="2433367"/>
+            <a:ext cx="1637366" cy="461665"/>
           </a:xfrm>
           <a:prstGeom prst="rect">
             <a:avLst/>
@@ -6469,7 +6663,7 @@
           </a:extLst>
         </p:spPr>
         <p:txBody>
-          <a:bodyPr>
+          <a:bodyPr wrap="square">
             <a:spAutoFit/>
           </a:bodyPr>
           <a:lstStyle>
@@ -6871,8 +7065,8 @@
         </p:nvSpPr>
         <p:spPr>
           <a:xfrm>
-            <a:off x="4558074" y="3052694"/>
-            <a:ext cx="1980029" cy="523220"/>
+            <a:off x="4583995" y="2917190"/>
+            <a:ext cx="1723549" cy="461665"/>
           </a:xfrm>
           <a:prstGeom prst="rect">
             <a:avLst/>
@@ -6886,10 +7080,10 @@
           <a:lstStyle/>
           <a:p>
             <a:r>
-              <a:rPr kumimoji="1" lang="ja-JP" altLang="en-US" sz="2800" b="1" dirty="0" smtClean="0"/>
+              <a:rPr kumimoji="1" lang="ja-JP" altLang="en-US" sz="2400" b="1" dirty="0" smtClean="0"/>
               <a:t>受入テスト</a:t>
             </a:r>
-            <a:endParaRPr kumimoji="1" lang="ja-JP" altLang="en-US" sz="2800" b="1" dirty="0"/>
+            <a:endParaRPr kumimoji="1" lang="ja-JP" altLang="en-US" sz="2400" b="1" dirty="0"/>
           </a:p>
         </p:txBody>
       </p:sp>
@@ -6917,6 +7111,29 @@
           </a:prstGeom>
         </p:spPr>
       </p:pic>
+      <p:sp>
+        <p:nvSpPr>
+          <p:cNvPr id="3" name="スライド番号プレースホルダー 2"/>
+          <p:cNvSpPr>
+            <a:spLocks noGrp="1"/>
+          </p:cNvSpPr>
+          <p:nvPr>
+            <p:ph type="sldNum" sz="quarter" idx="12"/>
+          </p:nvPr>
+        </p:nvSpPr>
+        <p:spPr/>
+        <p:txBody>
+          <a:bodyPr/>
+          <a:lstStyle/>
+          <a:p>
+            <a:fld id="{8A903737-8B57-476D-8319-ED02A8A4DA96}" type="slidenum">
+              <a:rPr kumimoji="1" lang="ja-JP" altLang="en-US" sz="4000" smtClean="0"/>
+              <a:t>11</a:t>
+            </a:fld>
+            <a:endParaRPr kumimoji="1" lang="ja-JP" altLang="en-US" dirty="0"/>
+          </a:p>
+        </p:txBody>
+      </p:sp>
     </p:spTree>
     <p:extLst>
       <p:ext uri="{BB962C8B-B14F-4D97-AF65-F5344CB8AC3E}">
@@ -18716,6 +18933,29 @@
           </a:p>
         </p:txBody>
       </p:sp>
+      <p:sp>
+        <p:nvSpPr>
+          <p:cNvPr id="4" name="スライド番号プレースホルダー 3"/>
+          <p:cNvSpPr>
+            <a:spLocks noGrp="1"/>
+          </p:cNvSpPr>
+          <p:nvPr>
+            <p:ph type="sldNum" sz="quarter" idx="12"/>
+          </p:nvPr>
+        </p:nvSpPr>
+        <p:spPr/>
+        <p:txBody>
+          <a:bodyPr/>
+          <a:lstStyle/>
+          <a:p>
+            <a:fld id="{8A903737-8B57-476D-8319-ED02A8A4DA96}" type="slidenum">
+              <a:rPr kumimoji="1" lang="ja-JP" altLang="en-US" sz="4000" smtClean="0"/>
+              <a:t>12</a:t>
+            </a:fld>
+            <a:endParaRPr kumimoji="1" lang="ja-JP" altLang="en-US" dirty="0"/>
+          </a:p>
+        </p:txBody>
+      </p:sp>
     </p:spTree>
     <p:extLst>
       <p:ext uri="{BB962C8B-B14F-4D97-AF65-F5344CB8AC3E}">
@@ -19338,7 +19578,7 @@
       </p:sp>
       <p:sp>
         <p:nvSpPr>
-          <p:cNvPr id="20" name="AutoShape 3"/>
+          <p:cNvPr id="42" name="AutoShape 3"/>
           <p:cNvSpPr>
             <a:spLocks/>
           </p:cNvSpPr>
@@ -19346,7 +19586,7 @@
         </p:nvSpPr>
         <p:spPr bwMode="auto">
           <a:xfrm>
-            <a:off x="2898681" y="2724116"/>
+            <a:off x="2715742" y="2829253"/>
             <a:ext cx="6921500" cy="685800"/>
           </a:xfrm>
           <a:prstGeom prst="chevron">
@@ -19494,7 +19734,7 @@
       </p:sp>
       <p:sp>
         <p:nvSpPr>
-          <p:cNvPr id="21" name="AutoShape 4"/>
+          <p:cNvPr id="43" name="AutoShape 4"/>
           <p:cNvSpPr>
             <a:spLocks/>
           </p:cNvSpPr>
@@ -19502,7 +19742,7 @@
         </p:nvSpPr>
         <p:spPr bwMode="auto">
           <a:xfrm rot="5400000">
-            <a:off x="3941547" y="2366041"/>
+            <a:off x="3683963" y="2536700"/>
             <a:ext cx="838200" cy="228600"/>
           </a:xfrm>
           <a:custGeom>
@@ -19598,7 +19838,7 @@
       </p:sp>
       <p:sp>
         <p:nvSpPr>
-          <p:cNvPr id="22" name="AutoShape 5"/>
+          <p:cNvPr id="44" name="AutoShape 5"/>
           <p:cNvSpPr>
             <a:spLocks/>
           </p:cNvSpPr>
@@ -19606,7 +19846,7 @@
         </p:nvSpPr>
         <p:spPr bwMode="auto">
           <a:xfrm rot="5400000">
-            <a:off x="5995478" y="2350728"/>
+            <a:off x="5760132" y="2449441"/>
             <a:ext cx="838200" cy="228600"/>
           </a:xfrm>
           <a:custGeom>
@@ -19702,7 +19942,7 @@
       </p:sp>
       <p:sp>
         <p:nvSpPr>
-          <p:cNvPr id="23" name="AutoShape 6"/>
+          <p:cNvPr id="45" name="AutoShape 6"/>
           <p:cNvSpPr>
             <a:spLocks/>
           </p:cNvSpPr>
@@ -19710,7 +19950,7 @@
         </p:nvSpPr>
         <p:spPr bwMode="auto">
           <a:xfrm rot="5400000">
-            <a:off x="8259095" y="2296240"/>
+            <a:off x="8593480" y="2481730"/>
             <a:ext cx="838200" cy="228600"/>
           </a:xfrm>
           <a:custGeom>
@@ -19806,7 +20046,7 @@
       </p:sp>
       <p:sp>
         <p:nvSpPr>
-          <p:cNvPr id="24" name="Rectangle 7"/>
+          <p:cNvPr id="46" name="Rectangle 7"/>
           <p:cNvSpPr>
             <a:spLocks/>
           </p:cNvSpPr>
@@ -19814,8 +20054,8 @@
         </p:nvSpPr>
         <p:spPr bwMode="auto">
           <a:xfrm>
-            <a:off x="5568801" y="1472721"/>
-            <a:ext cx="1994136" cy="384721"/>
+            <a:off x="6378614" y="2231900"/>
+            <a:ext cx="2385268" cy="384721"/>
           </a:xfrm>
           <a:prstGeom prst="rect">
             <a:avLst/>
@@ -20044,16 +20284,14 @@
               <a:buNone/>
             </a:pPr>
             <a:r>
-              <a:rPr lang="ja-JP" altLang="en-US" sz="2000" dirty="0" smtClean="0">
-                <a:latin typeface="ヒラギノ角ゴ StdN W8" charset="0"/>
-                <a:ea typeface="ＭＳ Ｐゴシック" panose="020B0600070205080204" pitchFamily="50" charset="-128"/>
+              <a:rPr lang="ja-JP" altLang="en-US" sz="2000" b="1" dirty="0" smtClean="0">
+                <a:latin typeface="+mn-ea"/>
                 <a:sym typeface="ヒラギノ角ゴ StdN W8" charset="0"/>
               </a:rPr>
               <a:t>レビュー・振り返り</a:t>
             </a:r>
-            <a:endParaRPr lang="en-US" altLang="ja-JP" sz="2000" dirty="0">
-              <a:latin typeface="ヒラギノ角ゴ StdN W8" charset="0"/>
-              <a:ea typeface="ＭＳ Ｐゴシック" panose="020B0600070205080204" pitchFamily="50" charset="-128"/>
+            <a:endParaRPr lang="en-US" altLang="ja-JP" sz="2000" b="1" dirty="0">
+              <a:latin typeface="+mn-ea"/>
               <a:sym typeface="ヒラギノ角ゴ StdN W8" charset="0"/>
             </a:endParaRPr>
           </a:p>
@@ -20061,7 +20299,7 @@
       </p:sp>
       <p:sp>
         <p:nvSpPr>
-          <p:cNvPr id="25" name="Rectangle 8"/>
+          <p:cNvPr id="47" name="Rectangle 8"/>
           <p:cNvSpPr>
             <a:spLocks/>
           </p:cNvSpPr>
@@ -20069,7 +20307,7 @@
         </p:nvSpPr>
         <p:spPr bwMode="auto">
           <a:xfrm>
-            <a:off x="3045440" y="2022251"/>
+            <a:off x="2873375" y="2019268"/>
             <a:ext cx="795089" cy="507831"/>
           </a:xfrm>
           <a:prstGeom prst="rect">
@@ -20316,7 +20554,7 @@
       </p:sp>
       <p:sp>
         <p:nvSpPr>
-          <p:cNvPr id="26" name="Rectangle 11"/>
+          <p:cNvPr id="48" name="Rectangle 11"/>
           <p:cNvSpPr>
             <a:spLocks/>
           </p:cNvSpPr>
@@ -20324,7 +20562,7 @@
         </p:nvSpPr>
         <p:spPr bwMode="auto">
           <a:xfrm>
-            <a:off x="3132382" y="2843878"/>
+            <a:off x="2949443" y="2949015"/>
             <a:ext cx="1012713" cy="446276"/>
           </a:xfrm>
           <a:prstGeom prst="rect">
@@ -20587,7 +20825,7 @@
               <a:t>1</a:t>
             </a:r>
             <a:r>
-              <a:rPr lang="ja-JP" altLang="en-US" sz="2400" dirty="0">
+              <a:rPr lang="ja-JP" altLang="en-US" sz="2400" dirty="0" smtClean="0">
                 <a:solidFill>
                   <a:srgbClr val="FFFFFF"/>
                 </a:solidFill>
@@ -20610,7 +20848,7 @@
       </p:sp>
       <p:pic>
         <p:nvPicPr>
-          <p:cNvPr id="27" name="Picture 14"/>
+          <p:cNvPr id="49" name="Picture 14"/>
           <p:cNvPicPr>
             <a:picLocks noChangeAspect="1" noChangeArrowheads="1"/>
           </p:cNvPicPr>
@@ -20631,7 +20869,7 @@
         </p:blipFill>
         <p:spPr bwMode="auto">
           <a:xfrm>
-            <a:off x="1751588" y="2670841"/>
+            <a:off x="1568649" y="2775978"/>
             <a:ext cx="1066800" cy="839787"/>
           </a:xfrm>
           <a:prstGeom prst="rect">
@@ -20664,7 +20902,7 @@
       </p:pic>
       <p:sp>
         <p:nvSpPr>
-          <p:cNvPr id="28" name="Rectangle 15"/>
+          <p:cNvPr id="50" name="Rectangle 15"/>
           <p:cNvSpPr>
             <a:spLocks/>
           </p:cNvSpPr>
@@ -20672,7 +20910,7 @@
         </p:nvSpPr>
         <p:spPr bwMode="auto">
           <a:xfrm>
-            <a:off x="5089503" y="2882350"/>
+            <a:off x="4906564" y="2987487"/>
             <a:ext cx="517770" cy="369332"/>
           </a:xfrm>
           <a:prstGeom prst="rect">
@@ -20936,7 +21174,7 @@
       </p:sp>
       <p:sp>
         <p:nvSpPr>
-          <p:cNvPr id="29" name="テキスト ボックス 1"/>
+          <p:cNvPr id="51" name="テキスト ボックス 1"/>
           <p:cNvSpPr txBox="1">
             <a:spLocks noChangeArrowheads="1"/>
           </p:cNvSpPr>
@@ -20944,8 +21182,8 @@
         </p:nvSpPr>
         <p:spPr bwMode="auto">
           <a:xfrm>
-            <a:off x="7454842" y="1463812"/>
-            <a:ext cx="2392363" cy="461962"/>
+            <a:off x="8193897" y="1557603"/>
+            <a:ext cx="1637366" cy="461665"/>
           </a:xfrm>
           <a:prstGeom prst="rect">
             <a:avLst/>
@@ -20975,7 +21213,7 @@
           </a:extLst>
         </p:spPr>
         <p:txBody>
-          <a:bodyPr>
+          <a:bodyPr wrap="square">
             <a:spAutoFit/>
           </a:bodyPr>
           <a:lstStyle>
@@ -21110,7 +21348,7 @@
       </p:sp>
       <p:sp>
         <p:nvSpPr>
-          <p:cNvPr id="30" name="Rectangle 15"/>
+          <p:cNvPr id="52" name="Rectangle 15"/>
           <p:cNvSpPr>
             <a:spLocks/>
           </p:cNvSpPr>
@@ -21118,7 +21356,7 @@
         </p:nvSpPr>
         <p:spPr bwMode="auto">
           <a:xfrm>
-            <a:off x="7454842" y="2862615"/>
+            <a:off x="7271903" y="2967752"/>
             <a:ext cx="517770" cy="369332"/>
           </a:xfrm>
           <a:prstGeom prst="rect">
@@ -21348,7 +21586,7 @@
               <a:buNone/>
             </a:pPr>
             <a:r>
-              <a:rPr lang="ja-JP" altLang="en-US" sz="2400" dirty="0">
+              <a:rPr lang="ja-JP" altLang="en-US" sz="2400" dirty="0" smtClean="0">
                 <a:solidFill>
                   <a:srgbClr val="FFFFFF"/>
                 </a:solidFill>
@@ -21356,18 +21594,7 @@
                 <a:ea typeface="ＭＳ Ｐゴシック" panose="020B0600070205080204" pitchFamily="50" charset="-128"/>
                 <a:sym typeface="ヒラギノ角ゴ ProN W6" charset="0"/>
               </a:rPr>
-              <a:t>１</a:t>
-            </a:r>
-            <a:r>
-              <a:rPr lang="ja-JP" altLang="en-US" sz="2400" dirty="0" smtClean="0">
-                <a:solidFill>
-                  <a:srgbClr val="FFFFFF"/>
-                </a:solidFill>
-                <a:latin typeface="ヒラギノ角ゴ ProN W6" charset="0"/>
-                <a:ea typeface="ＭＳ Ｐゴシック" panose="020B0600070205080204" pitchFamily="50" charset="-128"/>
-                <a:sym typeface="ヒラギノ角ゴ ProN W6" charset="0"/>
-              </a:rPr>
-              <a:t>日</a:t>
+              <a:t>１日</a:t>
             </a:r>
             <a:endParaRPr lang="ja-JP" altLang="en-US" sz="2400" dirty="0">
               <a:solidFill>
@@ -21382,14 +21609,14 @@
       </p:sp>
       <p:sp>
         <p:nvSpPr>
-          <p:cNvPr id="31" name="テキスト ボックス 30"/>
+          <p:cNvPr id="53" name="テキスト ボックス 52"/>
           <p:cNvSpPr txBox="1"/>
           <p:nvPr/>
         </p:nvSpPr>
         <p:spPr>
           <a:xfrm>
-            <a:off x="4474947" y="2071793"/>
-            <a:ext cx="1980029" cy="523220"/>
+            <a:off x="4317929" y="2041426"/>
+            <a:ext cx="1723549" cy="461665"/>
           </a:xfrm>
           <a:prstGeom prst="rect">
             <a:avLst/>
@@ -21403,10 +21630,33 @@
           <a:lstStyle/>
           <a:p>
             <a:r>
-              <a:rPr kumimoji="1" lang="ja-JP" altLang="en-US" sz="2800" b="1" dirty="0" smtClean="0"/>
+              <a:rPr kumimoji="1" lang="ja-JP" altLang="en-US" sz="2400" b="1" dirty="0" smtClean="0"/>
               <a:t>受入テスト</a:t>
             </a:r>
-            <a:endParaRPr kumimoji="1" lang="ja-JP" altLang="en-US" sz="2800" b="1" dirty="0"/>
+            <a:endParaRPr kumimoji="1" lang="ja-JP" altLang="en-US" sz="2400" b="1" dirty="0"/>
+          </a:p>
+        </p:txBody>
+      </p:sp>
+      <p:sp>
+        <p:nvSpPr>
+          <p:cNvPr id="2" name="スライド番号プレースホルダー 1"/>
+          <p:cNvSpPr>
+            <a:spLocks noGrp="1"/>
+          </p:cNvSpPr>
+          <p:nvPr>
+            <p:ph type="sldNum" sz="quarter" idx="12"/>
+          </p:nvPr>
+        </p:nvSpPr>
+        <p:spPr/>
+        <p:txBody>
+          <a:bodyPr/>
+          <a:lstStyle/>
+          <a:p>
+            <a:fld id="{8A903737-8B57-476D-8319-ED02A8A4DA96}" type="slidenum">
+              <a:rPr kumimoji="1" lang="ja-JP" altLang="en-US" sz="4000" smtClean="0"/>
+              <a:t>13</a:t>
+            </a:fld>
+            <a:endParaRPr kumimoji="1" lang="ja-JP" altLang="en-US" dirty="0"/>
           </a:p>
         </p:txBody>
       </p:sp>
@@ -21514,6 +21764,29 @@
           </a:p>
         </p:txBody>
       </p:sp>
+      <p:sp>
+        <p:nvSpPr>
+          <p:cNvPr id="2" name="スライド番号プレースホルダー 1"/>
+          <p:cNvSpPr>
+            <a:spLocks noGrp="1"/>
+          </p:cNvSpPr>
+          <p:nvPr>
+            <p:ph type="sldNum" sz="quarter" idx="12"/>
+          </p:nvPr>
+        </p:nvSpPr>
+        <p:spPr/>
+        <p:txBody>
+          <a:bodyPr/>
+          <a:lstStyle/>
+          <a:p>
+            <a:fld id="{8A903737-8B57-476D-8319-ED02A8A4DA96}" type="slidenum">
+              <a:rPr kumimoji="1" lang="ja-JP" altLang="en-US" sz="4000" smtClean="0"/>
+              <a:t>2</a:t>
+            </a:fld>
+            <a:endParaRPr kumimoji="1" lang="ja-JP" altLang="en-US" dirty="0"/>
+          </a:p>
+        </p:txBody>
+      </p:sp>
     </p:spTree>
     <p:extLst>
       <p:ext uri="{BB962C8B-B14F-4D97-AF65-F5344CB8AC3E}">
@@ -21680,6 +21953,29 @@
               <a:t>、必要な情報をその場で提供させることを可能とする。</a:t>
             </a:r>
             <a:endParaRPr kumimoji="1" lang="en-US" altLang="ja-JP" dirty="0" smtClean="0"/>
+          </a:p>
+        </p:txBody>
+      </p:sp>
+      <p:sp>
+        <p:nvSpPr>
+          <p:cNvPr id="4" name="スライド番号プレースホルダー 3"/>
+          <p:cNvSpPr>
+            <a:spLocks noGrp="1"/>
+          </p:cNvSpPr>
+          <p:nvPr>
+            <p:ph type="sldNum" sz="quarter" idx="12"/>
+          </p:nvPr>
+        </p:nvSpPr>
+        <p:spPr/>
+        <p:txBody>
+          <a:bodyPr/>
+          <a:lstStyle/>
+          <a:p>
+            <a:fld id="{8A903737-8B57-476D-8319-ED02A8A4DA96}" type="slidenum">
+              <a:rPr kumimoji="1" lang="ja-JP" altLang="en-US" sz="4000" smtClean="0"/>
+              <a:t>3</a:t>
+            </a:fld>
+            <a:endParaRPr kumimoji="1" lang="ja-JP" altLang="en-US" dirty="0"/>
           </a:p>
         </p:txBody>
       </p:sp>
@@ -21901,6 +22197,29 @@
           </a:p>
           <a:p>
             <a:endParaRPr lang="en-US" altLang="ja-JP" dirty="0"/>
+          </a:p>
+        </p:txBody>
+      </p:sp>
+      <p:sp>
+        <p:nvSpPr>
+          <p:cNvPr id="4" name="スライド番号プレースホルダー 3"/>
+          <p:cNvSpPr>
+            <a:spLocks noGrp="1"/>
+          </p:cNvSpPr>
+          <p:nvPr>
+            <p:ph type="sldNum" sz="quarter" idx="12"/>
+          </p:nvPr>
+        </p:nvSpPr>
+        <p:spPr/>
+        <p:txBody>
+          <a:bodyPr/>
+          <a:lstStyle/>
+          <a:p>
+            <a:fld id="{8A903737-8B57-476D-8319-ED02A8A4DA96}" type="slidenum">
+              <a:rPr kumimoji="1" lang="ja-JP" altLang="en-US" sz="4000" smtClean="0"/>
+              <a:t>4</a:t>
+            </a:fld>
+            <a:endParaRPr kumimoji="1" lang="ja-JP" altLang="en-US" dirty="0"/>
           </a:p>
         </p:txBody>
       </p:sp>
@@ -22280,6 +22599,29 @@
           </a:prstGeom>
         </p:spPr>
       </p:pic>
+      <p:sp>
+        <p:nvSpPr>
+          <p:cNvPr id="2" name="スライド番号プレースホルダー 1"/>
+          <p:cNvSpPr>
+            <a:spLocks noGrp="1"/>
+          </p:cNvSpPr>
+          <p:nvPr>
+            <p:ph type="sldNum" sz="quarter" idx="12"/>
+          </p:nvPr>
+        </p:nvSpPr>
+        <p:spPr/>
+        <p:txBody>
+          <a:bodyPr/>
+          <a:lstStyle/>
+          <a:p>
+            <a:fld id="{8A903737-8B57-476D-8319-ED02A8A4DA96}" type="slidenum">
+              <a:rPr kumimoji="1" lang="ja-JP" altLang="en-US" sz="4000" smtClean="0"/>
+              <a:t>5</a:t>
+            </a:fld>
+            <a:endParaRPr kumimoji="1" lang="ja-JP" altLang="en-US" sz="4000" dirty="0"/>
+          </a:p>
+        </p:txBody>
+      </p:sp>
     </p:spTree>
     <p:extLst>
       <p:ext uri="{BB962C8B-B14F-4D97-AF65-F5344CB8AC3E}">
@@ -22344,7 +22686,7 @@
                 <a:latin typeface="HGP創英角ｺﾞｼｯｸUB" panose="020B0900000000000000" pitchFamily="50" charset="-128"/>
                 <a:ea typeface="HGP創英角ｺﾞｼｯｸUB" panose="020B0900000000000000" pitchFamily="50" charset="-128"/>
               </a:rPr>
-              <a:t>やることリスト</a:t>
+              <a:t>やらないことリスト</a:t>
             </a:r>
             <a:endParaRPr kumimoji="1" lang="ja-JP" altLang="en-US" b="1" dirty="0">
               <a:latin typeface="HGP創英角ｺﾞｼｯｸUB" panose="020B0900000000000000" pitchFamily="50" charset="-128"/>
@@ -22973,6 +23315,29 @@
           </a:graphicData>
         </a:graphic>
       </p:graphicFrame>
+      <p:sp>
+        <p:nvSpPr>
+          <p:cNvPr id="3" name="スライド番号プレースホルダー 2"/>
+          <p:cNvSpPr>
+            <a:spLocks noGrp="1"/>
+          </p:cNvSpPr>
+          <p:nvPr>
+            <p:ph type="sldNum" sz="quarter" idx="12"/>
+          </p:nvPr>
+        </p:nvSpPr>
+        <p:spPr/>
+        <p:txBody>
+          <a:bodyPr/>
+          <a:lstStyle/>
+          <a:p>
+            <a:fld id="{8A903737-8B57-476D-8319-ED02A8A4DA96}" type="slidenum">
+              <a:rPr kumimoji="1" lang="ja-JP" altLang="en-US" sz="4000" smtClean="0"/>
+              <a:t>6</a:t>
+            </a:fld>
+            <a:endParaRPr kumimoji="1" lang="ja-JP" altLang="en-US" dirty="0"/>
+          </a:p>
+        </p:txBody>
+      </p:sp>
     </p:spTree>
     <p:extLst>
       <p:ext uri="{BB962C8B-B14F-4D97-AF65-F5344CB8AC3E}">
@@ -23521,6 +23886,29 @@
           </a:fontRef>
         </p:style>
       </p:cxnSp>
+      <p:sp>
+        <p:nvSpPr>
+          <p:cNvPr id="8" name="スライド番号プレースホルダー 7"/>
+          <p:cNvSpPr>
+            <a:spLocks noGrp="1"/>
+          </p:cNvSpPr>
+          <p:nvPr>
+            <p:ph type="sldNum" sz="quarter" idx="12"/>
+          </p:nvPr>
+        </p:nvSpPr>
+        <p:spPr/>
+        <p:txBody>
+          <a:bodyPr/>
+          <a:lstStyle/>
+          <a:p>
+            <a:fld id="{8A903737-8B57-476D-8319-ED02A8A4DA96}" type="slidenum">
+              <a:rPr kumimoji="1" lang="ja-JP" altLang="en-US" sz="4000" smtClean="0"/>
+              <a:t>7</a:t>
+            </a:fld>
+            <a:endParaRPr kumimoji="1" lang="ja-JP" altLang="en-US" dirty="0"/>
+          </a:p>
+        </p:txBody>
+      </p:sp>
     </p:spTree>
     <p:extLst>
       <p:ext uri="{BB962C8B-B14F-4D97-AF65-F5344CB8AC3E}">
@@ -24224,6 +24612,29 @@
           </a:p>
         </p:txBody>
       </p:sp>
+      <p:sp>
+        <p:nvSpPr>
+          <p:cNvPr id="3" name="スライド番号プレースホルダー 2"/>
+          <p:cNvSpPr>
+            <a:spLocks noGrp="1"/>
+          </p:cNvSpPr>
+          <p:nvPr>
+            <p:ph type="sldNum" sz="quarter" idx="12"/>
+          </p:nvPr>
+        </p:nvSpPr>
+        <p:spPr/>
+        <p:txBody>
+          <a:bodyPr/>
+          <a:lstStyle/>
+          <a:p>
+            <a:fld id="{8A903737-8B57-476D-8319-ED02A8A4DA96}" type="slidenum">
+              <a:rPr kumimoji="1" lang="ja-JP" altLang="en-US" sz="4000" smtClean="0"/>
+              <a:t>8</a:t>
+            </a:fld>
+            <a:endParaRPr kumimoji="1" lang="ja-JP" altLang="en-US" dirty="0"/>
+          </a:p>
+        </p:txBody>
+      </p:sp>
     </p:spTree>
     <p:extLst>
       <p:ext uri="{BB962C8B-B14F-4D97-AF65-F5344CB8AC3E}">
@@ -24340,6 +24751,29 @@
               <a:t>サーバーの故障</a:t>
             </a:r>
             <a:endParaRPr lang="en-US" altLang="ja-JP" sz="3600" b="1" dirty="0" smtClean="0"/>
+          </a:p>
+        </p:txBody>
+      </p:sp>
+      <p:sp>
+        <p:nvSpPr>
+          <p:cNvPr id="4" name="スライド番号プレースホルダー 3"/>
+          <p:cNvSpPr>
+            <a:spLocks noGrp="1"/>
+          </p:cNvSpPr>
+          <p:nvPr>
+            <p:ph type="sldNum" sz="quarter" idx="12"/>
+          </p:nvPr>
+        </p:nvSpPr>
+        <p:spPr/>
+        <p:txBody>
+          <a:bodyPr/>
+          <a:lstStyle/>
+          <a:p>
+            <a:fld id="{8A903737-8B57-476D-8319-ED02A8A4DA96}" type="slidenum">
+              <a:rPr kumimoji="1" lang="ja-JP" altLang="en-US" sz="4000" smtClean="0"/>
+              <a:t>9</a:t>
+            </a:fld>
+            <a:endParaRPr kumimoji="1" lang="ja-JP" altLang="en-US" dirty="0"/>
           </a:p>
         </p:txBody>
       </p:sp>

--- a/インセプションデッキ矢吹研A班.pptx
+++ b/インセプションデッキ矢吹研A班.pptx
@@ -26,7 +26,7 @@
     <p:sldId id="274" r:id="rId14"/>
   </p:sldIdLst>
   <p:sldSz cx="12192000" cy="6858000"/>
-  <p:notesSz cx="6813550" cy="9955213"/>
+  <p:notesSz cx="6797675" cy="9926638"/>
   <p:defaultTextStyle>
     <a:defPPr>
       <a:defRPr lang="ja-JP"/>
@@ -165,14 +165,14 @@
         <p:spPr>
           <a:xfrm>
             <a:off x="0" y="0"/>
-            <a:ext cx="2953276" cy="499737"/>
+            <a:ext cx="2946395" cy="498303"/>
           </a:xfrm>
           <a:prstGeom prst="rect">
             <a:avLst/>
           </a:prstGeom>
         </p:spPr>
         <p:txBody>
-          <a:bodyPr vert="horz" lIns="91056" tIns="45528" rIns="91056" bIns="45528" rtlCol="0"/>
+          <a:bodyPr vert="horz" lIns="90810" tIns="45405" rIns="90810" bIns="45405" rtlCol="0"/>
           <a:lstStyle>
             <a:lvl1pPr algn="l">
               <a:defRPr sz="1200"/>
@@ -195,15 +195,15 @@
         </p:nvSpPr>
         <p:spPr>
           <a:xfrm>
-            <a:off x="3858694" y="0"/>
-            <a:ext cx="2953276" cy="499737"/>
+            <a:off x="3849704" y="0"/>
+            <a:ext cx="2946395" cy="498303"/>
           </a:xfrm>
           <a:prstGeom prst="rect">
             <a:avLst/>
           </a:prstGeom>
         </p:spPr>
         <p:txBody>
-          <a:bodyPr vert="horz" lIns="91056" tIns="45528" rIns="91056" bIns="45528" rtlCol="0"/>
+          <a:bodyPr vert="horz" lIns="90810" tIns="45405" rIns="90810" bIns="45405" rtlCol="0"/>
           <a:lstStyle>
             <a:lvl1pPr algn="r">
               <a:defRPr sz="1200"/>
@@ -212,7 +212,7 @@
           <a:p>
             <a:fld id="{44823B36-9560-43F4-8AF9-F0441FB700C8}" type="datetimeFigureOut">
               <a:rPr kumimoji="1" lang="ja-JP" altLang="en-US" smtClean="0"/>
-              <a:t>2017/5/26</a:t>
+              <a:t>2017/6/1</a:t>
             </a:fld>
             <a:endParaRPr kumimoji="1" lang="ja-JP" altLang="en-US"/>
           </a:p>
@@ -230,15 +230,15 @@
         </p:nvSpPr>
         <p:spPr>
           <a:xfrm>
-            <a:off x="0" y="9455476"/>
-            <a:ext cx="2953276" cy="499737"/>
+            <a:off x="0" y="9428336"/>
+            <a:ext cx="2946395" cy="498303"/>
           </a:xfrm>
           <a:prstGeom prst="rect">
             <a:avLst/>
           </a:prstGeom>
         </p:spPr>
         <p:txBody>
-          <a:bodyPr vert="horz" lIns="91056" tIns="45528" rIns="91056" bIns="45528" rtlCol="0" anchor="b"/>
+          <a:bodyPr vert="horz" lIns="90810" tIns="45405" rIns="90810" bIns="45405" rtlCol="0" anchor="b"/>
           <a:lstStyle>
             <a:lvl1pPr algn="l">
               <a:defRPr sz="1200"/>
@@ -261,15 +261,15 @@
         </p:nvSpPr>
         <p:spPr>
           <a:xfrm>
-            <a:off x="3858694" y="9455476"/>
-            <a:ext cx="2953276" cy="499737"/>
+            <a:off x="3849704" y="9428336"/>
+            <a:ext cx="2946395" cy="498303"/>
           </a:xfrm>
           <a:prstGeom prst="rect">
             <a:avLst/>
           </a:prstGeom>
         </p:spPr>
         <p:txBody>
-          <a:bodyPr vert="horz" lIns="91056" tIns="45528" rIns="91056" bIns="45528" rtlCol="0" anchor="b"/>
+          <a:bodyPr vert="horz" lIns="90810" tIns="45405" rIns="90810" bIns="45405" rtlCol="0" anchor="b"/>
           <a:lstStyle>
             <a:lvl1pPr algn="r">
               <a:defRPr sz="1200"/>
@@ -330,15 +330,15 @@
         </p:nvSpPr>
         <p:spPr>
           <a:xfrm>
-            <a:off x="0" y="1"/>
-            <a:ext cx="2952539" cy="499489"/>
+            <a:off x="0" y="2"/>
+            <a:ext cx="2945660" cy="498055"/>
           </a:xfrm>
           <a:prstGeom prst="rect">
             <a:avLst/>
           </a:prstGeom>
         </p:spPr>
         <p:txBody>
-          <a:bodyPr vert="horz" lIns="91056" tIns="45528" rIns="91056" bIns="45528" rtlCol="0"/>
+          <a:bodyPr vert="horz" lIns="90810" tIns="45405" rIns="90810" bIns="45405" rtlCol="0"/>
           <a:lstStyle>
             <a:lvl1pPr algn="l">
               <a:defRPr sz="1200"/>
@@ -361,15 +361,15 @@
         </p:nvSpPr>
         <p:spPr>
           <a:xfrm>
-            <a:off x="3859435" y="1"/>
-            <a:ext cx="2952539" cy="499489"/>
+            <a:off x="3850443" y="2"/>
+            <a:ext cx="2945660" cy="498055"/>
           </a:xfrm>
           <a:prstGeom prst="rect">
             <a:avLst/>
           </a:prstGeom>
         </p:spPr>
         <p:txBody>
-          <a:bodyPr vert="horz" lIns="91056" tIns="45528" rIns="91056" bIns="45528" rtlCol="0"/>
+          <a:bodyPr vert="horz" lIns="90810" tIns="45405" rIns="90810" bIns="45405" rtlCol="0"/>
           <a:lstStyle>
             <a:lvl1pPr algn="r">
               <a:defRPr sz="1200"/>
@@ -378,7 +378,7 @@
           <a:p>
             <a:fld id="{E6A73E96-2B78-4241-A155-C881DEA9C1F0}" type="datetimeFigureOut">
               <a:rPr kumimoji="1" lang="ja-JP" altLang="en-US" smtClean="0"/>
-              <a:t>2017/5/26</a:t>
+              <a:t>2017/6/1</a:t>
             </a:fld>
             <a:endParaRPr kumimoji="1" lang="ja-JP" altLang="en-US"/>
           </a:p>
@@ -396,8 +396,8 @@
         </p:nvSpPr>
         <p:spPr>
           <a:xfrm>
-            <a:off x="422275" y="1244600"/>
-            <a:ext cx="5969000" cy="3359150"/>
+            <a:off x="420688" y="1241425"/>
+            <a:ext cx="5956300" cy="3349625"/>
           </a:xfrm>
           <a:prstGeom prst="rect">
             <a:avLst/>
@@ -410,7 +410,7 @@
           </a:ln>
         </p:spPr>
         <p:txBody>
-          <a:bodyPr vert="horz" lIns="91056" tIns="45528" rIns="91056" bIns="45528" rtlCol="0" anchor="ctr"/>
+          <a:bodyPr vert="horz" lIns="90810" tIns="45405" rIns="90810" bIns="45405" rtlCol="0" anchor="ctr"/>
           <a:lstStyle/>
           <a:p>
             <a:endParaRPr lang="ja-JP" altLang="en-US"/>
@@ -429,15 +429,15 @@
         </p:nvSpPr>
         <p:spPr>
           <a:xfrm>
-            <a:off x="681355" y="4790947"/>
-            <a:ext cx="5450840" cy="3919865"/>
+            <a:off x="679768" y="4777196"/>
+            <a:ext cx="5438140" cy="3908614"/>
           </a:xfrm>
           <a:prstGeom prst="rect">
             <a:avLst/>
           </a:prstGeom>
         </p:spPr>
         <p:txBody>
-          <a:bodyPr vert="horz" lIns="91056" tIns="45528" rIns="91056" bIns="45528" rtlCol="0"/>
+          <a:bodyPr vert="horz" lIns="90810" tIns="45405" rIns="90810" bIns="45405" rtlCol="0"/>
           <a:lstStyle/>
           <a:p>
             <a:pPr lvl="0"/>
@@ -521,15 +521,15 @@
         </p:nvSpPr>
         <p:spPr>
           <a:xfrm>
-            <a:off x="0" y="9455726"/>
-            <a:ext cx="2952539" cy="499488"/>
+            <a:off x="0" y="9428585"/>
+            <a:ext cx="2945660" cy="498054"/>
           </a:xfrm>
           <a:prstGeom prst="rect">
             <a:avLst/>
           </a:prstGeom>
         </p:spPr>
         <p:txBody>
-          <a:bodyPr vert="horz" lIns="91056" tIns="45528" rIns="91056" bIns="45528" rtlCol="0" anchor="b"/>
+          <a:bodyPr vert="horz" lIns="90810" tIns="45405" rIns="90810" bIns="45405" rtlCol="0" anchor="b"/>
           <a:lstStyle>
             <a:lvl1pPr algn="l">
               <a:defRPr sz="1200"/>
@@ -552,15 +552,15 @@
         </p:nvSpPr>
         <p:spPr>
           <a:xfrm>
-            <a:off x="3859435" y="9455726"/>
-            <a:ext cx="2952539" cy="499488"/>
+            <a:off x="3850443" y="9428585"/>
+            <a:ext cx="2945660" cy="498054"/>
           </a:xfrm>
           <a:prstGeom prst="rect">
             <a:avLst/>
           </a:prstGeom>
         </p:spPr>
         <p:txBody>
-          <a:bodyPr vert="horz" lIns="91056" tIns="45528" rIns="91056" bIns="45528" rtlCol="0" anchor="b"/>
+          <a:bodyPr vert="horz" lIns="90810" tIns="45405" rIns="90810" bIns="45405" rtlCol="0" anchor="b"/>
           <a:lstStyle>
             <a:lvl1pPr algn="r">
               <a:defRPr sz="1200"/>
@@ -1218,7 +1218,7 @@
           <a:p>
             <a:fld id="{E5E469D5-F795-482D-B0D7-07E5A7634AD4}" type="datetime1">
               <a:rPr kumimoji="1" lang="ja-JP" altLang="en-US" smtClean="0"/>
-              <a:t>2017/5/26</a:t>
+              <a:t>2017/6/1</a:t>
             </a:fld>
             <a:endParaRPr kumimoji="1" lang="ja-JP" altLang="en-US"/>
           </a:p>
@@ -1420,7 +1420,7 @@
           <a:p>
             <a:fld id="{D7C53EB5-3677-443F-996A-A40A3880F401}" type="datetime1">
               <a:rPr kumimoji="1" lang="ja-JP" altLang="en-US" smtClean="0"/>
-              <a:t>2017/5/26</a:t>
+              <a:t>2017/6/1</a:t>
             </a:fld>
             <a:endParaRPr kumimoji="1" lang="ja-JP" altLang="en-US"/>
           </a:p>
@@ -1632,7 +1632,7 @@
           <a:p>
             <a:fld id="{C045E4E9-7BD1-42B6-88A2-5205C7B587DD}" type="datetime1">
               <a:rPr kumimoji="1" lang="ja-JP" altLang="en-US" smtClean="0"/>
-              <a:t>2017/5/26</a:t>
+              <a:t>2017/6/1</a:t>
             </a:fld>
             <a:endParaRPr kumimoji="1" lang="ja-JP" altLang="en-US"/>
           </a:p>
@@ -1834,7 +1834,7 @@
           <a:p>
             <a:fld id="{47929945-3511-4472-97C7-680A477CC988}" type="datetime1">
               <a:rPr kumimoji="1" lang="ja-JP" altLang="en-US" smtClean="0"/>
-              <a:t>2017/5/26</a:t>
+              <a:t>2017/6/1</a:t>
             </a:fld>
             <a:endParaRPr kumimoji="1" lang="ja-JP" altLang="en-US"/>
           </a:p>
@@ -2080,7 +2080,7 @@
           <a:p>
             <a:fld id="{1C574AF9-66AA-4FFE-8E1B-4BE51D41C96D}" type="datetime1">
               <a:rPr kumimoji="1" lang="ja-JP" altLang="en-US" smtClean="0"/>
-              <a:t>2017/5/26</a:t>
+              <a:t>2017/6/1</a:t>
             </a:fld>
             <a:endParaRPr kumimoji="1" lang="ja-JP" altLang="en-US"/>
           </a:p>
@@ -2376,7 +2376,7 @@
           <a:p>
             <a:fld id="{F77EB08F-30EA-49DA-A2FB-9847371D4C66}" type="datetime1">
               <a:rPr kumimoji="1" lang="ja-JP" altLang="en-US" smtClean="0"/>
-              <a:t>2017/5/26</a:t>
+              <a:t>2017/6/1</a:t>
             </a:fld>
             <a:endParaRPr kumimoji="1" lang="ja-JP" altLang="en-US"/>
           </a:p>
@@ -2807,7 +2807,7 @@
           <a:p>
             <a:fld id="{B0BE181C-66BD-4DAC-A4DA-91208C327AE6}" type="datetime1">
               <a:rPr kumimoji="1" lang="ja-JP" altLang="en-US" smtClean="0"/>
-              <a:t>2017/5/26</a:t>
+              <a:t>2017/6/1</a:t>
             </a:fld>
             <a:endParaRPr kumimoji="1" lang="ja-JP" altLang="en-US"/>
           </a:p>
@@ -2925,7 +2925,7 @@
           <a:p>
             <a:fld id="{98E149A5-3263-4EB5-BB37-854917B194A1}" type="datetime1">
               <a:rPr kumimoji="1" lang="ja-JP" altLang="en-US" smtClean="0"/>
-              <a:t>2017/5/26</a:t>
+              <a:t>2017/6/1</a:t>
             </a:fld>
             <a:endParaRPr kumimoji="1" lang="ja-JP" altLang="en-US"/>
           </a:p>
@@ -3020,7 +3020,7 @@
           <a:p>
             <a:fld id="{E0BC77AB-D50D-40C3-ABF7-379E30A601BB}" type="datetime1">
               <a:rPr kumimoji="1" lang="ja-JP" altLang="en-US" smtClean="0"/>
-              <a:t>2017/5/26</a:t>
+              <a:t>2017/6/1</a:t>
             </a:fld>
             <a:endParaRPr kumimoji="1" lang="ja-JP" altLang="en-US"/>
           </a:p>
@@ -3329,7 +3329,7 @@
           <a:p>
             <a:fld id="{2062C1BE-F49F-48CD-9905-49D05CC2F7D4}" type="datetime1">
               <a:rPr kumimoji="1" lang="ja-JP" altLang="en-US" smtClean="0"/>
-              <a:t>2017/5/26</a:t>
+              <a:t>2017/6/1</a:t>
             </a:fld>
             <a:endParaRPr kumimoji="1" lang="ja-JP" altLang="en-US"/>
           </a:p>
@@ -3582,7 +3582,7 @@
           <a:p>
             <a:fld id="{0501E273-2494-4A5C-85AE-EE1F39E3134E}" type="datetime1">
               <a:rPr kumimoji="1" lang="ja-JP" altLang="en-US" smtClean="0"/>
-              <a:t>2017/5/26</a:t>
+              <a:t>2017/6/1</a:t>
             </a:fld>
             <a:endParaRPr kumimoji="1" lang="ja-JP" altLang="en-US"/>
           </a:p>
@@ -3827,7 +3827,7 @@
           <a:p>
             <a:fld id="{4049E619-4B82-451E-B8DD-B0522E948560}" type="datetime1">
               <a:rPr kumimoji="1" lang="ja-JP" altLang="en-US" smtClean="0"/>
-              <a:t>2017/5/26</a:t>
+              <a:t>2017/6/1</a:t>
             </a:fld>
             <a:endParaRPr kumimoji="1" lang="ja-JP" altLang="en-US"/>
           </a:p>
@@ -4383,7 +4383,7 @@
             <p:ph idx="1"/>
             <p:extLst>
               <p:ext uri="{D42A27DB-BD31-4B8C-83A1-F6EECF244321}">
-                <p14:modId xmlns:p14="http://schemas.microsoft.com/office/powerpoint/2010/main" val="1493074173"/>
+                <p14:modId xmlns:p14="http://schemas.microsoft.com/office/powerpoint/2010/main" val="934637041"/>
               </p:ext>
             </p:extLst>
           </p:nvPr>
@@ -4635,7 +4635,7 @@
                       <a:pPr algn="ctr"/>
                       <a:r>
                         <a:rPr kumimoji="1" lang="ja-JP" altLang="en-US" sz="2800" b="1" dirty="0" smtClean="0"/>
-                        <a:t>１</a:t>
+                        <a:t>３</a:t>
                       </a:r>
                       <a:endParaRPr kumimoji="1" lang="ja-JP" altLang="en-US" sz="2800" b="1" dirty="0"/>
                     </a:p>
@@ -4750,8 +4750,13 @@
                       </a:pPr>
                       <a:r>
                         <a:rPr kumimoji="1" lang="ja-JP" altLang="en-US" b="1" dirty="0" smtClean="0"/>
-                        <a:t>上下関係はない。作業を進めていく過程で個人が複数のことをできるようになる</a:t>
+                        <a:t>上下関係はない。作業を進めていく過程で個人が複数のことをできるように</a:t>
                       </a:r>
+                      <a:r>
+                        <a:rPr kumimoji="1" lang="ja-JP" altLang="en-US" b="1" dirty="0" smtClean="0"/>
+                        <a:t>なる。</a:t>
+                      </a:r>
+                      <a:endParaRPr kumimoji="1" lang="ja-JP" altLang="en-US" b="1" dirty="0" smtClean="0"/>
                     </a:p>
                     <a:p>
                       <a:endParaRPr kumimoji="1" lang="ja-JP" altLang="en-US" b="1" dirty="0"/>
@@ -4774,7 +4779,7 @@
                       <a:pPr algn="ctr"/>
                       <a:r>
                         <a:rPr kumimoji="1" lang="ja-JP" altLang="en-US" sz="2800" b="1" dirty="0" smtClean="0"/>
-                        <a:t>３</a:t>
+                        <a:t>１</a:t>
                       </a:r>
                       <a:endParaRPr kumimoji="1" lang="ja-JP" altLang="en-US" sz="2800" b="1" dirty="0"/>
                     </a:p>
@@ -5192,7 +5197,7 @@
         </p:nvSpPr>
         <p:spPr bwMode="auto">
           <a:xfrm rot="5400000">
-            <a:off x="3950029" y="3412464"/>
+            <a:off x="5919944" y="3431783"/>
             <a:ext cx="838200" cy="228600"/>
           </a:xfrm>
           <a:custGeom>
@@ -5296,7 +5301,7 @@
         </p:nvSpPr>
         <p:spPr bwMode="auto">
           <a:xfrm rot="5400000">
-            <a:off x="6026198" y="3325205"/>
+            <a:off x="7108399" y="3417684"/>
             <a:ext cx="838200" cy="228600"/>
           </a:xfrm>
           <a:custGeom>
@@ -5504,7 +5509,7 @@
         </p:nvSpPr>
         <p:spPr bwMode="auto">
           <a:xfrm>
-            <a:off x="6644680" y="3107664"/>
+            <a:off x="6375586" y="2728163"/>
             <a:ext cx="2385268" cy="384721"/>
           </a:xfrm>
           <a:prstGeom prst="rect">
@@ -5757,7 +5762,7 @@
         </p:nvSpPr>
         <p:spPr bwMode="auto">
           <a:xfrm>
-            <a:off x="3139441" y="2895032"/>
+            <a:off x="4628649" y="3052694"/>
             <a:ext cx="795089" cy="507831"/>
           </a:xfrm>
           <a:prstGeom prst="rect">
@@ -6012,8 +6017,8 @@
         </p:nvSpPr>
         <p:spPr bwMode="auto">
           <a:xfrm>
-            <a:off x="3215509" y="3824779"/>
-            <a:ext cx="1012713" cy="446276"/>
+            <a:off x="4673617" y="3762651"/>
+            <a:ext cx="594715" cy="446276"/>
           </a:xfrm>
           <a:prstGeom prst="rect">
             <a:avLst/>
@@ -6250,40 +6255,7 @@
                 <a:ea typeface="ＭＳ Ｐゴシック" panose="020B0600070205080204" pitchFamily="50" charset="-128"/>
                 <a:sym typeface="ヒラギノ角ゴ ProN W6" charset="0"/>
               </a:rPr>
-              <a:t>～</a:t>
-            </a:r>
-            <a:r>
-              <a:rPr lang="en-US" altLang="ja-JP" sz="2400" dirty="0" smtClean="0">
-                <a:solidFill>
-                  <a:srgbClr val="FFFFFF"/>
-                </a:solidFill>
-                <a:latin typeface="ヒラギノ角ゴ ProN W6" charset="0"/>
-                <a:ea typeface="ＭＳ Ｐゴシック" panose="020B0600070205080204" pitchFamily="50" charset="-128"/>
-                <a:sym typeface="ヒラギノ角ゴ ProN W6" charset="0"/>
-              </a:rPr>
-              <a:t>1</a:t>
-            </a:r>
-            <a:r>
-              <a:rPr lang="en-US" altLang="ja-JP" sz="2400" dirty="0">
-                <a:solidFill>
-                  <a:srgbClr val="FFFFFF"/>
-                </a:solidFill>
-                <a:latin typeface="ヒラギノ角ゴ ProN W6" charset="0"/>
-                <a:ea typeface="ＭＳ Ｐゴシック" panose="020B0600070205080204" pitchFamily="50" charset="-128"/>
-                <a:sym typeface="ヒラギノ角ゴ ProN W6" charset="0"/>
-              </a:rPr>
-              <a:t>1</a:t>
-            </a:r>
-            <a:r>
-              <a:rPr lang="ja-JP" altLang="en-US" sz="2400" dirty="0" smtClean="0">
-                <a:solidFill>
-                  <a:srgbClr val="FFFFFF"/>
-                </a:solidFill>
-                <a:latin typeface="ヒラギノ角ゴ ProN W6" charset="0"/>
-                <a:ea typeface="ＭＳ Ｐゴシック" panose="020B0600070205080204" pitchFamily="50" charset="-128"/>
-                <a:sym typeface="ヒラギノ角ゴ ProN W6" charset="0"/>
-              </a:rPr>
-              <a:t>日</a:t>
+              <a:t>７日</a:t>
             </a:r>
             <a:endParaRPr lang="ja-JP" altLang="en-US" sz="2400" dirty="0">
               <a:solidFill>
@@ -6360,7 +6332,7 @@
         </p:nvSpPr>
         <p:spPr bwMode="auto">
           <a:xfrm>
-            <a:off x="5172630" y="3863251"/>
+            <a:off x="6680389" y="3910984"/>
             <a:ext cx="517770" cy="369332"/>
           </a:xfrm>
           <a:prstGeom prst="rect">
@@ -6598,7 +6570,7 @@
                 <a:ea typeface="ＭＳ Ｐゴシック" panose="020B0600070205080204" pitchFamily="50" charset="-128"/>
                 <a:sym typeface="ヒラギノ角ゴ ProN W6" charset="0"/>
               </a:rPr>
-              <a:t>２</a:t>
+              <a:t>１</a:t>
             </a:r>
             <a:r>
               <a:rPr lang="ja-JP" altLang="en-US" sz="2400" dirty="0" smtClean="0">
@@ -6632,7 +6604,7 @@
         </p:nvSpPr>
         <p:spPr bwMode="auto">
           <a:xfrm>
-            <a:off x="8459963" y="2433367"/>
+            <a:off x="9278646" y="2844944"/>
             <a:ext cx="1637366" cy="461665"/>
           </a:xfrm>
           <a:prstGeom prst="rect">
@@ -6806,7 +6778,7 @@
         </p:nvSpPr>
         <p:spPr bwMode="auto">
           <a:xfrm>
-            <a:off x="7537969" y="3843516"/>
+            <a:off x="8045291" y="3820356"/>
             <a:ext cx="517770" cy="369332"/>
           </a:xfrm>
           <a:prstGeom prst="rect">
@@ -7044,7 +7016,7 @@
                 <a:ea typeface="ＭＳ Ｐゴシック" panose="020B0600070205080204" pitchFamily="50" charset="-128"/>
                 <a:sym typeface="ヒラギノ角ゴ ProN W6" charset="0"/>
               </a:rPr>
-              <a:t>１日</a:t>
+              <a:t>２日</a:t>
             </a:r>
             <a:endParaRPr lang="ja-JP" altLang="en-US" sz="2400" dirty="0">
               <a:solidFill>
@@ -7065,8 +7037,8 @@
         </p:nvSpPr>
         <p:spPr>
           <a:xfrm>
-            <a:off x="4583995" y="2917190"/>
-            <a:ext cx="1723549" cy="461665"/>
+            <a:off x="7783071" y="3112884"/>
+            <a:ext cx="1415772" cy="461665"/>
           </a:xfrm>
           <a:prstGeom prst="rect">
             <a:avLst/>
@@ -7081,7 +7053,7 @@
           <a:p>
             <a:r>
               <a:rPr kumimoji="1" lang="ja-JP" altLang="en-US" sz="2400" b="1" dirty="0" smtClean="0"/>
-              <a:t>受入テスト</a:t>
+              <a:t>動作確認</a:t>
             </a:r>
             <a:endParaRPr kumimoji="1" lang="ja-JP" altLang="en-US" sz="2400" b="1" dirty="0"/>
           </a:p>
@@ -7412,7 +7384,13 @@
           <p:cNvGraphicFramePr>
             <a:graphicFrameLocks noGrp="1"/>
           </p:cNvGraphicFramePr>
-          <p:nvPr/>
+          <p:nvPr>
+            <p:extLst>
+              <p:ext uri="{D42A27DB-BD31-4B8C-83A1-F6EECF244321}">
+                <p14:modId xmlns:p14="http://schemas.microsoft.com/office/powerpoint/2010/main" val="1782082290"/>
+              </p:ext>
+            </p:extLst>
+          </p:nvPr>
         </p:nvGraphicFramePr>
         <p:xfrm>
           <a:off x="1981200" y="1371601"/>
@@ -8592,7 +8570,7 @@
                           <a:ea typeface="ＭＳ Ｐゴシック" panose="020B0600070205080204" pitchFamily="50" charset="-128"/>
                           <a:sym typeface="ヒラギノ角ゴ ProN W6" charset="0"/>
                         </a:rPr>
-                        <a:t>機能をぜんぶ揃える</a:t>
+                        <a:t>実装する機能数</a:t>
                       </a:r>
                       <a:r>
                         <a:rPr kumimoji="0" lang="en-US" altLang="ja-JP" sz="2400" b="0" i="0" u="none" strike="noStrike" cap="none" normalizeH="0" baseline="0" dirty="0" smtClean="0">
@@ -12166,7 +12144,7 @@
         </p:nvSpPr>
         <p:spPr bwMode="auto">
           <a:xfrm>
-            <a:off x="3595690" y="2420144"/>
+            <a:off x="3020221" y="2481159"/>
             <a:ext cx="228600" cy="457200"/>
           </a:xfrm>
           <a:prstGeom prst="ellipse">
@@ -13824,7 +13802,7 @@
         </p:nvSpPr>
         <p:spPr bwMode="auto">
           <a:xfrm>
-            <a:off x="2993007" y="3495676"/>
+            <a:off x="3705226" y="3512074"/>
             <a:ext cx="228600" cy="457200"/>
           </a:xfrm>
           <a:prstGeom prst="ellipse">
@@ -13977,7 +13955,7 @@
           <p:nvPr>
             <p:extLst>
               <p:ext uri="{D42A27DB-BD31-4B8C-83A1-F6EECF244321}">
-                <p14:modId xmlns:p14="http://schemas.microsoft.com/office/powerpoint/2010/main" val="2756336925"/>
+                <p14:modId xmlns:p14="http://schemas.microsoft.com/office/powerpoint/2010/main" val="3309665016"/>
               </p:ext>
             </p:extLst>
           </p:nvPr>
@@ -15160,7 +15138,22 @@
                           <a:ea typeface="ＭＳ Ｐゴシック" panose="020B0600070205080204" pitchFamily="50" charset="-128"/>
                           <a:sym typeface="ヒラギノ角ゴ ProN W6" charset="0"/>
                         </a:rPr>
-                        <a:t>見やすさ！</a:t>
+                        <a:t>成果物の情報</a:t>
+                      </a:r>
+                      <a:r>
+                        <a:rPr kumimoji="0" lang="ja-JP" altLang="en-US" sz="2400" b="1" i="0" u="none" strike="noStrike" cap="none" normalizeH="0" baseline="0" dirty="0" smtClean="0">
+                          <a:ln>
+                            <a:noFill/>
+                          </a:ln>
+                          <a:solidFill>
+                            <a:schemeClr val="tx1"/>
+                          </a:solidFill>
+                          <a:effectLst/>
+                          <a:latin typeface="ヒラギノ角ゴ ProN W6" charset="0"/>
+                          <a:ea typeface="ＭＳ Ｐゴシック" panose="020B0600070205080204" pitchFamily="50" charset="-128"/>
+                          <a:sym typeface="ヒラギノ角ゴ ProN W6" charset="0"/>
+                        </a:rPr>
+                        <a:t>量</a:t>
                       </a:r>
                     </a:p>
                   </a:txBody>
@@ -15766,7 +15759,7 @@
                           <a:ea typeface="ＭＳ Ｐゴシック" panose="020B0600070205080204" pitchFamily="50" charset="-128"/>
                           <a:sym typeface="ヒラギノ角ゴ ProN W6" charset="0"/>
                         </a:rPr>
-                        <a:t>便利さ！</a:t>
+                        <a:t>利便性</a:t>
                       </a:r>
                     </a:p>
                   </a:txBody>
@@ -16360,7 +16353,7 @@
                         </a:tabLst>
                       </a:pPr>
                       <a:r>
-                        <a:rPr kumimoji="0" lang="ja-JP" altLang="en-US" sz="2200" b="0" i="0" u="none" strike="noStrike" cap="none" normalizeH="0" baseline="0" dirty="0" smtClean="0">
+                        <a:rPr kumimoji="0" lang="ja-JP" altLang="en-US" sz="2400" b="1" i="0" u="none" strike="noStrike" cap="none" normalizeH="0" baseline="0" dirty="0" smtClean="0">
                           <a:ln>
                             <a:noFill/>
                           </a:ln>
@@ -16372,9 +16365,9 @@
                           <a:ea typeface="ＭＳ Ｐゴシック" panose="020B0600070205080204" pitchFamily="50" charset="-128"/>
                           <a:sym typeface="ヒラギノ角ゴ ProN W6" charset="0"/>
                         </a:rPr>
-                        <a:t>使いやすさ！</a:t>
+                        <a:t>簡易性</a:t>
                       </a:r>
-                      <a:endParaRPr kumimoji="0" lang="en-US" altLang="ja-JP" sz="2200" b="0" i="0" u="none" strike="noStrike" cap="none" normalizeH="0" baseline="0" dirty="0" smtClean="0">
+                      <a:endParaRPr kumimoji="0" lang="en-US" altLang="ja-JP" sz="2400" b="1" i="0" u="none" strike="noStrike" cap="none" normalizeH="0" baseline="0" dirty="0" smtClean="0">
                         <a:ln>
                           <a:noFill/>
                         </a:ln>
@@ -17131,7 +17124,7 @@
         </p:nvSpPr>
         <p:spPr bwMode="auto">
           <a:xfrm>
-            <a:off x="3640964" y="4550094"/>
+            <a:off x="2785277" y="4549775"/>
             <a:ext cx="228600" cy="457200"/>
           </a:xfrm>
           <a:prstGeom prst="ellipse">
@@ -17960,7 +17953,7 @@
         </p:nvSpPr>
         <p:spPr bwMode="auto">
           <a:xfrm>
-            <a:off x="2899577" y="5188875"/>
+            <a:off x="3390901" y="5154613"/>
             <a:ext cx="228600" cy="457200"/>
           </a:xfrm>
           <a:prstGeom prst="ellipse">
@@ -18789,7 +18782,7 @@
         </p:nvSpPr>
         <p:spPr bwMode="auto">
           <a:xfrm>
-            <a:off x="3490914" y="5638800"/>
+            <a:off x="3843339" y="5666686"/>
             <a:ext cx="228600" cy="457200"/>
           </a:xfrm>
           <a:prstGeom prst="ellipse">
@@ -19289,12 +19282,20 @@
               <a:t>、</a:t>
             </a:r>
             <a:r>
-              <a:rPr lang="en-US" altLang="ja-JP" sz="4000" dirty="0" smtClean="0">
+              <a:rPr lang="en-US" altLang="ja-JP" sz="4000" dirty="0">
                 <a:latin typeface="ヒラギノ角ゴ ProN W6" charset="0"/>
                 <a:ea typeface="ＭＳ Ｐゴシック" panose="020B0600070205080204" pitchFamily="50" charset="-128"/>
                 <a:sym typeface="ヒラギノ角ゴ ProN W6" charset="0"/>
               </a:rPr>
-              <a:t>2</a:t>
+              <a:t>10</a:t>
+            </a:r>
+            <a:r>
+              <a:rPr lang="ja-JP" altLang="en-US" sz="4000" dirty="0">
+                <a:latin typeface="ヒラギノ角ゴ ProN W6" charset="0"/>
+                <a:ea typeface="ＭＳ Ｐゴシック" panose="020B0600070205080204" pitchFamily="50" charset="-128"/>
+                <a:sym typeface="ヒラギノ角ゴ ProN W6" charset="0"/>
+              </a:rPr>
+              <a:t>日</a:t>
             </a:r>
             <a:r>
               <a:rPr lang="ja-JP" altLang="en-US" sz="4000" dirty="0" smtClean="0">
@@ -19302,7 +19303,7 @@
                 <a:ea typeface="ＭＳ Ｐゴシック" panose="020B0600070205080204" pitchFamily="50" charset="-128"/>
                 <a:sym typeface="ヒラギノ角ゴ ProN W6" charset="0"/>
               </a:rPr>
-              <a:t>週間、</a:t>
+              <a:t>、</a:t>
             </a:r>
             <a:r>
               <a:rPr lang="en-US" altLang="ja-JP" sz="4000" dirty="0" smtClean="0">
@@ -19578,7 +19579,30 @@
       </p:sp>
       <p:sp>
         <p:nvSpPr>
-          <p:cNvPr id="42" name="AutoShape 3"/>
+          <p:cNvPr id="2" name="スライド番号プレースホルダー 1"/>
+          <p:cNvSpPr>
+            <a:spLocks noGrp="1"/>
+          </p:cNvSpPr>
+          <p:nvPr>
+            <p:ph type="sldNum" sz="quarter" idx="12"/>
+          </p:nvPr>
+        </p:nvSpPr>
+        <p:spPr/>
+        <p:txBody>
+          <a:bodyPr/>
+          <a:lstStyle/>
+          <a:p>
+            <a:fld id="{8A903737-8B57-476D-8319-ED02A8A4DA96}" type="slidenum">
+              <a:rPr kumimoji="1" lang="ja-JP" altLang="en-US" sz="4000" smtClean="0"/>
+              <a:t>13</a:t>
+            </a:fld>
+            <a:endParaRPr kumimoji="1" lang="ja-JP" altLang="en-US" dirty="0"/>
+          </a:p>
+        </p:txBody>
+      </p:sp>
+      <p:sp>
+        <p:nvSpPr>
+          <p:cNvPr id="18" name="AutoShape 3"/>
           <p:cNvSpPr>
             <a:spLocks/>
           </p:cNvSpPr>
@@ -19586,7 +19610,7 @@
         </p:nvSpPr>
         <p:spPr bwMode="auto">
           <a:xfrm>
-            <a:off x="2715742" y="2829253"/>
+            <a:off x="2873375" y="2725738"/>
             <a:ext cx="6921500" cy="685800"/>
           </a:xfrm>
           <a:prstGeom prst="chevron">
@@ -19734,7 +19758,7 @@
       </p:sp>
       <p:sp>
         <p:nvSpPr>
-          <p:cNvPr id="43" name="AutoShape 4"/>
+          <p:cNvPr id="19" name="AutoShape 4"/>
           <p:cNvSpPr>
             <a:spLocks/>
           </p:cNvSpPr>
@@ -19742,7 +19766,7 @@
         </p:nvSpPr>
         <p:spPr bwMode="auto">
           <a:xfrm rot="5400000">
-            <a:off x="3683963" y="2536700"/>
+            <a:off x="5811511" y="2452504"/>
             <a:ext cx="838200" cy="228600"/>
           </a:xfrm>
           <a:custGeom>
@@ -19838,7 +19862,7 @@
       </p:sp>
       <p:sp>
         <p:nvSpPr>
-          <p:cNvPr id="44" name="AutoShape 5"/>
+          <p:cNvPr id="20" name="AutoShape 5"/>
           <p:cNvSpPr>
             <a:spLocks/>
           </p:cNvSpPr>
@@ -19846,7 +19870,7 @@
         </p:nvSpPr>
         <p:spPr bwMode="auto">
           <a:xfrm rot="5400000">
-            <a:off x="5760132" y="2449441"/>
+            <a:off x="6999966" y="2438405"/>
             <a:ext cx="838200" cy="228600"/>
           </a:xfrm>
           <a:custGeom>
@@ -19942,7 +19966,7 @@
       </p:sp>
       <p:sp>
         <p:nvSpPr>
-          <p:cNvPr id="45" name="AutoShape 6"/>
+          <p:cNvPr id="21" name="AutoShape 6"/>
           <p:cNvSpPr>
             <a:spLocks/>
           </p:cNvSpPr>
@@ -19950,7 +19974,7 @@
         </p:nvSpPr>
         <p:spPr bwMode="auto">
           <a:xfrm rot="5400000">
-            <a:off x="8593480" y="2481730"/>
+            <a:off x="8751113" y="2378215"/>
             <a:ext cx="838200" cy="228600"/>
           </a:xfrm>
           <a:custGeom>
@@ -20046,7 +20070,7 @@
       </p:sp>
       <p:sp>
         <p:nvSpPr>
-          <p:cNvPr id="46" name="Rectangle 7"/>
+          <p:cNvPr id="22" name="Rectangle 7"/>
           <p:cNvSpPr>
             <a:spLocks/>
           </p:cNvSpPr>
@@ -20054,7 +20078,7 @@
         </p:nvSpPr>
         <p:spPr bwMode="auto">
           <a:xfrm>
-            <a:off x="6378614" y="2231900"/>
+            <a:off x="6267153" y="1748884"/>
             <a:ext cx="2385268" cy="384721"/>
           </a:xfrm>
           <a:prstGeom prst="rect">
@@ -20299,7 +20323,7 @@
       </p:sp>
       <p:sp>
         <p:nvSpPr>
-          <p:cNvPr id="47" name="Rectangle 8"/>
+          <p:cNvPr id="23" name="Rectangle 8"/>
           <p:cNvSpPr>
             <a:spLocks/>
           </p:cNvSpPr>
@@ -20307,7 +20331,7 @@
         </p:nvSpPr>
         <p:spPr bwMode="auto">
           <a:xfrm>
-            <a:off x="2873375" y="2019268"/>
+            <a:off x="4520216" y="2073415"/>
             <a:ext cx="795089" cy="507831"/>
           </a:xfrm>
           <a:prstGeom prst="rect">
@@ -20554,7 +20578,7 @@
       </p:sp>
       <p:sp>
         <p:nvSpPr>
-          <p:cNvPr id="48" name="Rectangle 11"/>
+          <p:cNvPr id="24" name="Rectangle 11"/>
           <p:cNvSpPr>
             <a:spLocks/>
           </p:cNvSpPr>
@@ -20562,8 +20586,8 @@
         </p:nvSpPr>
         <p:spPr bwMode="auto">
           <a:xfrm>
-            <a:off x="2949443" y="2949015"/>
-            <a:ext cx="1012713" cy="446276"/>
+            <a:off x="4565184" y="2783372"/>
+            <a:ext cx="594715" cy="446276"/>
           </a:xfrm>
           <a:prstGeom prst="rect">
             <a:avLst/>
@@ -20800,40 +20824,7 @@
                 <a:ea typeface="ＭＳ Ｐゴシック" panose="020B0600070205080204" pitchFamily="50" charset="-128"/>
                 <a:sym typeface="ヒラギノ角ゴ ProN W6" charset="0"/>
               </a:rPr>
-              <a:t>～</a:t>
-            </a:r>
-            <a:r>
-              <a:rPr lang="en-US" altLang="ja-JP" sz="2400" dirty="0" smtClean="0">
-                <a:solidFill>
-                  <a:srgbClr val="FFFFFF"/>
-                </a:solidFill>
-                <a:latin typeface="ヒラギノ角ゴ ProN W6" charset="0"/>
-                <a:ea typeface="ＭＳ Ｐゴシック" panose="020B0600070205080204" pitchFamily="50" charset="-128"/>
-                <a:sym typeface="ヒラギノ角ゴ ProN W6" charset="0"/>
-              </a:rPr>
-              <a:t>1</a:t>
-            </a:r>
-            <a:r>
-              <a:rPr lang="en-US" altLang="ja-JP" sz="2400" dirty="0">
-                <a:solidFill>
-                  <a:srgbClr val="FFFFFF"/>
-                </a:solidFill>
-                <a:latin typeface="ヒラギノ角ゴ ProN W6" charset="0"/>
-                <a:ea typeface="ＭＳ Ｐゴシック" panose="020B0600070205080204" pitchFamily="50" charset="-128"/>
-                <a:sym typeface="ヒラギノ角ゴ ProN W6" charset="0"/>
-              </a:rPr>
-              <a:t>1</a:t>
-            </a:r>
-            <a:r>
-              <a:rPr lang="ja-JP" altLang="en-US" sz="2400" dirty="0" smtClean="0">
-                <a:solidFill>
-                  <a:srgbClr val="FFFFFF"/>
-                </a:solidFill>
-                <a:latin typeface="ヒラギノ角ゴ ProN W6" charset="0"/>
-                <a:ea typeface="ＭＳ Ｐゴシック" panose="020B0600070205080204" pitchFamily="50" charset="-128"/>
-                <a:sym typeface="ヒラギノ角ゴ ProN W6" charset="0"/>
-              </a:rPr>
-              <a:t>日</a:t>
+              <a:t>７日</a:t>
             </a:r>
             <a:endParaRPr lang="ja-JP" altLang="en-US" sz="2400" dirty="0">
               <a:solidFill>
@@ -20848,7 +20839,7 @@
       </p:sp>
       <p:pic>
         <p:nvPicPr>
-          <p:cNvPr id="49" name="Picture 14"/>
+          <p:cNvPr id="25" name="Picture 14"/>
           <p:cNvPicPr>
             <a:picLocks noChangeAspect="1" noChangeArrowheads="1"/>
           </p:cNvPicPr>
@@ -20869,7 +20860,7 @@
         </p:blipFill>
         <p:spPr bwMode="auto">
           <a:xfrm>
-            <a:off x="1568649" y="2775978"/>
+            <a:off x="1726282" y="2672463"/>
             <a:ext cx="1066800" cy="839787"/>
           </a:xfrm>
           <a:prstGeom prst="rect">
@@ -20902,7 +20893,7 @@
       </p:pic>
       <p:sp>
         <p:nvSpPr>
-          <p:cNvPr id="50" name="Rectangle 15"/>
+          <p:cNvPr id="26" name="Rectangle 15"/>
           <p:cNvSpPr>
             <a:spLocks/>
           </p:cNvSpPr>
@@ -20910,7 +20901,7 @@
         </p:nvSpPr>
         <p:spPr bwMode="auto">
           <a:xfrm>
-            <a:off x="4906564" y="2987487"/>
+            <a:off x="6571956" y="2931705"/>
             <a:ext cx="517770" cy="369332"/>
           </a:xfrm>
           <a:prstGeom prst="rect">
@@ -21148,7 +21139,7 @@
                 <a:ea typeface="ＭＳ Ｐゴシック" panose="020B0600070205080204" pitchFamily="50" charset="-128"/>
                 <a:sym typeface="ヒラギノ角ゴ ProN W6" charset="0"/>
               </a:rPr>
-              <a:t>２</a:t>
+              <a:t>１</a:t>
             </a:r>
             <a:r>
               <a:rPr lang="ja-JP" altLang="en-US" sz="2400" dirty="0" smtClean="0">
@@ -21174,7 +21165,7 @@
       </p:sp>
       <p:sp>
         <p:nvSpPr>
-          <p:cNvPr id="51" name="テキスト ボックス 1"/>
+          <p:cNvPr id="27" name="テキスト ボックス 1"/>
           <p:cNvSpPr txBox="1">
             <a:spLocks noChangeArrowheads="1"/>
           </p:cNvSpPr>
@@ -21182,7 +21173,7 @@
         </p:nvSpPr>
         <p:spPr bwMode="auto">
           <a:xfrm>
-            <a:off x="8193897" y="1557603"/>
+            <a:off x="9170213" y="1865665"/>
             <a:ext cx="1637366" cy="461665"/>
           </a:xfrm>
           <a:prstGeom prst="rect">
@@ -21348,7 +21339,7 @@
       </p:sp>
       <p:sp>
         <p:nvSpPr>
-          <p:cNvPr id="52" name="Rectangle 15"/>
+          <p:cNvPr id="28" name="Rectangle 15"/>
           <p:cNvSpPr>
             <a:spLocks/>
           </p:cNvSpPr>
@@ -21356,7 +21347,7 @@
         </p:nvSpPr>
         <p:spPr bwMode="auto">
           <a:xfrm>
-            <a:off x="7271903" y="2967752"/>
+            <a:off x="7936858" y="2841077"/>
             <a:ext cx="517770" cy="369332"/>
           </a:xfrm>
           <a:prstGeom prst="rect">
@@ -21594,7 +21585,7 @@
                 <a:ea typeface="ＭＳ Ｐゴシック" panose="020B0600070205080204" pitchFamily="50" charset="-128"/>
                 <a:sym typeface="ヒラギノ角ゴ ProN W6" charset="0"/>
               </a:rPr>
-              <a:t>１日</a:t>
+              <a:t>２日</a:t>
             </a:r>
             <a:endParaRPr lang="ja-JP" altLang="en-US" sz="2400" dirty="0">
               <a:solidFill>
@@ -21609,14 +21600,14 @@
       </p:sp>
       <p:sp>
         <p:nvSpPr>
-          <p:cNvPr id="53" name="テキスト ボックス 52"/>
+          <p:cNvPr id="29" name="テキスト ボックス 28"/>
           <p:cNvSpPr txBox="1"/>
           <p:nvPr/>
         </p:nvSpPr>
         <p:spPr>
           <a:xfrm>
-            <a:off x="4317929" y="2041426"/>
-            <a:ext cx="1723549" cy="461665"/>
+            <a:off x="7674638" y="2133605"/>
+            <a:ext cx="1415772" cy="461665"/>
           </a:xfrm>
           <a:prstGeom prst="rect">
             <a:avLst/>
@@ -21631,32 +21622,9 @@
           <a:p>
             <a:r>
               <a:rPr kumimoji="1" lang="ja-JP" altLang="en-US" sz="2400" b="1" dirty="0" smtClean="0"/>
-              <a:t>受入テスト</a:t>
+              <a:t>動作確認</a:t>
             </a:r>
             <a:endParaRPr kumimoji="1" lang="ja-JP" altLang="en-US" sz="2400" b="1" dirty="0"/>
-          </a:p>
-        </p:txBody>
-      </p:sp>
-      <p:sp>
-        <p:nvSpPr>
-          <p:cNvPr id="2" name="スライド番号プレースホルダー 1"/>
-          <p:cNvSpPr>
-            <a:spLocks noGrp="1"/>
-          </p:cNvSpPr>
-          <p:nvPr>
-            <p:ph type="sldNum" sz="quarter" idx="12"/>
-          </p:nvPr>
-        </p:nvSpPr>
-        <p:spPr/>
-        <p:txBody>
-          <a:bodyPr/>
-          <a:lstStyle/>
-          <a:p>
-            <a:fld id="{8A903737-8B57-476D-8319-ED02A8A4DA96}" type="slidenum">
-              <a:rPr kumimoji="1" lang="ja-JP" altLang="en-US" sz="4000" smtClean="0"/>
-              <a:t>13</a:t>
-            </a:fld>
-            <a:endParaRPr kumimoji="1" lang="ja-JP" altLang="en-US" dirty="0"/>
           </a:p>
         </p:txBody>
       </p:sp>
@@ -21858,7 +21826,12 @@
             <p:ph idx="1"/>
           </p:nvPr>
         </p:nvSpPr>
-        <p:spPr/>
+        <p:spPr>
+          <a:xfrm>
+            <a:off x="838199" y="1825625"/>
+            <a:ext cx="11093245" cy="4206465"/>
+          </a:xfrm>
+        </p:spPr>
         <p:txBody>
           <a:bodyPr>
             <a:normAutofit/>
@@ -21907,43 +21880,47 @@
               <a:rPr kumimoji="1" lang="ja-JP" altLang="en-US" dirty="0" smtClean="0"/>
               <a:t>では、必要な情報を手に入れるために</a:t>
             </a:r>
-            <a:r>
-              <a:rPr kumimoji="1" lang="ja-JP" altLang="en-US" b="1" dirty="0" smtClean="0"/>
-              <a:t>手間</a:t>
-            </a:r>
-            <a:r>
-              <a:rPr kumimoji="1" lang="ja-JP" altLang="en-US" dirty="0" smtClean="0"/>
-              <a:t>がかかっていた。</a:t>
-            </a:r>
-            <a:endParaRPr lang="en-US" altLang="ja-JP" dirty="0"/>
-          </a:p>
-          <a:p>
-            <a:r>
-              <a:rPr lang="ja-JP" altLang="en-US" dirty="0" smtClean="0"/>
-              <a:t>「</a:t>
-            </a:r>
-            <a:r>
-              <a:rPr lang="en-US" altLang="ja-JP" dirty="0" smtClean="0"/>
-              <a:t>PM</a:t>
-            </a:r>
-            <a:r>
-              <a:rPr lang="ja-JP" altLang="en-US" dirty="0"/>
-              <a:t>学科</a:t>
-            </a:r>
-            <a:r>
-              <a:rPr lang="ja-JP" altLang="en-US" dirty="0" smtClean="0"/>
-              <a:t>専用闇キャンパスポータル</a:t>
-            </a:r>
-            <a:r>
-              <a:rPr kumimoji="1" lang="ja-JP" altLang="en-US" dirty="0" smtClean="0"/>
-              <a:t>」システムではその</a:t>
-            </a:r>
             <a:endParaRPr kumimoji="1" lang="en-US" altLang="ja-JP" dirty="0" smtClean="0"/>
           </a:p>
           <a:p>
             <a:pPr marL="0" indent="0">
               <a:buNone/>
             </a:pPr>
+            <a:r>
+              <a:rPr lang="ja-JP" altLang="en-US" b="1" dirty="0"/>
+              <a:t>　</a:t>
+            </a:r>
+            <a:r>
+              <a:rPr kumimoji="1" lang="ja-JP" altLang="en-US" b="1" dirty="0" smtClean="0"/>
+              <a:t>手間</a:t>
+            </a:r>
+            <a:r>
+              <a:rPr kumimoji="1" lang="ja-JP" altLang="en-US" dirty="0" smtClean="0"/>
+              <a:t>がかかっていた。</a:t>
+            </a:r>
+            <a:endParaRPr lang="en-US" altLang="ja-JP" dirty="0"/>
+          </a:p>
+          <a:p>
+            <a:r>
+              <a:rPr lang="ja-JP" altLang="en-US" dirty="0" smtClean="0"/>
+              <a:t>「</a:t>
+            </a:r>
+            <a:r>
+              <a:rPr lang="en-US" altLang="ja-JP" dirty="0" smtClean="0"/>
+              <a:t>PM</a:t>
+            </a:r>
+            <a:r>
+              <a:rPr lang="ja-JP" altLang="en-US" dirty="0"/>
+              <a:t>学科</a:t>
+            </a:r>
+            <a:r>
+              <a:rPr lang="ja-JP" altLang="en-US" dirty="0" smtClean="0"/>
+              <a:t>専用闇キャンパスポータル</a:t>
+            </a:r>
+            <a:r>
+              <a:rPr kumimoji="1" lang="ja-JP" altLang="en-US" dirty="0" smtClean="0"/>
+              <a:t>」システムではその</a:t>
+            </a:r>
             <a:r>
               <a:rPr kumimoji="1" lang="ja-JP" altLang="en-US" b="1" dirty="0" smtClean="0"/>
               <a:t>手間を省き</a:t>
@@ -22050,153 +22027,280 @@
             <p:ph idx="1"/>
           </p:nvPr>
         </p:nvSpPr>
-        <p:spPr/>
+        <p:spPr>
+          <a:xfrm>
+            <a:off x="730134" y="1451552"/>
+            <a:ext cx="12204470" cy="4566863"/>
+          </a:xfrm>
+        </p:spPr>
         <p:txBody>
           <a:bodyPr>
-            <a:normAutofit/>
+            <a:noAutofit/>
           </a:bodyPr>
           <a:lstStyle/>
           <a:p>
-            <a:r>
-              <a:rPr lang="ja-JP" altLang="en-US" dirty="0" smtClean="0"/>
-              <a:t>従来の学生アプリでは、必要な情報を手に入れるために</a:t>
-            </a:r>
-            <a:r>
-              <a:rPr lang="ja-JP" altLang="en-US" b="1" dirty="0" smtClean="0"/>
-              <a:t>手間</a:t>
-            </a:r>
-            <a:r>
-              <a:rPr lang="ja-JP" altLang="en-US" dirty="0" smtClean="0"/>
-              <a:t>がかかる。</a:t>
-            </a:r>
-            <a:endParaRPr lang="en-US" altLang="ja-JP" dirty="0" smtClean="0"/>
-          </a:p>
-          <a:p>
-            <a:r>
-              <a:rPr lang="ja-JP" altLang="en-US" dirty="0" smtClean="0"/>
-              <a:t>より情報を手身近に入手したい津田沼キャンパスに通う</a:t>
-            </a:r>
-            <a:endParaRPr lang="en-US" altLang="ja-JP" dirty="0" smtClean="0"/>
+            <a:pPr marL="0" indent="0">
+              <a:buNone/>
+            </a:pPr>
+            <a:r>
+              <a:rPr lang="ja-JP" altLang="en-US" sz="1600" dirty="0" smtClean="0"/>
+              <a:t>・潜在的な課題</a:t>
+            </a:r>
+            <a:endParaRPr lang="en-US" altLang="ja-JP" sz="1600" dirty="0" smtClean="0"/>
           </a:p>
           <a:p>
             <a:pPr marL="0" indent="0">
               <a:buNone/>
             </a:pPr>
             <a:r>
-              <a:rPr lang="en-US" altLang="ja-JP" dirty="0"/>
-              <a:t> </a:t>
-            </a:r>
-            <a:r>
-              <a:rPr lang="en-US" altLang="ja-JP" dirty="0" smtClean="0"/>
-              <a:t> </a:t>
-            </a:r>
-            <a:r>
-              <a:rPr lang="ja-JP" altLang="en-US" dirty="0" smtClean="0"/>
-              <a:t>千葉工大学社会システム科学部</a:t>
-            </a:r>
-            <a:r>
-              <a:rPr lang="en-US" altLang="ja-JP" dirty="0" smtClean="0"/>
-              <a:t>PM</a:t>
-            </a:r>
-            <a:r>
-              <a:rPr lang="ja-JP" altLang="en-US" dirty="0" smtClean="0"/>
-              <a:t>学科生向けの</a:t>
-            </a:r>
-            <a:endParaRPr lang="en-US" altLang="ja-JP" dirty="0" smtClean="0"/>
+              <a:rPr lang="en-US" altLang="ja-JP" sz="1600" dirty="0" smtClean="0"/>
+              <a:t>	</a:t>
+            </a:r>
+            <a:r>
+              <a:rPr lang="ja-JP" altLang="en-US" sz="1600" dirty="0" smtClean="0"/>
+              <a:t>従来の千葉工大学生</a:t>
+            </a:r>
+            <a:r>
+              <a:rPr lang="ja-JP" altLang="en-US" sz="1600" dirty="0" smtClean="0"/>
+              <a:t>アプリでは、必要な情報を手に入れるために手間がかかる。</a:t>
+            </a:r>
+            <a:endParaRPr lang="en-US" altLang="ja-JP" sz="1600" dirty="0" smtClean="0"/>
           </a:p>
           <a:p>
             <a:pPr marL="0" indent="0">
               <a:buNone/>
             </a:pPr>
             <a:r>
-              <a:rPr lang="ja-JP" altLang="en-US" dirty="0" smtClean="0"/>
-              <a:t>「</a:t>
-            </a:r>
-            <a:r>
-              <a:rPr lang="en-US" altLang="ja-JP" dirty="0"/>
-              <a:t> </a:t>
-            </a:r>
-            <a:r>
-              <a:rPr lang="en-US" altLang="ja-JP" b="1" dirty="0"/>
-              <a:t>PM</a:t>
-            </a:r>
-            <a:r>
-              <a:rPr lang="ja-JP" altLang="en-US" b="1" dirty="0"/>
-              <a:t>学科専用闇キャンパスポータル</a:t>
-            </a:r>
-            <a:r>
-              <a:rPr lang="ja-JP" altLang="en-US" dirty="0"/>
-              <a:t>」</a:t>
-            </a:r>
-            <a:r>
-              <a:rPr lang="ja-JP" altLang="en-US" dirty="0" smtClean="0"/>
-              <a:t>というプロダクトは、</a:t>
-            </a:r>
-            <a:endParaRPr lang="en-US" altLang="ja-JP" dirty="0" smtClean="0"/>
+              <a:rPr lang="ja-JP" altLang="en-US" sz="1600" dirty="0" smtClean="0"/>
+              <a:t>・ターゲット</a:t>
+            </a:r>
+            <a:endParaRPr lang="en-US" altLang="ja-JP" sz="1600" dirty="0" smtClean="0"/>
           </a:p>
           <a:p>
             <a:pPr marL="0" indent="0">
               <a:buNone/>
             </a:pPr>
             <a:r>
-              <a:rPr lang="ja-JP" altLang="en-US" dirty="0"/>
+              <a:rPr lang="en-US" altLang="ja-JP" sz="1600" dirty="0" smtClean="0"/>
+              <a:t>	</a:t>
+            </a:r>
+            <a:r>
+              <a:rPr lang="ja-JP" altLang="en-US" sz="1600" dirty="0" smtClean="0"/>
+              <a:t>より</a:t>
+            </a:r>
+            <a:r>
+              <a:rPr lang="ja-JP" altLang="en-US" sz="1600" dirty="0" smtClean="0"/>
+              <a:t>情報を手短かに入手したい津田沼キャンパスに通う</a:t>
+            </a:r>
+            <a:r>
+              <a:rPr lang="ja-JP" altLang="en-US" sz="1600" dirty="0" smtClean="0"/>
+              <a:t>、</a:t>
+            </a:r>
+            <a:r>
+              <a:rPr lang="en-US" altLang="ja-JP" sz="1600" dirty="0" smtClean="0"/>
               <a:t> </a:t>
             </a:r>
             <a:r>
-              <a:rPr lang="ja-JP" altLang="en-US" dirty="0" smtClean="0"/>
-              <a:t> </a:t>
-            </a:r>
-            <a:r>
-              <a:rPr lang="en-US" altLang="ja-JP" dirty="0" smtClean="0"/>
-              <a:t>Web</a:t>
-            </a:r>
-            <a:r>
-              <a:rPr lang="ja-JP" altLang="en-US" dirty="0" smtClean="0"/>
-              <a:t>サイトによって</a:t>
-            </a:r>
-            <a:r>
-              <a:rPr lang="ja-JP" altLang="en-US" dirty="0"/>
-              <a:t>提供</a:t>
-            </a:r>
-            <a:r>
-              <a:rPr lang="ja-JP" altLang="en-US" dirty="0" smtClean="0"/>
-              <a:t>する。</a:t>
-            </a:r>
-            <a:endParaRPr lang="en-US" altLang="ja-JP" dirty="0" smtClean="0"/>
+              <a:rPr lang="ja-JP" altLang="en-US" sz="1600" dirty="0" smtClean="0"/>
+              <a:t>千葉工業大学社会システム科学部</a:t>
+            </a:r>
+            <a:r>
+              <a:rPr lang="en-US" altLang="ja-JP" sz="1600" dirty="0" smtClean="0"/>
+              <a:t>PM</a:t>
+            </a:r>
+            <a:r>
+              <a:rPr lang="ja-JP" altLang="en-US" sz="1600" dirty="0" smtClean="0"/>
+              <a:t>学科生である。</a:t>
+            </a:r>
+            <a:endParaRPr lang="en-US" altLang="ja-JP" sz="1600" dirty="0" smtClean="0"/>
           </a:p>
           <a:p>
-            <a:r>
-              <a:rPr lang="ja-JP" altLang="en-US" dirty="0" smtClean="0"/>
-              <a:t>これは情報を</a:t>
-            </a:r>
-            <a:r>
-              <a:rPr lang="ja-JP" altLang="en-US" b="1" dirty="0" smtClean="0"/>
-              <a:t>素早く</a:t>
-            </a:r>
-            <a:r>
-              <a:rPr lang="ja-JP" altLang="en-US" dirty="0" smtClean="0"/>
-              <a:t>入手することができ、これまでの学生アプリとは違って、</a:t>
-            </a:r>
-            <a:r>
-              <a:rPr lang="ja-JP" altLang="en-US" b="1" dirty="0" smtClean="0"/>
-              <a:t>リアルタイム</a:t>
-            </a:r>
-            <a:r>
-              <a:rPr lang="ja-JP" altLang="en-US" dirty="0" smtClean="0"/>
-              <a:t>且つ</a:t>
-            </a:r>
-            <a:r>
-              <a:rPr lang="ja-JP" altLang="en-US" b="1" dirty="0" smtClean="0"/>
-              <a:t>素早い</a:t>
-            </a:r>
-            <a:r>
-              <a:rPr lang="ja-JP" altLang="en-US" dirty="0" smtClean="0"/>
-              <a:t>情報収集力が備わっている。</a:t>
-            </a:r>
-            <a:endParaRPr lang="en-US" altLang="ja-JP" dirty="0" smtClean="0"/>
+            <a:pPr marL="0" indent="0">
+              <a:buNone/>
+            </a:pPr>
+            <a:r>
+              <a:rPr lang="ja-JP" altLang="en-US" sz="1600" dirty="0" smtClean="0"/>
+              <a:t>・プロダクト名</a:t>
+            </a:r>
+            <a:endParaRPr lang="en-US" altLang="ja-JP" sz="1600" dirty="0" smtClean="0"/>
           </a:p>
           <a:p>
-            <a:endParaRPr lang="en-US" altLang="ja-JP" dirty="0"/>
+            <a:pPr marL="0" indent="0">
+              <a:buNone/>
+            </a:pPr>
+            <a:r>
+              <a:rPr lang="en-US" altLang="ja-JP" sz="1600" dirty="0" smtClean="0"/>
+              <a:t>	</a:t>
+            </a:r>
+            <a:r>
+              <a:rPr lang="ja-JP" altLang="en-US" sz="1600" dirty="0" smtClean="0"/>
+              <a:t>「</a:t>
+            </a:r>
+            <a:r>
+              <a:rPr lang="en-US" altLang="ja-JP" sz="1600" dirty="0" smtClean="0"/>
+              <a:t> </a:t>
+            </a:r>
+            <a:r>
+              <a:rPr lang="en-US" altLang="ja-JP" sz="1600" dirty="0"/>
+              <a:t>PM</a:t>
+            </a:r>
+            <a:r>
+              <a:rPr lang="ja-JP" altLang="en-US" sz="1600" dirty="0"/>
+              <a:t>学科専用闇キャンパスポータル</a:t>
+            </a:r>
+            <a:r>
+              <a:rPr lang="ja-JP" altLang="en-US" sz="1600" dirty="0" smtClean="0"/>
+              <a:t>」である。</a:t>
+            </a:r>
+            <a:endParaRPr lang="en-US" altLang="ja-JP" sz="1600" dirty="0" smtClean="0"/>
+          </a:p>
+          <a:p>
+            <a:pPr marL="0" indent="0">
+              <a:buNone/>
+            </a:pPr>
+            <a:r>
+              <a:rPr lang="ja-JP" altLang="en-US" sz="1600" dirty="0" smtClean="0"/>
+              <a:t>・プロダクトのカテゴリー</a:t>
+            </a:r>
+            <a:endParaRPr lang="en-US" altLang="ja-JP" sz="1600" dirty="0" smtClean="0"/>
+          </a:p>
+          <a:p>
+            <a:pPr marL="0" indent="0">
+              <a:buNone/>
+            </a:pPr>
+            <a:r>
+              <a:rPr lang="en-US" altLang="ja-JP" sz="1600" dirty="0" smtClean="0"/>
+              <a:t>	Web</a:t>
+            </a:r>
+            <a:r>
+              <a:rPr lang="ja-JP" altLang="en-US" sz="1600" dirty="0" smtClean="0"/>
+              <a:t>サイトである。</a:t>
+            </a:r>
+            <a:endParaRPr lang="en-US" altLang="ja-JP" sz="1600" dirty="0" smtClean="0"/>
+          </a:p>
+          <a:p>
+            <a:pPr marL="0" indent="0">
+              <a:buNone/>
+            </a:pPr>
+            <a:r>
+              <a:rPr lang="ja-JP" altLang="en-US" sz="1600" dirty="0" smtClean="0"/>
+              <a:t>・重要な</a:t>
+            </a:r>
+            <a:r>
+              <a:rPr lang="ja-JP" altLang="en-US" sz="1600" dirty="0"/>
+              <a:t>利点</a:t>
+            </a:r>
+            <a:endParaRPr lang="en-US" altLang="ja-JP" sz="1600" dirty="0" smtClean="0"/>
+          </a:p>
+          <a:p>
+            <a:pPr marL="0" indent="0">
+              <a:buNone/>
+            </a:pPr>
+            <a:r>
+              <a:rPr lang="en-US" altLang="ja-JP" sz="1600" dirty="0" smtClean="0"/>
+              <a:t>	</a:t>
+            </a:r>
+            <a:r>
+              <a:rPr lang="ja-JP" altLang="en-US" sz="1600" dirty="0" smtClean="0"/>
+              <a:t>過去</a:t>
+            </a:r>
+            <a:r>
+              <a:rPr lang="ja-JP" altLang="en-US" sz="1600" dirty="0" smtClean="0"/>
+              <a:t>問や</a:t>
+            </a:r>
+            <a:r>
+              <a:rPr lang="en-US" altLang="ja-JP" sz="1600" dirty="0" smtClean="0"/>
+              <a:t>PM</a:t>
+            </a:r>
+            <a:r>
+              <a:rPr lang="ja-JP" altLang="en-US" sz="1600" dirty="0" smtClean="0"/>
+              <a:t>実験などの成果物、学生の時間割などの</a:t>
+            </a:r>
+            <a:r>
+              <a:rPr lang="ja-JP" altLang="en-US" sz="1600" dirty="0" smtClean="0"/>
+              <a:t>情報</a:t>
+            </a:r>
+            <a:r>
+              <a:rPr lang="ja-JP" altLang="en-US" sz="1600" dirty="0"/>
+              <a:t>が</a:t>
+            </a:r>
+            <a:r>
+              <a:rPr lang="ja-JP" altLang="en-US" sz="1600" dirty="0" smtClean="0"/>
+              <a:t>得られる。</a:t>
+            </a:r>
+            <a:endParaRPr lang="en-US" altLang="ja-JP" sz="1600" dirty="0" smtClean="0"/>
+          </a:p>
+          <a:p>
+            <a:pPr marL="0" indent="0">
+              <a:buNone/>
+            </a:pPr>
+            <a:r>
+              <a:rPr lang="ja-JP" altLang="en-US" sz="1600" dirty="0" smtClean="0"/>
+              <a:t>・競合相手</a:t>
+            </a:r>
+            <a:endParaRPr lang="en-US" altLang="ja-JP" sz="1600" dirty="0" smtClean="0"/>
+          </a:p>
+          <a:p>
+            <a:pPr marL="0" indent="0">
+              <a:buNone/>
+            </a:pPr>
+            <a:r>
+              <a:rPr lang="en-US" altLang="ja-JP" sz="1600" dirty="0" smtClean="0"/>
+              <a:t>	</a:t>
+            </a:r>
+            <a:r>
+              <a:rPr lang="ja-JP" altLang="en-US" sz="1600" dirty="0" smtClean="0"/>
+              <a:t>これ</a:t>
+            </a:r>
+            <a:r>
+              <a:rPr lang="ja-JP" altLang="en-US" sz="1600" dirty="0" smtClean="0"/>
+              <a:t>まで</a:t>
+            </a:r>
+            <a:r>
+              <a:rPr lang="ja-JP" altLang="en-US" sz="1600" dirty="0" smtClean="0"/>
+              <a:t>の千葉工大学生アプリである。</a:t>
+            </a:r>
+            <a:endParaRPr lang="en-US" altLang="ja-JP" sz="1600" dirty="0" smtClean="0"/>
+          </a:p>
+          <a:p>
+            <a:pPr marL="0" indent="0">
+              <a:buNone/>
+            </a:pPr>
+            <a:r>
+              <a:rPr lang="ja-JP" altLang="en-US" sz="1600" dirty="0" smtClean="0"/>
+              <a:t>・差別化の決定的な特徴</a:t>
+            </a:r>
+            <a:endParaRPr lang="en-US" altLang="ja-JP" sz="1600" dirty="0" smtClean="0"/>
+          </a:p>
+          <a:p>
+            <a:pPr marL="0" indent="0">
+              <a:buNone/>
+            </a:pPr>
+            <a:r>
+              <a:rPr lang="en-US" altLang="ja-JP" sz="1600" dirty="0" smtClean="0"/>
+              <a:t>	</a:t>
+            </a:r>
+            <a:r>
+              <a:rPr lang="ja-JP" altLang="en-US" sz="1600" dirty="0" smtClean="0"/>
+              <a:t>学生</a:t>
+            </a:r>
+            <a:r>
+              <a:rPr lang="ja-JP" altLang="en-US" sz="1600" dirty="0" smtClean="0"/>
+              <a:t>に</a:t>
+            </a:r>
+            <a:r>
+              <a:rPr lang="ja-JP" altLang="en-US" sz="1600" dirty="0" smtClean="0"/>
+              <a:t>とって単位取得を手助けする情報が</a:t>
+            </a:r>
+            <a:r>
+              <a:rPr lang="ja-JP" altLang="en-US" sz="1600" dirty="0" smtClean="0"/>
+              <a:t>備わっている</a:t>
+            </a:r>
+            <a:r>
+              <a:rPr lang="ja-JP" altLang="en-US" sz="1600" dirty="0" smtClean="0"/>
+              <a:t>。</a:t>
+            </a:r>
+            <a:endParaRPr lang="en-US" altLang="ja-JP" sz="1600" dirty="0"/>
           </a:p>
         </p:txBody>
       </p:sp>
@@ -22359,30 +22463,6 @@
               <a:buFont typeface="Arial" panose="020B0604020202020204" pitchFamily="34" charset="0"/>
               <a:buChar char="•"/>
             </a:pPr>
-            <a:r>
-              <a:rPr lang="ja-JP" altLang="en-US" sz="2800" b="1" dirty="0" smtClean="0">
-                <a:solidFill>
-                  <a:schemeClr val="tx1"/>
-                </a:solidFill>
-              </a:rPr>
-              <a:t>簡単</a:t>
-            </a:r>
-            <a:r>
-              <a:rPr lang="ja-JP" altLang="en-US" sz="2800" b="1" dirty="0">
-                <a:solidFill>
-                  <a:schemeClr val="tx1"/>
-                </a:solidFill>
-              </a:rPr>
-              <a:t>に単位が取れる闇サイト</a:t>
-            </a:r>
-            <a:r>
-              <a:rPr lang="ja-JP" altLang="en-US" sz="2800" b="1" dirty="0" smtClean="0">
-                <a:solidFill>
-                  <a:schemeClr val="tx1"/>
-                </a:solidFill>
-              </a:rPr>
-              <a:t>！</a:t>
-            </a:r>
             <a:endParaRPr lang="en-US" altLang="ja-JP" sz="2800" b="1" dirty="0" smtClean="0">
               <a:solidFill>
                 <a:schemeClr val="tx1"/>
@@ -22394,30 +22474,6 @@
               <a:buFont typeface="Arial" panose="020B0604020202020204" pitchFamily="34" charset="0"/>
               <a:buChar char="•"/>
             </a:pPr>
-            <a:r>
-              <a:rPr lang="ja-JP" altLang="en-US" sz="2800" b="1" dirty="0" smtClean="0">
-                <a:solidFill>
-                  <a:schemeClr val="tx1"/>
-                </a:solidFill>
-              </a:rPr>
-              <a:t>リアルタイム</a:t>
-            </a:r>
-            <a:r>
-              <a:rPr lang="ja-JP" altLang="en-US" sz="2800" b="1" dirty="0">
-                <a:solidFill>
-                  <a:schemeClr val="tx1"/>
-                </a:solidFill>
-              </a:rPr>
-              <a:t>で役に立つ</a:t>
-            </a:r>
-            <a:r>
-              <a:rPr lang="ja-JP" altLang="en-US" sz="2800" b="1" dirty="0" smtClean="0">
-                <a:solidFill>
-                  <a:schemeClr val="tx1"/>
-                </a:solidFill>
-              </a:rPr>
-              <a:t>！</a:t>
-            </a:r>
             <a:endParaRPr lang="en-US" altLang="ja-JP" sz="2800" b="1" dirty="0">
               <a:solidFill>
                 <a:schemeClr val="tx1"/>
@@ -22429,23 +22485,7 @@
               <a:buFont typeface="Arial" panose="020B0604020202020204" pitchFamily="34" charset="0"/>
               <a:buChar char="•"/>
             </a:pPr>
-            <a:r>
-              <a:rPr lang="ja-JP" altLang="en-US" sz="2800" b="1" dirty="0">
-                <a:solidFill>
-                  <a:schemeClr val="tx1"/>
-                </a:solidFill>
-              </a:rPr>
-              <a:t>履修の選択が容易</a:t>
-            </a:r>
-            <a:r>
-              <a:rPr lang="ja-JP" altLang="en-US" sz="2800" b="1" dirty="0" smtClean="0">
-                <a:solidFill>
-                  <a:schemeClr val="tx1"/>
-                </a:solidFill>
-              </a:rPr>
-              <a:t>！</a:t>
-            </a:r>
-            <a:endParaRPr lang="en-US" altLang="ja-JP" sz="2800" b="1" dirty="0">
+            <a:endParaRPr lang="en-US" altLang="ja-JP" sz="2800" b="1" dirty="0" smtClean="0">
               <a:solidFill>
                 <a:schemeClr val="tx1"/>
               </a:solidFill>
@@ -22462,15 +22502,26 @@
                   <a:schemeClr val="tx1"/>
                 </a:solidFill>
               </a:rPr>
-              <a:t>今</a:t>
-            </a:r>
+              <a:t>簡単に単位が取れる闇サイト！</a:t>
+            </a:r>
+            <a:endParaRPr lang="en-US" altLang="ja-JP" sz="2800" b="1" dirty="0" smtClean="0">
+              <a:solidFill>
+                <a:schemeClr val="tx1"/>
+              </a:solidFill>
+            </a:endParaRPr>
+          </a:p>
+          <a:p>
+            <a:pPr marL="457200" indent="-457200">
+              <a:buFont typeface="Arial" panose="020B0604020202020204" pitchFamily="34" charset="0"/>
+              <a:buChar char="•"/>
+            </a:pPr>
             <a:r>
               <a:rPr lang="ja-JP" altLang="en-US" sz="2800" b="1" dirty="0">
                 <a:solidFill>
                   <a:schemeClr val="tx1"/>
                 </a:solidFill>
               </a:rPr>
-              <a:t>どんな状況なのかすぐにわかる</a:t>
+              <a:t>過去</a:t>
             </a:r>
             <a:r>
               <a:rPr lang="ja-JP" altLang="en-US" sz="2800" b="1" dirty="0" smtClean="0">
@@ -22478,8 +22529,92 @@
                   <a:schemeClr val="tx1"/>
                 </a:solidFill>
               </a:rPr>
-              <a:t>！</a:t>
-            </a:r>
+              <a:t>問が</a:t>
+            </a:r>
+            <a:r>
+              <a:rPr lang="ja-JP" altLang="en-US" sz="2800" b="1" dirty="0">
+                <a:solidFill>
+                  <a:schemeClr val="tx1"/>
+                </a:solidFill>
+              </a:rPr>
+              <a:t>見</a:t>
+            </a:r>
+            <a:r>
+              <a:rPr lang="ja-JP" altLang="en-US" sz="2800" b="1" dirty="0" smtClean="0">
+                <a:solidFill>
+                  <a:schemeClr val="tx1"/>
+                </a:solidFill>
+              </a:rPr>
+              <a:t>れる！</a:t>
+            </a:r>
+            <a:endParaRPr lang="en-US" altLang="ja-JP" sz="2800" b="1" dirty="0" smtClean="0">
+              <a:solidFill>
+                <a:schemeClr val="tx1"/>
+              </a:solidFill>
+            </a:endParaRPr>
+          </a:p>
+          <a:p>
+            <a:pPr marL="457200" indent="-457200">
+              <a:buFont typeface="Arial" panose="020B0604020202020204" pitchFamily="34" charset="0"/>
+              <a:buChar char="•"/>
+            </a:pPr>
+            <a:r>
+              <a:rPr lang="ja-JP" altLang="en-US" sz="2800" b="1" dirty="0" smtClean="0">
+                <a:solidFill>
+                  <a:schemeClr val="tx1"/>
+                </a:solidFill>
+              </a:rPr>
+              <a:t>オリエンテーション、</a:t>
+            </a:r>
+            <a:r>
+              <a:rPr lang="en-US" altLang="ja-JP" sz="2800" b="1" dirty="0" smtClean="0">
+                <a:solidFill>
+                  <a:schemeClr val="tx1"/>
+                </a:solidFill>
+              </a:rPr>
+              <a:t>PM</a:t>
+            </a:r>
+            <a:r>
+              <a:rPr lang="ja-JP" altLang="en-US" sz="2800" b="1" dirty="0" smtClean="0">
+                <a:solidFill>
+                  <a:schemeClr val="tx1"/>
+                </a:solidFill>
+              </a:rPr>
+              <a:t>実験の成果物が見れる！</a:t>
+            </a:r>
+            <a:endParaRPr lang="en-US" altLang="ja-JP" sz="2800" b="1" dirty="0" smtClean="0">
+              <a:solidFill>
+                <a:schemeClr val="tx1"/>
+              </a:solidFill>
+            </a:endParaRPr>
+          </a:p>
+          <a:p>
+            <a:pPr marL="457200" indent="-457200">
+              <a:buFont typeface="Arial" panose="020B0604020202020204" pitchFamily="34" charset="0"/>
+              <a:buChar char="•"/>
+            </a:pPr>
+            <a:endParaRPr lang="en-US" altLang="ja-JP" sz="2800" b="1" dirty="0" smtClean="0">
+              <a:solidFill>
+                <a:schemeClr val="tx1"/>
+              </a:solidFill>
+            </a:endParaRPr>
+          </a:p>
+          <a:p>
+            <a:pPr marL="457200" indent="-457200">
+              <a:buFont typeface="Arial" panose="020B0604020202020204" pitchFamily="34" charset="0"/>
+              <a:buChar char="•"/>
+            </a:pPr>
+            <a:endParaRPr lang="en-US" altLang="ja-JP" sz="2800" b="1" dirty="0" smtClean="0">
+              <a:solidFill>
+                <a:schemeClr val="tx1"/>
+              </a:solidFill>
+            </a:endParaRPr>
+          </a:p>
+          <a:p>
+            <a:pPr marL="457200" indent="-457200">
+              <a:buFont typeface="Arial" panose="020B0604020202020204" pitchFamily="34" charset="0"/>
+              <a:buChar char="•"/>
+            </a:pPr>
             <a:endParaRPr kumimoji="1" lang="ja-JP" altLang="en-US" dirty="0">
               <a:solidFill>
                 <a:schemeClr val="tx1"/>
@@ -22705,14 +22840,14 @@
             <p:ph idx="1"/>
             <p:extLst>
               <p:ext uri="{D42A27DB-BD31-4B8C-83A1-F6EECF244321}">
-                <p14:modId xmlns:p14="http://schemas.microsoft.com/office/powerpoint/2010/main" val="2198681188"/>
+                <p14:modId xmlns:p14="http://schemas.microsoft.com/office/powerpoint/2010/main" val="471227343"/>
               </p:ext>
             </p:extLst>
           </p:nvPr>
         </p:nvGraphicFramePr>
         <p:xfrm>
           <a:off x="994610" y="1825625"/>
-          <a:ext cx="10359189" cy="2560320"/>
+          <a:ext cx="10359189" cy="2244932"/>
         </p:xfrm>
         <a:graphic>
           <a:graphicData uri="http://schemas.openxmlformats.org/drawingml/2006/table">
@@ -22736,7 +22871,7 @@
                   </a:extLst>
                 </a:gridCol>
               </a:tblGrid>
-              <a:tr h="335276">
+              <a:tr h="390423">
                 <a:tc>
                   <a:txBody>
                     <a:bodyPr/>
@@ -22773,7 +22908,7 @@
                   </a:ext>
                 </a:extLst>
               </a:tr>
-              <a:tr h="335276">
+              <a:tr h="390423">
                 <a:tc>
                   <a:txBody>
                     <a:bodyPr/>
@@ -22781,7 +22916,7 @@
                     <a:p>
                       <a:r>
                         <a:rPr kumimoji="1" lang="ja-JP" altLang="en-US" b="1" i="0" dirty="0" smtClean="0"/>
-                        <a:t>・トップページを作成をする</a:t>
+                        <a:t>・トップページを作成する。</a:t>
                       </a:r>
                       <a:endParaRPr kumimoji="1" lang="ja-JP" altLang="en-US" b="1" i="0" dirty="0"/>
                     </a:p>
@@ -22795,7 +22930,11 @@
                     <a:p>
                       <a:r>
                         <a:rPr kumimoji="1" lang="ja-JP" altLang="en-US" b="1" dirty="0" smtClean="0"/>
-                        <a:t>・他の学科の資料集め</a:t>
+                        <a:t>・ログイン機能の</a:t>
+                      </a:r>
+                      <a:r>
+                        <a:rPr kumimoji="1" lang="ja-JP" altLang="en-US" b="1" dirty="0" smtClean="0"/>
+                        <a:t>作成する。</a:t>
                       </a:r>
                       <a:endParaRPr kumimoji="1" lang="ja-JP" altLang="en-US" b="1" dirty="0"/>
                     </a:p>
@@ -22808,7 +22947,7 @@
                   </a:ext>
                 </a:extLst>
               </a:tr>
-              <a:tr h="335276">
+              <a:tr h="390423">
                 <a:tc>
                   <a:txBody>
                     <a:bodyPr/>
@@ -22849,7 +22988,32 @@
                     <a:bodyPr/>
                     <a:lstStyle/>
                     <a:p>
-                      <a:endParaRPr kumimoji="1" lang="ja-JP" altLang="en-US"/>
+                      <a:pPr marL="0" marR="0" indent="0" algn="l" defTabSz="914400" rtl="0" eaLnBrk="1" fontAlgn="auto" latinLnBrk="0" hangingPunct="1">
+                        <a:lnSpc>
+                          <a:spcPct val="100000"/>
+                        </a:lnSpc>
+                        <a:spcBef>
+                          <a:spcPts val="0"/>
+                        </a:spcBef>
+                        <a:spcAft>
+                          <a:spcPts val="0"/>
+                        </a:spcAft>
+                        <a:buClrTx/>
+                        <a:buSzTx/>
+                        <a:buFontTx/>
+                        <a:buNone/>
+                        <a:tabLst/>
+                        <a:defRPr/>
+                      </a:pPr>
+                      <a:r>
+                        <a:rPr kumimoji="1" lang="ja-JP" altLang="en-US" b="1" dirty="0" smtClean="0"/>
+                        <a:t>・他の学科の資料、過去</a:t>
+                      </a:r>
+                      <a:r>
+                        <a:rPr kumimoji="1" lang="ja-JP" altLang="en-US" b="1" dirty="0" smtClean="0"/>
+                        <a:t>問を集める。</a:t>
+                      </a:r>
+                      <a:endParaRPr kumimoji="1" lang="ja-JP" altLang="en-US" b="1" dirty="0" smtClean="0"/>
                     </a:p>
                   </a:txBody>
                   <a:tcPr/>
@@ -22860,7 +23024,7 @@
                   </a:ext>
                 </a:extLst>
               </a:tr>
-              <a:tr h="335276">
+              <a:tr h="683240">
                 <a:tc>
                   <a:txBody>
                     <a:bodyPr/>
@@ -22885,19 +23049,35 @@
                       </a:pPr>
                       <a:r>
                         <a:rPr lang="ja-JP" altLang="en-US" b="1" dirty="0" smtClean="0"/>
-                        <a:t>・</a:t>
+                        <a:t>・過去</a:t>
                       </a:r>
                       <a:r>
                         <a:rPr lang="ja-JP" altLang="ja-JP" b="1" dirty="0" smtClean="0"/>
-                        <a:t>今までの</a:t>
+                        <a:t>の</a:t>
+                      </a:r>
+                      <a:r>
+                        <a:rPr lang="ja-JP" altLang="en-US" b="1" dirty="0" smtClean="0"/>
+                        <a:t>オリエンテーション、</a:t>
                       </a:r>
                       <a:r>
                         <a:rPr lang="en-US" altLang="ja-JP" b="1" dirty="0" smtClean="0"/>
                         <a:t>PM</a:t>
                       </a:r>
                       <a:r>
+                        <a:rPr lang="ja-JP" altLang="en-US" b="1" dirty="0" smtClean="0"/>
+                        <a:t>実験</a:t>
+                      </a:r>
+                      <a:r>
                         <a:rPr lang="ja-JP" altLang="ja-JP" b="1" dirty="0" smtClean="0"/>
-                        <a:t>実験の完成体を表示する。</a:t>
+                        <a:t>の</a:t>
+                      </a:r>
+                      <a:r>
+                        <a:rPr lang="ja-JP" altLang="en-US" b="1" dirty="0" smtClean="0"/>
+                        <a:t>成果　　物</a:t>
+                      </a:r>
+                      <a:r>
+                        <a:rPr lang="ja-JP" altLang="ja-JP" b="1" dirty="0" smtClean="0"/>
+                        <a:t>を表示する。</a:t>
                       </a:r>
                       <a:endParaRPr lang="ja-JP" altLang="ja-JP" dirty="0" smtClean="0"/>
                     </a:p>
@@ -22909,7 +23089,11 @@
                     <a:bodyPr/>
                     <a:lstStyle/>
                     <a:p>
-                      <a:endParaRPr kumimoji="1" lang="ja-JP" altLang="en-US"/>
+                      <a:r>
+                        <a:rPr kumimoji="1" lang="ja-JP" altLang="en-US" b="1" dirty="0" smtClean="0"/>
+                        <a:t>・新習志野校舎の教室案内図を作成する。</a:t>
+                      </a:r>
+                      <a:endParaRPr kumimoji="1" lang="ja-JP" altLang="en-US" b="1" dirty="0"/>
                     </a:p>
                   </a:txBody>
                   <a:tcPr/>
@@ -22920,7 +23104,7 @@
                   </a:ext>
                 </a:extLst>
               </a:tr>
-              <a:tr h="335276">
+              <a:tr h="390423">
                 <a:tc>
                   <a:txBody>
                     <a:bodyPr/>
@@ -22945,19 +23129,11 @@
                       </a:pPr>
                       <a:r>
                         <a:rPr lang="ja-JP" altLang="en-US" b="1" dirty="0" smtClean="0"/>
-                        <a:t>・</a:t>
+                        <a:t>・学生便覧</a:t>
                       </a:r>
                       <a:r>
                         <a:rPr lang="ja-JP" altLang="ja-JP" b="1" dirty="0" smtClean="0"/>
-                        <a:t>必要な科目や単位の計算</a:t>
-                      </a:r>
-                      <a:r>
-                        <a:rPr lang="ja-JP" altLang="en-US" b="1" dirty="0" smtClean="0"/>
-                        <a:t>を</a:t>
-                      </a:r>
-                      <a:r>
-                        <a:rPr lang="ja-JP" altLang="ja-JP" b="1" dirty="0" smtClean="0"/>
-                        <a:t>する。</a:t>
+                        <a:t>の時間割を表示する。</a:t>
                       </a:r>
                       <a:endParaRPr lang="ja-JP" altLang="ja-JP" dirty="0" smtClean="0"/>
                     </a:p>
@@ -22969,111 +23145,11 @@
                     <a:bodyPr/>
                     <a:lstStyle/>
                     <a:p>
-                      <a:endParaRPr kumimoji="1" lang="ja-JP" altLang="en-US" dirty="0"/>
-                    </a:p>
-                  </a:txBody>
-                  <a:tcPr/>
-                </a:tc>
-                <a:extLst>
-                  <a:ext uri="{0D108BD9-81ED-4DB2-BD59-A6C34878D82A}">
-                    <a16:rowId xmlns:a16="http://schemas.microsoft.com/office/drawing/2014/main" val="1389210637"/>
-                  </a:ext>
-                </a:extLst>
-              </a:tr>
-              <a:tr h="335276">
-                <a:tc>
-                  <a:txBody>
-                    <a:bodyPr/>
-                    <a:lstStyle/>
-                    <a:p>
-                      <a:pPr marL="0" marR="0" indent="0" algn="l" defTabSz="914400" rtl="0" eaLnBrk="1" fontAlgn="auto" latinLnBrk="0" hangingPunct="1">
-                        <a:lnSpc>
-                          <a:spcPct val="100000"/>
-                        </a:lnSpc>
-                        <a:spcBef>
-                          <a:spcPts val="0"/>
-                        </a:spcBef>
-                        <a:spcAft>
-                          <a:spcPts val="0"/>
-                        </a:spcAft>
-                        <a:buClrTx/>
-                        <a:buSzTx/>
-                        <a:buFontTx/>
-                        <a:buNone/>
-                        <a:tabLst/>
-                        <a:defRPr/>
-                      </a:pPr>
                       <a:r>
-                        <a:rPr lang="ja-JP" altLang="en-US" b="1" dirty="0" smtClean="0"/>
-                        <a:t>・</a:t>
+                        <a:rPr kumimoji="1" lang="ja-JP" altLang="en-US" b="1" dirty="0" smtClean="0"/>
+                        <a:t>・システム上で情報提供を受けること。</a:t>
                       </a:r>
-                      <a:r>
-                        <a:rPr lang="ja-JP" altLang="ja-JP" b="1" dirty="0" smtClean="0"/>
-                        <a:t>自分の今までの単位数を表示する。</a:t>
-                      </a:r>
-                      <a:endParaRPr lang="ja-JP" altLang="ja-JP" dirty="0" smtClean="0"/>
-                    </a:p>
-                  </a:txBody>
-                  <a:tcPr/>
-                </a:tc>
-                <a:tc>
-                  <a:txBody>
-                    <a:bodyPr/>
-                    <a:lstStyle/>
-                    <a:p>
-                      <a:endParaRPr kumimoji="1" lang="ja-JP" altLang="en-US" dirty="0"/>
-                    </a:p>
-                  </a:txBody>
-                  <a:tcPr/>
-                </a:tc>
-                <a:extLst>
-                  <a:ext uri="{0D108BD9-81ED-4DB2-BD59-A6C34878D82A}">
-                    <a16:rowId xmlns:a16="http://schemas.microsoft.com/office/drawing/2014/main" val="2902661589"/>
-                  </a:ext>
-                </a:extLst>
-              </a:tr>
-              <a:tr h="335276">
-                <a:tc>
-                  <a:txBody>
-                    <a:bodyPr/>
-                    <a:lstStyle/>
-                    <a:p>
-                      <a:pPr marL="0" marR="0" indent="0" algn="l" defTabSz="914400" rtl="0" eaLnBrk="1" fontAlgn="auto" latinLnBrk="0" hangingPunct="1">
-                        <a:lnSpc>
-                          <a:spcPct val="100000"/>
-                        </a:lnSpc>
-                        <a:spcBef>
-                          <a:spcPts val="0"/>
-                        </a:spcBef>
-                        <a:spcAft>
-                          <a:spcPts val="0"/>
-                        </a:spcAft>
-                        <a:buClrTx/>
-                        <a:buSzTx/>
-                        <a:buFontTx/>
-                        <a:buNone/>
-                        <a:tabLst/>
-                        <a:defRPr/>
-                      </a:pPr>
-                      <a:r>
-                        <a:rPr lang="ja-JP" altLang="en-US" b="1" dirty="0" smtClean="0"/>
-                        <a:t>・</a:t>
-                      </a:r>
-                      <a:r>
-                        <a:rPr lang="ja-JP" altLang="ja-JP" b="1" dirty="0" smtClean="0"/>
-                        <a:t>資料集の時間割を表示する。</a:t>
-                      </a:r>
-                      <a:endParaRPr lang="ja-JP" altLang="ja-JP" dirty="0" smtClean="0"/>
-                    </a:p>
-                  </a:txBody>
-                  <a:tcPr/>
-                </a:tc>
-                <a:tc>
-                  <a:txBody>
-                    <a:bodyPr/>
-                    <a:lstStyle/>
-                    <a:p>
-                      <a:endParaRPr kumimoji="1" lang="ja-JP" altLang="en-US" dirty="0"/>
+                      <a:endParaRPr kumimoji="1" lang="ja-JP" altLang="en-US" b="1" dirty="0"/>
                     </a:p>
                   </a:txBody>
                   <a:tcPr/>
@@ -23097,14 +23173,14 @@
           <p:nvPr>
             <p:extLst>
               <p:ext uri="{D42A27DB-BD31-4B8C-83A1-F6EECF244321}">
-                <p14:modId xmlns:p14="http://schemas.microsoft.com/office/powerpoint/2010/main" val="3321893986"/>
+                <p14:modId xmlns:p14="http://schemas.microsoft.com/office/powerpoint/2010/main" val="1913527762"/>
               </p:ext>
             </p:extLst>
           </p:nvPr>
         </p:nvGraphicFramePr>
         <p:xfrm>
-          <a:off x="994609" y="4385947"/>
-          <a:ext cx="10359189" cy="1928260"/>
+          <a:off x="994609" y="4070555"/>
+          <a:ext cx="10359189" cy="1858000"/>
         </p:xfrm>
         <a:graphic>
           <a:graphicData uri="http://schemas.openxmlformats.org/drawingml/2006/table">
@@ -23121,7 +23197,7 @@
                   </a:extLst>
                 </a:gridCol>
               </a:tblGrid>
-              <a:tr h="385652">
+              <a:tr h="464500">
                 <a:tc>
                   <a:txBody>
                     <a:bodyPr/>
@@ -23143,133 +23219,7 @@
                   </a:ext>
                 </a:extLst>
               </a:tr>
-              <a:tr h="385652">
-                <a:tc>
-                  <a:txBody>
-                    <a:bodyPr/>
-                    <a:lstStyle/>
-                    <a:p>
-                      <a:pPr marL="0" marR="0" indent="0" algn="l" defTabSz="914400" rtl="0" eaLnBrk="1" fontAlgn="auto" latinLnBrk="0" hangingPunct="1">
-                        <a:lnSpc>
-                          <a:spcPct val="100000"/>
-                        </a:lnSpc>
-                        <a:spcBef>
-                          <a:spcPts val="0"/>
-                        </a:spcBef>
-                        <a:spcAft>
-                          <a:spcPts val="0"/>
-                        </a:spcAft>
-                        <a:buClrTx/>
-                        <a:buSzTx/>
-                        <a:buFontTx/>
-                        <a:buNone/>
-                        <a:tabLst/>
-                        <a:defRPr/>
-                      </a:pPr>
-                      <a:r>
-                        <a:rPr lang="ja-JP" altLang="en-US" b="1" dirty="0" smtClean="0"/>
-                        <a:t>・</a:t>
-                      </a:r>
-                      <a:r>
-                        <a:rPr lang="ja-JP" altLang="ja-JP" b="1" dirty="0" smtClean="0"/>
-                        <a:t>津田沼校舎の案内図を表示する。</a:t>
-                      </a:r>
-                      <a:endParaRPr lang="ja-JP" altLang="ja-JP" dirty="0" smtClean="0"/>
-                    </a:p>
-                  </a:txBody>
-                  <a:tcPr/>
-                </a:tc>
-                <a:extLst>
-                  <a:ext uri="{0D108BD9-81ED-4DB2-BD59-A6C34878D82A}">
-                    <a16:rowId xmlns:a16="http://schemas.microsoft.com/office/drawing/2014/main" val="2680796669"/>
-                  </a:ext>
-                </a:extLst>
-              </a:tr>
-              <a:tr h="385652">
-                <a:tc>
-                  <a:txBody>
-                    <a:bodyPr/>
-                    <a:lstStyle/>
-                    <a:p>
-                      <a:pPr marL="0" marR="0" indent="0" algn="l" defTabSz="914400" rtl="0" eaLnBrk="1" fontAlgn="auto" latinLnBrk="0" hangingPunct="1">
-                        <a:lnSpc>
-                          <a:spcPct val="100000"/>
-                        </a:lnSpc>
-                        <a:spcBef>
-                          <a:spcPts val="0"/>
-                        </a:spcBef>
-                        <a:spcAft>
-                          <a:spcPts val="0"/>
-                        </a:spcAft>
-                        <a:buClrTx/>
-                        <a:buSzTx/>
-                        <a:buFontTx/>
-                        <a:buNone/>
-                        <a:tabLst/>
-                        <a:defRPr/>
-                      </a:pPr>
-                      <a:r>
-                        <a:rPr lang="ja-JP" altLang="en-US" b="1" dirty="0" smtClean="0"/>
-                        <a:t>・</a:t>
-                      </a:r>
-                      <a:r>
-                        <a:rPr lang="ja-JP" altLang="ja-JP" b="1" dirty="0" smtClean="0"/>
-                        <a:t>教養科目の空きを表示する。</a:t>
-                      </a:r>
-                      <a:endParaRPr lang="ja-JP" altLang="ja-JP" dirty="0" smtClean="0"/>
-                    </a:p>
-                  </a:txBody>
-                  <a:tcPr/>
-                </a:tc>
-                <a:extLst>
-                  <a:ext uri="{0D108BD9-81ED-4DB2-BD59-A6C34878D82A}">
-                    <a16:rowId xmlns:a16="http://schemas.microsoft.com/office/drawing/2014/main" val="3505487081"/>
-                  </a:ext>
-                </a:extLst>
-              </a:tr>
-              <a:tr h="385652">
-                <a:tc>
-                  <a:txBody>
-                    <a:bodyPr/>
-                    <a:lstStyle/>
-                    <a:p>
-                      <a:pPr marL="0" marR="0" indent="0" algn="l" defTabSz="914400" rtl="0" eaLnBrk="1" fontAlgn="auto" latinLnBrk="0" hangingPunct="1">
-                        <a:lnSpc>
-                          <a:spcPct val="100000"/>
-                        </a:lnSpc>
-                        <a:spcBef>
-                          <a:spcPts val="0"/>
-                        </a:spcBef>
-                        <a:spcAft>
-                          <a:spcPts val="0"/>
-                        </a:spcAft>
-                        <a:buClrTx/>
-                        <a:buSzTx/>
-                        <a:buFontTx/>
-                        <a:buNone/>
-                        <a:tabLst/>
-                        <a:defRPr/>
-                      </a:pPr>
-                      <a:r>
-                        <a:rPr lang="ja-JP" altLang="en-US" b="1" dirty="0" smtClean="0"/>
-                        <a:t>・</a:t>
-                      </a:r>
-                      <a:r>
-                        <a:rPr lang="ja-JP" altLang="ja-JP" b="1" dirty="0" smtClean="0"/>
-                        <a:t>講師情報、それぞれの科目を取った学生の評価を表示する。</a:t>
-                      </a:r>
-                      <a:endParaRPr lang="ja-JP" altLang="ja-JP" dirty="0" smtClean="0"/>
-                    </a:p>
-                  </a:txBody>
-                  <a:tcPr/>
-                </a:tc>
-                <a:extLst>
-                  <a:ext uri="{0D108BD9-81ED-4DB2-BD59-A6C34878D82A}">
-                    <a16:rowId xmlns:a16="http://schemas.microsoft.com/office/drawing/2014/main" val="562080075"/>
-                  </a:ext>
-                </a:extLst>
-              </a:tr>
-              <a:tr h="385652">
+              <a:tr h="464500">
                 <a:tc>
                   <a:txBody>
                     <a:bodyPr/>
@@ -23299,6 +23249,114 @@
                       <a:r>
                         <a:rPr lang="ja-JP" altLang="ja-JP" b="1" dirty="0" smtClean="0"/>
                         <a:t>資格情報を表示する。</a:t>
+                      </a:r>
+                      <a:endParaRPr lang="ja-JP" altLang="ja-JP" dirty="0" smtClean="0"/>
+                    </a:p>
+                  </a:txBody>
+                  <a:tcPr/>
+                </a:tc>
+                <a:extLst>
+                  <a:ext uri="{0D108BD9-81ED-4DB2-BD59-A6C34878D82A}">
+                    <a16:rowId xmlns:a16="http://schemas.microsoft.com/office/drawing/2014/main" val="2680796669"/>
+                  </a:ext>
+                </a:extLst>
+              </a:tr>
+              <a:tr h="464500">
+                <a:tc>
+                  <a:txBody>
+                    <a:bodyPr/>
+                    <a:lstStyle/>
+                    <a:p>
+                      <a:pPr marL="0" marR="0" indent="0" algn="l" defTabSz="914400" rtl="0" eaLnBrk="1" fontAlgn="auto" latinLnBrk="0" hangingPunct="1">
+                        <a:lnSpc>
+                          <a:spcPct val="100000"/>
+                        </a:lnSpc>
+                        <a:spcBef>
+                          <a:spcPts val="0"/>
+                        </a:spcBef>
+                        <a:spcAft>
+                          <a:spcPts val="0"/>
+                        </a:spcAft>
+                        <a:buClrTx/>
+                        <a:buSzTx/>
+                        <a:buFontTx/>
+                        <a:buNone/>
+                        <a:tabLst/>
+                        <a:defRPr/>
+                      </a:pPr>
+                      <a:r>
+                        <a:rPr lang="ja-JP" altLang="en-US" b="1" dirty="0" smtClean="0"/>
+                        <a:t>・</a:t>
+                      </a:r>
+                      <a:r>
+                        <a:rPr lang="ja-JP" altLang="ja-JP" b="1" dirty="0" smtClean="0"/>
+                        <a:t>教養科目の空き</a:t>
+                      </a:r>
+                      <a:r>
+                        <a:rPr lang="ja-JP" altLang="en-US" b="1" dirty="0" smtClean="0"/>
+                        <a:t>受講者数</a:t>
+                      </a:r>
+                      <a:r>
+                        <a:rPr lang="ja-JP" altLang="ja-JP" b="1" dirty="0" smtClean="0"/>
+                        <a:t>を表示する。</a:t>
+                      </a:r>
+                      <a:endParaRPr lang="ja-JP" altLang="ja-JP" dirty="0" smtClean="0"/>
+                    </a:p>
+                  </a:txBody>
+                  <a:tcPr/>
+                </a:tc>
+                <a:extLst>
+                  <a:ext uri="{0D108BD9-81ED-4DB2-BD59-A6C34878D82A}">
+                    <a16:rowId xmlns:a16="http://schemas.microsoft.com/office/drawing/2014/main" val="3505487081"/>
+                  </a:ext>
+                </a:extLst>
+              </a:tr>
+              <a:tr h="464500">
+                <a:tc>
+                  <a:txBody>
+                    <a:bodyPr/>
+                    <a:lstStyle/>
+                    <a:p>
+                      <a:pPr marL="0" marR="0" indent="0" algn="l" defTabSz="914400" rtl="0" eaLnBrk="1" fontAlgn="auto" latinLnBrk="0" hangingPunct="1">
+                        <a:lnSpc>
+                          <a:spcPct val="100000"/>
+                        </a:lnSpc>
+                        <a:spcBef>
+                          <a:spcPts val="0"/>
+                        </a:spcBef>
+                        <a:spcAft>
+                          <a:spcPts val="0"/>
+                        </a:spcAft>
+                        <a:buClrTx/>
+                        <a:buSzTx/>
+                        <a:buFontTx/>
+                        <a:buNone/>
+                        <a:tabLst/>
+                        <a:defRPr/>
+                      </a:pPr>
+                      <a:r>
+                        <a:rPr lang="ja-JP" altLang="en-US" b="1" dirty="0" smtClean="0"/>
+                        <a:t>・</a:t>
+                      </a:r>
+                      <a:r>
+                        <a:rPr lang="ja-JP" altLang="ja-JP" b="1" dirty="0" smtClean="0"/>
+                        <a:t>津田沼校舎の</a:t>
+                      </a:r>
+                      <a:r>
+                        <a:rPr lang="ja-JP" altLang="en-US" b="1" dirty="0" smtClean="0"/>
+                        <a:t>教室</a:t>
+                      </a:r>
+                      <a:r>
+                        <a:rPr lang="ja-JP" altLang="ja-JP" b="1" dirty="0" smtClean="0"/>
+                        <a:t>案内図</a:t>
+                      </a:r>
+                      <a:r>
+                        <a:rPr lang="ja-JP" altLang="en-US" b="1" dirty="0" smtClean="0"/>
+                        <a:t>を作成</a:t>
+                      </a:r>
+                      <a:r>
+                        <a:rPr lang="ja-JP" altLang="ja-JP" b="1" dirty="0" smtClean="0"/>
+                        <a:t>する。</a:t>
                       </a:r>
                       <a:endParaRPr lang="ja-JP" altLang="ja-JP" dirty="0" smtClean="0"/>
                     </a:p>
@@ -23377,6 +23435,54 @@
       </p:grpSpPr>
       <p:sp>
         <p:nvSpPr>
+          <p:cNvPr id="10" name="楕円 9"/>
+          <p:cNvSpPr/>
+          <p:nvPr/>
+        </p:nvSpPr>
+        <p:spPr>
+          <a:xfrm>
+            <a:off x="3686874" y="1818252"/>
+            <a:ext cx="4669234" cy="4064452"/>
+          </a:xfrm>
+          <a:prstGeom prst="ellipse">
+            <a:avLst/>
+          </a:prstGeom>
+          <a:solidFill>
+            <a:schemeClr val="bg1"/>
+          </a:solidFill>
+          <a:ln>
+            <a:solidFill>
+              <a:schemeClr val="tx1"/>
+            </a:solidFill>
+          </a:ln>
+        </p:spPr>
+        <p:style>
+          <a:lnRef idx="2">
+            <a:schemeClr val="accent1">
+              <a:shade val="50000"/>
+            </a:schemeClr>
+          </a:lnRef>
+          <a:fillRef idx="1">
+            <a:schemeClr val="accent1"/>
+          </a:fillRef>
+          <a:effectRef idx="0">
+            <a:schemeClr val="accent1"/>
+          </a:effectRef>
+          <a:fontRef idx="minor">
+            <a:schemeClr val="lt1"/>
+          </a:fontRef>
+        </p:style>
+        <p:txBody>
+          <a:bodyPr rtlCol="0" anchor="ctr"/>
+          <a:lstStyle/>
+          <a:p>
+            <a:pPr algn="ctr"/>
+            <a:endParaRPr kumimoji="1" lang="ja-JP" altLang="en-US"/>
+          </a:p>
+        </p:txBody>
+      </p:sp>
+      <p:sp>
+        <p:nvSpPr>
           <p:cNvPr id="2" name="タイトル 1"/>
           <p:cNvSpPr>
             <a:spLocks noGrp="1"/>
@@ -23409,36 +23515,6 @@
           </a:p>
         </p:txBody>
       </p:sp>
-      <p:pic>
-        <p:nvPicPr>
-          <p:cNvPr id="5" name="図 4"/>
-          <p:cNvPicPr>
-            <a:picLocks noChangeAspect="1"/>
-          </p:cNvPicPr>
-          <p:nvPr/>
-        </p:nvPicPr>
-        <p:blipFill>
-          <a:blip r:embed="rId2">
-            <a:extLst>
-              <a:ext uri="{28A0092B-C50C-407E-A947-70E740481C1C}">
-                <a14:useLocalDpi xmlns:a14="http://schemas.microsoft.com/office/drawing/2010/main" val="0"/>
-              </a:ext>
-            </a:extLst>
-          </a:blip>
-          <a:stretch>
-            <a:fillRect/>
-          </a:stretch>
-        </p:blipFill>
-        <p:spPr>
-          <a:xfrm>
-            <a:off x="8051367" y="3088472"/>
-            <a:ext cx="1391602" cy="1828800"/>
-          </a:xfrm>
-          <a:prstGeom prst="rect">
-            <a:avLst/>
-          </a:prstGeom>
-        </p:spPr>
-      </p:pic>
       <p:sp>
         <p:nvSpPr>
           <p:cNvPr id="6" name="テキスト ボックス 5"/>
@@ -23447,8 +23523,8 @@
         </p:nvSpPr>
         <p:spPr>
           <a:xfrm>
-            <a:off x="1849300" y="1781098"/>
-            <a:ext cx="2954655" cy="461665"/>
+            <a:off x="9631546" y="1717345"/>
+            <a:ext cx="2230098" cy="461665"/>
           </a:xfrm>
           <a:prstGeom prst="rect">
             <a:avLst/>
@@ -23462,12 +23538,12 @@
           <a:lstStyle/>
           <a:p>
             <a:r>
-              <a:rPr lang="ja-JP" altLang="en-US" sz="2400" b="1" dirty="0" smtClean="0"/>
-              <a:t>千葉工業</a:t>
+              <a:rPr lang="en-US" altLang="ja-JP" sz="2400" b="1" dirty="0" smtClean="0"/>
+              <a:t>PM</a:t>
             </a:r>
             <a:r>
               <a:rPr lang="ja-JP" altLang="en-US" sz="2400" b="1" dirty="0"/>
-              <a:t>大学</a:t>
+              <a:t>学科</a:t>
             </a:r>
             <a:r>
               <a:rPr lang="ja-JP" altLang="en-US" sz="2400" b="1" dirty="0" smtClean="0"/>
@@ -23477,16 +23553,42 @@
           </a:p>
         </p:txBody>
       </p:sp>
+      <p:pic>
+        <p:nvPicPr>
+          <p:cNvPr id="16" name="コンテンツ プレースホルダー 15"/>
+          <p:cNvPicPr>
+            <a:picLocks noGrp="1" noChangeAspect="1"/>
+          </p:cNvPicPr>
+          <p:nvPr>
+            <p:ph idx="1"/>
+          </p:nvPr>
+        </p:nvPicPr>
+        <p:blipFill>
+          <a:blip r:embed="rId2"/>
+          <a:stretch>
+            <a:fillRect/>
+          </a:stretch>
+        </p:blipFill>
+        <p:spPr>
+          <a:xfrm>
+            <a:off x="10194145" y="2177094"/>
+            <a:ext cx="1104900" cy="1828800"/>
+          </a:xfrm>
+          <a:prstGeom prst="rect">
+            <a:avLst/>
+          </a:prstGeom>
+        </p:spPr>
+      </p:pic>
       <p:sp>
         <p:nvSpPr>
-          <p:cNvPr id="7" name="テキスト ボックス 6"/>
+          <p:cNvPr id="17" name="テキスト ボックス 16"/>
           <p:cNvSpPr txBox="1"/>
           <p:nvPr/>
         </p:nvSpPr>
         <p:spPr>
           <a:xfrm>
-            <a:off x="7388959" y="1916098"/>
-            <a:ext cx="3467100" cy="461665"/>
+            <a:off x="4651511" y="3378468"/>
+            <a:ext cx="2828018" cy="769441"/>
           </a:xfrm>
           <a:prstGeom prst="rect">
             <a:avLst/>
@@ -23494,22 +23596,30 @@
           <a:noFill/>
         </p:spPr>
         <p:txBody>
-          <a:bodyPr wrap="square" rtlCol="0">
+          <a:bodyPr wrap="none" rtlCol="0">
             <a:spAutoFit/>
           </a:bodyPr>
           <a:lstStyle/>
           <a:p>
             <a:r>
-              <a:rPr kumimoji="1" lang="ja-JP" altLang="en-US" sz="2400" b="1" dirty="0" smtClean="0"/>
-              <a:t>千葉工業大学の講師</a:t>
-            </a:r>
-            <a:endParaRPr kumimoji="1" lang="ja-JP" altLang="en-US" sz="2400" b="1" dirty="0"/>
+              <a:rPr kumimoji="1" lang="ja-JP" altLang="en-US" sz="4400" b="1" dirty="0" smtClean="0"/>
+              <a:t>矢吹研</a:t>
+            </a:r>
+            <a:r>
+              <a:rPr kumimoji="1" lang="en-US" altLang="ja-JP" sz="4400" b="1" dirty="0" smtClean="0"/>
+              <a:t>A</a:t>
+            </a:r>
+            <a:r>
+              <a:rPr lang="ja-JP" altLang="en-US" sz="4400" b="1" dirty="0"/>
+              <a:t>班</a:t>
+            </a:r>
+            <a:endParaRPr kumimoji="1" lang="ja-JP" altLang="en-US" sz="4400" b="1" dirty="0"/>
           </a:p>
         </p:txBody>
       </p:sp>
       <p:pic>
         <p:nvPicPr>
-          <p:cNvPr id="12" name="図 11"/>
+          <p:cNvPr id="9" name="図 8"/>
           <p:cNvPicPr>
             <a:picLocks noChangeAspect="1"/>
           </p:cNvPicPr>
@@ -23529,101 +23639,7 @@
         </p:blipFill>
         <p:spPr>
           <a:xfrm>
-            <a:off x="487929" y="2917348"/>
-            <a:ext cx="1095375" cy="1762125"/>
-          </a:xfrm>
-          <a:prstGeom prst="rect">
-            <a:avLst/>
-          </a:prstGeom>
-        </p:spPr>
-      </p:pic>
-      <p:pic>
-        <p:nvPicPr>
-          <p:cNvPr id="16" name="コンテンツ プレースホルダー 15"/>
-          <p:cNvPicPr>
-            <a:picLocks noGrp="1" noChangeAspect="1"/>
-          </p:cNvPicPr>
-          <p:nvPr>
-            <p:ph idx="1"/>
-          </p:nvPr>
-        </p:nvPicPr>
-        <p:blipFill>
-          <a:blip r:embed="rId4"/>
-          <a:stretch>
-            <a:fillRect/>
-          </a:stretch>
-        </p:blipFill>
-        <p:spPr>
-          <a:xfrm>
-            <a:off x="2782251" y="2917348"/>
-            <a:ext cx="1104900" cy="1828800"/>
-          </a:xfrm>
-          <a:prstGeom prst="rect">
-            <a:avLst/>
-          </a:prstGeom>
-        </p:spPr>
-      </p:pic>
-      <p:sp>
-        <p:nvSpPr>
-          <p:cNvPr id="17" name="テキスト ボックス 16"/>
-          <p:cNvSpPr txBox="1"/>
-          <p:nvPr/>
-        </p:nvSpPr>
-        <p:spPr>
-          <a:xfrm>
-            <a:off x="221931" y="2202477"/>
-            <a:ext cx="1627369" cy="461665"/>
-          </a:xfrm>
-          <a:prstGeom prst="rect">
-            <a:avLst/>
-          </a:prstGeom>
-          <a:noFill/>
-        </p:spPr>
-        <p:txBody>
-          <a:bodyPr wrap="none" rtlCol="0">
-            <a:spAutoFit/>
-          </a:bodyPr>
-          <a:lstStyle/>
-          <a:p>
-            <a:r>
-              <a:rPr kumimoji="1" lang="ja-JP" altLang="en-US" sz="2400" b="1" dirty="0" smtClean="0"/>
-              <a:t>矢吹研</a:t>
-            </a:r>
-            <a:r>
-              <a:rPr kumimoji="1" lang="en-US" altLang="ja-JP" sz="2400" b="1" dirty="0" smtClean="0"/>
-              <a:t>A</a:t>
-            </a:r>
-            <a:r>
-              <a:rPr lang="ja-JP" altLang="en-US" sz="2400" b="1" dirty="0"/>
-              <a:t>班</a:t>
-            </a:r>
-            <a:endParaRPr kumimoji="1" lang="ja-JP" altLang="en-US" sz="2400" b="1" dirty="0"/>
-          </a:p>
-        </p:txBody>
-      </p:sp>
-      <p:pic>
-        <p:nvPicPr>
-          <p:cNvPr id="9" name="図 8"/>
-          <p:cNvPicPr>
-            <a:picLocks noChangeAspect="1"/>
-          </p:cNvPicPr>
-          <p:nvPr/>
-        </p:nvPicPr>
-        <p:blipFill>
-          <a:blip r:embed="rId2">
-            <a:extLst>
-              <a:ext uri="{28A0092B-C50C-407E-A947-70E740481C1C}">
-                <a14:useLocalDpi xmlns:a14="http://schemas.microsoft.com/office/drawing/2010/main" val="0"/>
-              </a:ext>
-            </a:extLst>
-          </a:blip>
-          <a:stretch>
-            <a:fillRect/>
-          </a:stretch>
-        </p:blipFill>
-        <p:spPr>
-          <a:xfrm>
-            <a:off x="5273458" y="3325862"/>
+            <a:off x="1098221" y="4763193"/>
             <a:ext cx="1391602" cy="1828800"/>
           </a:xfrm>
           <a:prstGeom prst="rect">
@@ -23639,7 +23655,7 @@
         </p:nvSpPr>
         <p:spPr>
           <a:xfrm>
-            <a:off x="4742081" y="2402532"/>
+            <a:off x="686687" y="4258574"/>
             <a:ext cx="2646878" cy="461665"/>
           </a:xfrm>
           <a:prstGeom prst="rect">
@@ -23670,7 +23686,7 @@
           <p:nvPr/>
         </p:nvPicPr>
         <p:blipFill>
-          <a:blip r:embed="rId2">
+          <a:blip r:embed="rId3">
             <a:extLst>
               <a:ext uri="{28A0092B-C50C-407E-A947-70E740481C1C}">
                 <a14:useLocalDpi xmlns:a14="http://schemas.microsoft.com/office/drawing/2010/main" val="0"/>
@@ -23683,7 +23699,7 @@
         </p:blipFill>
         <p:spPr>
           <a:xfrm>
-            <a:off x="10742387" y="3251914"/>
+            <a:off x="641658" y="1887282"/>
             <a:ext cx="1391602" cy="1828800"/>
           </a:xfrm>
           <a:prstGeom prst="rect">
@@ -23699,7 +23715,7 @@
         </p:nvSpPr>
         <p:spPr>
           <a:xfrm>
-            <a:off x="9179334" y="1346557"/>
+            <a:off x="726525" y="1486513"/>
             <a:ext cx="2954655" cy="461665"/>
           </a:xfrm>
           <a:prstGeom prst="rect">
@@ -23721,21 +23737,110 @@
           </a:p>
         </p:txBody>
       </p:sp>
+      <p:sp>
+        <p:nvSpPr>
+          <p:cNvPr id="8" name="スライド番号プレースホルダー 7"/>
+          <p:cNvSpPr>
+            <a:spLocks noGrp="1"/>
+          </p:cNvSpPr>
+          <p:nvPr>
+            <p:ph type="sldNum" sz="quarter" idx="12"/>
+          </p:nvPr>
+        </p:nvSpPr>
+        <p:spPr/>
+        <p:txBody>
+          <a:bodyPr/>
+          <a:lstStyle/>
+          <a:p>
+            <a:fld id="{8A903737-8B57-476D-8319-ED02A8A4DA96}" type="slidenum">
+              <a:rPr kumimoji="1" lang="ja-JP" altLang="en-US" sz="4000" smtClean="0"/>
+              <a:t>7</a:t>
+            </a:fld>
+            <a:endParaRPr kumimoji="1" lang="ja-JP" altLang="en-US" dirty="0"/>
+          </a:p>
+        </p:txBody>
+      </p:sp>
       <p:cxnSp>
         <p:nvCxnSpPr>
-          <p:cNvPr id="20" name="直線矢印コネクタ 19"/>
+          <p:cNvPr id="13" name="直線矢印コネクタ 12"/>
           <p:cNvCxnSpPr/>
           <p:nvPr/>
         </p:nvCxnSpPr>
         <p:spPr>
-          <a:xfrm flipH="1">
-            <a:off x="1252603" y="2633364"/>
-            <a:ext cx="200416" cy="283984"/>
+          <a:xfrm flipH="1" flipV="1">
+            <a:off x="2207672" y="2638881"/>
+            <a:ext cx="1740874" cy="378640"/>
           </a:xfrm>
           <a:prstGeom prst="straightConnector1">
             <a:avLst/>
           </a:prstGeom>
-          <a:ln w="79375">
+          <a:ln>
+            <a:tailEnd type="triangle"/>
+          </a:ln>
+        </p:spPr>
+        <p:style>
+          <a:lnRef idx="1">
+            <a:schemeClr val="accent1"/>
+          </a:lnRef>
+          <a:fillRef idx="0">
+            <a:schemeClr val="accent1"/>
+          </a:fillRef>
+          <a:effectRef idx="0">
+            <a:schemeClr val="accent1"/>
+          </a:effectRef>
+          <a:fontRef idx="minor">
+            <a:schemeClr val="tx1"/>
+          </a:fontRef>
+        </p:style>
+      </p:cxnSp>
+      <p:cxnSp>
+        <p:nvCxnSpPr>
+          <p:cNvPr id="15" name="直線矢印コネクタ 14"/>
+          <p:cNvCxnSpPr/>
+          <p:nvPr/>
+        </p:nvCxnSpPr>
+        <p:spPr>
+          <a:xfrm>
+            <a:off x="2178969" y="3387438"/>
+            <a:ext cx="1446672" cy="289554"/>
+          </a:xfrm>
+          <a:prstGeom prst="straightConnector1">
+            <a:avLst/>
+          </a:prstGeom>
+          <a:ln>
+            <a:tailEnd type="triangle"/>
+          </a:ln>
+        </p:spPr>
+        <p:style>
+          <a:lnRef idx="1">
+            <a:schemeClr val="accent1"/>
+          </a:lnRef>
+          <a:fillRef idx="0">
+            <a:schemeClr val="accent1"/>
+          </a:fillRef>
+          <a:effectRef idx="0">
+            <a:schemeClr val="accent1"/>
+          </a:effectRef>
+          <a:fontRef idx="minor">
+            <a:schemeClr val="tx1"/>
+          </a:fontRef>
+        </p:style>
+      </p:cxnSp>
+      <p:cxnSp>
+        <p:nvCxnSpPr>
+          <p:cNvPr id="19" name="直線矢印コネクタ 18"/>
+          <p:cNvCxnSpPr/>
+          <p:nvPr/>
+        </p:nvCxnSpPr>
+        <p:spPr>
+          <a:xfrm flipV="1">
+            <a:off x="2576156" y="4942590"/>
+            <a:ext cx="1292468" cy="542491"/>
+          </a:xfrm>
+          <a:prstGeom prst="straightConnector1">
+            <a:avLst/>
+          </a:prstGeom>
+          <a:ln>
             <a:tailEnd type="triangle"/>
           </a:ln>
         </p:spPr>
@@ -23761,14 +23866,14 @@
           <p:nvPr/>
         </p:nvCxnSpPr>
         <p:spPr>
-          <a:xfrm>
-            <a:off x="3106455" y="2402532"/>
-            <a:ext cx="220172" cy="461665"/>
+          <a:xfrm flipH="1">
+            <a:off x="2599817" y="5404256"/>
+            <a:ext cx="1830867" cy="765237"/>
           </a:xfrm>
           <a:prstGeom prst="straightConnector1">
             <a:avLst/>
           </a:prstGeom>
-          <a:ln w="79375">
+          <a:ln>
             <a:tailEnd type="triangle"/>
           </a:ln>
         </p:spPr>
@@ -23795,13 +23900,13 @@
         </p:nvCxnSpPr>
         <p:spPr>
           <a:xfrm flipH="1">
-            <a:off x="6501008" y="2864197"/>
-            <a:ext cx="164052" cy="430148"/>
+            <a:off x="8443495" y="3274451"/>
+            <a:ext cx="1838037" cy="639425"/>
           </a:xfrm>
           <a:prstGeom prst="straightConnector1">
             <a:avLst/>
           </a:prstGeom>
-          <a:ln w="79375">
+          <a:ln>
             <a:tailEnd type="triangle"/>
           </a:ln>
         </p:spPr>
@@ -23822,52 +23927,19 @@
       </p:cxnSp>
       <p:cxnSp>
         <p:nvCxnSpPr>
-          <p:cNvPr id="26" name="直線矢印コネクタ 25"/>
+          <p:cNvPr id="27" name="直線矢印コネクタ 26"/>
           <p:cNvCxnSpPr/>
           <p:nvPr/>
         </p:nvCxnSpPr>
         <p:spPr>
-          <a:xfrm>
-            <a:off x="8217074" y="2433309"/>
-            <a:ext cx="300625" cy="645962"/>
+          <a:xfrm flipV="1">
+            <a:off x="8163098" y="2518756"/>
+            <a:ext cx="1878677" cy="572738"/>
           </a:xfrm>
           <a:prstGeom prst="straightConnector1">
             <a:avLst/>
           </a:prstGeom>
-          <a:ln w="79375">
-            <a:tailEnd type="triangle"/>
-          </a:ln>
-        </p:spPr>
-        <p:style>
-          <a:lnRef idx="1">
-            <a:schemeClr val="accent1"/>
-          </a:lnRef>
-          <a:fillRef idx="0">
-            <a:schemeClr val="accent1"/>
-          </a:fillRef>
-          <a:effectRef idx="0">
-            <a:schemeClr val="accent1"/>
-          </a:effectRef>
-          <a:fontRef idx="minor">
-            <a:schemeClr val="tx1"/>
-          </a:fontRef>
-        </p:style>
-      </p:cxnSp>
-      <p:cxnSp>
-        <p:nvCxnSpPr>
-          <p:cNvPr id="28" name="直線矢印コネクタ 27"/>
-          <p:cNvCxnSpPr/>
-          <p:nvPr/>
-        </p:nvCxnSpPr>
-        <p:spPr>
-          <a:xfrm>
-            <a:off x="11098060" y="1832991"/>
-            <a:ext cx="423999" cy="1187835"/>
-          </a:xfrm>
-          <a:prstGeom prst="straightConnector1">
-            <a:avLst/>
-          </a:prstGeom>
-          <a:ln w="79375">
+          <a:ln>
             <a:tailEnd type="triangle"/>
           </a:ln>
         </p:spPr>
@@ -23888,23 +23960,184 @@
       </p:cxnSp>
       <p:sp>
         <p:nvSpPr>
-          <p:cNvPr id="8" name="スライド番号プレースホルダー 7"/>
-          <p:cNvSpPr>
-            <a:spLocks noGrp="1"/>
-          </p:cNvSpPr>
-          <p:nvPr>
-            <p:ph type="sldNum" sz="quarter" idx="12"/>
-          </p:nvPr>
+          <p:cNvPr id="29" name="テキスト ボックス 28"/>
+          <p:cNvSpPr txBox="1"/>
+          <p:nvPr/>
         </p:nvSpPr>
-        <p:spPr/>
+        <p:spPr>
+          <a:xfrm>
+            <a:off x="8034817" y="2166957"/>
+            <a:ext cx="1800493" cy="369332"/>
+          </a:xfrm>
+          <a:prstGeom prst="rect">
+            <a:avLst/>
+          </a:prstGeom>
+          <a:noFill/>
+        </p:spPr>
         <p:txBody>
-          <a:bodyPr/>
+          <a:bodyPr wrap="none" rtlCol="0">
+            <a:spAutoFit/>
+          </a:bodyPr>
           <a:lstStyle/>
           <a:p>
-            <a:fld id="{8A903737-8B57-476D-8319-ED02A8A4DA96}" type="slidenum">
-              <a:rPr kumimoji="1" lang="ja-JP" altLang="en-US" sz="4000" smtClean="0"/>
-              <a:t>7</a:t>
-            </a:fld>
+            <a:r>
+              <a:rPr lang="ja-JP" altLang="en-US" dirty="0" smtClean="0"/>
+              <a:t>システムの</a:t>
+            </a:r>
+            <a:r>
+              <a:rPr lang="ja-JP" altLang="en-US" dirty="0"/>
+              <a:t>提供</a:t>
+            </a:r>
+            <a:endParaRPr kumimoji="1" lang="ja-JP" altLang="en-US" dirty="0"/>
+          </a:p>
+        </p:txBody>
+      </p:sp>
+      <p:sp>
+        <p:nvSpPr>
+          <p:cNvPr id="30" name="テキスト ボックス 29"/>
+          <p:cNvSpPr txBox="1"/>
+          <p:nvPr/>
+        </p:nvSpPr>
+        <p:spPr>
+          <a:xfrm>
+            <a:off x="8808515" y="3744563"/>
+            <a:ext cx="1107996" cy="369332"/>
+          </a:xfrm>
+          <a:prstGeom prst="rect">
+            <a:avLst/>
+          </a:prstGeom>
+          <a:noFill/>
+        </p:spPr>
+        <p:txBody>
+          <a:bodyPr wrap="none" rtlCol="0">
+            <a:spAutoFit/>
+          </a:bodyPr>
+          <a:lstStyle/>
+          <a:p>
+            <a:r>
+              <a:rPr kumimoji="1" lang="ja-JP" altLang="en-US" dirty="0" smtClean="0"/>
+              <a:t>情報提供</a:t>
+            </a:r>
+            <a:endParaRPr kumimoji="1" lang="ja-JP" altLang="en-US" dirty="0"/>
+          </a:p>
+        </p:txBody>
+      </p:sp>
+      <p:sp>
+        <p:nvSpPr>
+          <p:cNvPr id="31" name="テキスト ボックス 30"/>
+          <p:cNvSpPr txBox="1"/>
+          <p:nvPr/>
+        </p:nvSpPr>
+        <p:spPr>
+          <a:xfrm>
+            <a:off x="1633064" y="3666891"/>
+            <a:ext cx="2262158" cy="369332"/>
+          </a:xfrm>
+          <a:prstGeom prst="rect">
+            <a:avLst/>
+          </a:prstGeom>
+          <a:noFill/>
+        </p:spPr>
+        <p:txBody>
+          <a:bodyPr wrap="none" rtlCol="0">
+            <a:spAutoFit/>
+          </a:bodyPr>
+          <a:lstStyle/>
+          <a:p>
+            <a:r>
+              <a:rPr kumimoji="1" lang="ja-JP" altLang="en-US" dirty="0" smtClean="0"/>
+              <a:t>プロジェクトの承認</a:t>
+            </a:r>
+            <a:endParaRPr kumimoji="1" lang="ja-JP" altLang="en-US" dirty="0"/>
+          </a:p>
+        </p:txBody>
+      </p:sp>
+      <p:sp>
+        <p:nvSpPr>
+          <p:cNvPr id="34" name="テキスト ボックス 33"/>
+          <p:cNvSpPr txBox="1"/>
+          <p:nvPr/>
+        </p:nvSpPr>
+        <p:spPr>
+          <a:xfrm>
+            <a:off x="1985398" y="2212208"/>
+            <a:ext cx="2262158" cy="369332"/>
+          </a:xfrm>
+          <a:prstGeom prst="rect">
+            <a:avLst/>
+          </a:prstGeom>
+          <a:noFill/>
+        </p:spPr>
+        <p:txBody>
+          <a:bodyPr wrap="none" rtlCol="0">
+            <a:spAutoFit/>
+          </a:bodyPr>
+          <a:lstStyle/>
+          <a:p>
+            <a:r>
+              <a:rPr kumimoji="1" lang="ja-JP" altLang="en-US" dirty="0" smtClean="0"/>
+              <a:t>プロジェクトの提案</a:t>
+            </a:r>
+            <a:endParaRPr kumimoji="1" lang="ja-JP" altLang="en-US" dirty="0"/>
+          </a:p>
+        </p:txBody>
+      </p:sp>
+      <p:sp>
+        <p:nvSpPr>
+          <p:cNvPr id="37" name="テキスト ボックス 36"/>
+          <p:cNvSpPr txBox="1"/>
+          <p:nvPr/>
+        </p:nvSpPr>
+        <p:spPr>
+          <a:xfrm>
+            <a:off x="2622492" y="4719844"/>
+            <a:ext cx="1107996" cy="369332"/>
+          </a:xfrm>
+          <a:prstGeom prst="rect">
+            <a:avLst/>
+          </a:prstGeom>
+          <a:noFill/>
+        </p:spPr>
+        <p:txBody>
+          <a:bodyPr wrap="none" rtlCol="0">
+            <a:spAutoFit/>
+          </a:bodyPr>
+          <a:lstStyle/>
+          <a:p>
+            <a:r>
+              <a:rPr kumimoji="1" lang="ja-JP" altLang="en-US" dirty="0" smtClean="0"/>
+              <a:t>知識提供</a:t>
+            </a:r>
+            <a:endParaRPr kumimoji="1" lang="ja-JP" altLang="en-US" dirty="0"/>
+          </a:p>
+        </p:txBody>
+      </p:sp>
+      <p:sp>
+        <p:nvSpPr>
+          <p:cNvPr id="38" name="テキスト ボックス 37"/>
+          <p:cNvSpPr txBox="1"/>
+          <p:nvPr/>
+        </p:nvSpPr>
+        <p:spPr>
+          <a:xfrm>
+            <a:off x="3116477" y="5909754"/>
+            <a:ext cx="1338828" cy="369332"/>
+          </a:xfrm>
+          <a:prstGeom prst="rect">
+            <a:avLst/>
+          </a:prstGeom>
+          <a:noFill/>
+        </p:spPr>
+        <p:txBody>
+          <a:bodyPr wrap="none" rtlCol="0">
+            <a:spAutoFit/>
+          </a:bodyPr>
+          <a:lstStyle/>
+          <a:p>
+            <a:r>
+              <a:rPr kumimoji="1" lang="ja-JP" altLang="en-US" dirty="0" smtClean="0"/>
+              <a:t>シニア承認</a:t>
+            </a:r>
             <a:endParaRPr kumimoji="1" lang="ja-JP" altLang="en-US" dirty="0"/>
           </a:p>
         </p:txBody>
@@ -23979,7 +24212,7 @@
         <p:spPr>
           <a:xfrm>
             <a:off x="1343891" y="4765702"/>
-            <a:ext cx="6096000" cy="1477328"/>
+            <a:ext cx="6096000" cy="1200329"/>
           </a:xfrm>
           <a:prstGeom prst="rect">
             <a:avLst/>
@@ -24014,38 +24247,30 @@
           </a:p>
           <a:p>
             <a:r>
+              <a:rPr lang="ja-JP" altLang="en-US" dirty="0"/>
+              <a:t>　</a:t>
+            </a:r>
+            <a:r>
+              <a:rPr lang="en-US" altLang="ja-JP" dirty="0" smtClean="0"/>
+              <a:t>HTML,CSS</a:t>
+            </a:r>
+          </a:p>
+          <a:p>
+            <a:r>
               <a:rPr lang="ja-JP" altLang="en-US" dirty="0" smtClean="0"/>
               <a:t>　</a:t>
             </a:r>
             <a:r>
-              <a:rPr lang="en-US" altLang="ja-JP" dirty="0" smtClean="0"/>
+              <a:rPr lang="en-US" altLang="ja-JP" dirty="0" err="1" smtClean="0"/>
               <a:t>PHP</a:t>
             </a:r>
             <a:r>
-              <a:rPr lang="ja-JP" altLang="en-US" dirty="0" smtClean="0"/>
-              <a:t>・</a:t>
-            </a:r>
-            <a:r>
-              <a:rPr lang="en-US" altLang="ja-JP" dirty="0" smtClean="0"/>
+              <a:rPr lang="en-US" altLang="ja-JP" dirty="0" err="1"/>
+              <a:t>,</a:t>
+            </a:r>
+            <a:r>
+              <a:rPr lang="en-US" altLang="ja-JP" dirty="0" err="1" smtClean="0"/>
               <a:t>MySQL</a:t>
-            </a:r>
-            <a:endParaRPr lang="en-US" altLang="ja-JP" dirty="0"/>
-          </a:p>
-          <a:p>
-            <a:r>
-              <a:rPr lang="ja-JP" altLang="en-US" dirty="0"/>
-              <a:t>・プログラミング</a:t>
-            </a:r>
-            <a:r>
-              <a:rPr lang="ja-JP" altLang="en-US" dirty="0" smtClean="0"/>
-              <a:t>技法</a:t>
-            </a:r>
-            <a:endParaRPr lang="en-US" altLang="ja-JP" dirty="0" smtClean="0"/>
-          </a:p>
-          <a:p>
-            <a:r>
-              <a:rPr lang="ja-JP" altLang="en-US" dirty="0" smtClean="0"/>
-              <a:t>・その他要素・技術</a:t>
             </a:r>
             <a:endParaRPr lang="en-US" altLang="ja-JP" dirty="0" smtClean="0"/>
           </a:p>
@@ -24501,8 +24726,8 @@
         </p:nvSpPr>
         <p:spPr>
           <a:xfrm>
-            <a:off x="3480361" y="3115041"/>
-            <a:ext cx="1880063" cy="930442"/>
+            <a:off x="3373380" y="3232026"/>
+            <a:ext cx="2017812" cy="930442"/>
           </a:xfrm>
           <a:prstGeom prst="rect">
             <a:avLst/>
@@ -24631,6 +24856,103 @@
               <a:rPr kumimoji="1" lang="ja-JP" altLang="en-US" sz="4000" smtClean="0"/>
               <a:t>8</a:t>
             </a:fld>
+            <a:endParaRPr kumimoji="1" lang="ja-JP" altLang="en-US" dirty="0"/>
+          </a:p>
+        </p:txBody>
+      </p:sp>
+      <p:sp>
+        <p:nvSpPr>
+          <p:cNvPr id="4" name="テキスト ボックス 3"/>
+          <p:cNvSpPr txBox="1"/>
+          <p:nvPr/>
+        </p:nvSpPr>
+        <p:spPr>
+          <a:xfrm>
+            <a:off x="796803" y="3977802"/>
+            <a:ext cx="2031325" cy="369332"/>
+          </a:xfrm>
+          <a:prstGeom prst="rect">
+            <a:avLst/>
+          </a:prstGeom>
+          <a:noFill/>
+        </p:spPr>
+        <p:txBody>
+          <a:bodyPr wrap="none" rtlCol="0">
+            <a:spAutoFit/>
+          </a:bodyPr>
+          <a:lstStyle/>
+          <a:p>
+            <a:r>
+              <a:rPr kumimoji="1" lang="ja-JP" altLang="en-US" dirty="0" smtClean="0"/>
+              <a:t>実践経験がある為</a:t>
+            </a:r>
+            <a:endParaRPr kumimoji="1" lang="ja-JP" altLang="en-US" dirty="0"/>
+          </a:p>
+        </p:txBody>
+      </p:sp>
+      <p:sp>
+        <p:nvSpPr>
+          <p:cNvPr id="5" name="テキスト ボックス 4"/>
+          <p:cNvSpPr txBox="1"/>
+          <p:nvPr/>
+        </p:nvSpPr>
+        <p:spPr>
+          <a:xfrm>
+            <a:off x="9249635" y="4570933"/>
+            <a:ext cx="2954655" cy="646331"/>
+          </a:xfrm>
+          <a:prstGeom prst="rect">
+            <a:avLst/>
+          </a:prstGeom>
+          <a:noFill/>
+        </p:spPr>
+        <p:txBody>
+          <a:bodyPr wrap="none" rtlCol="0">
+            <a:spAutoFit/>
+          </a:bodyPr>
+          <a:lstStyle/>
+          <a:p>
+            <a:r>
+              <a:rPr kumimoji="1" lang="ja-JP" altLang="en-US" dirty="0" smtClean="0"/>
+              <a:t>世界中で運用されており、</a:t>
+            </a:r>
+            <a:endParaRPr kumimoji="1" lang="en-US" altLang="ja-JP" dirty="0" smtClean="0"/>
+          </a:p>
+          <a:p>
+            <a:r>
+              <a:rPr kumimoji="1" lang="ja-JP" altLang="en-US" dirty="0" smtClean="0"/>
+              <a:t>高速である為。</a:t>
+            </a:r>
+            <a:endParaRPr kumimoji="1" lang="ja-JP" altLang="en-US" dirty="0"/>
+          </a:p>
+        </p:txBody>
+      </p:sp>
+      <p:sp>
+        <p:nvSpPr>
+          <p:cNvPr id="6" name="テキスト ボックス 5"/>
+          <p:cNvSpPr txBox="1"/>
+          <p:nvPr/>
+        </p:nvSpPr>
+        <p:spPr>
+          <a:xfrm>
+            <a:off x="5904949" y="4709432"/>
+            <a:ext cx="2262158" cy="369332"/>
+          </a:xfrm>
+          <a:prstGeom prst="rect">
+            <a:avLst/>
+          </a:prstGeom>
+          <a:noFill/>
+        </p:spPr>
+        <p:txBody>
+          <a:bodyPr wrap="none" rtlCol="0">
+            <a:spAutoFit/>
+          </a:bodyPr>
+          <a:lstStyle/>
+          <a:p>
+            <a:r>
+              <a:rPr kumimoji="1" lang="ja-JP" altLang="en-US" dirty="0" smtClean="0"/>
+              <a:t>無償で使用できる為</a:t>
+            </a:r>
             <a:endParaRPr kumimoji="1" lang="ja-JP" altLang="en-US" dirty="0"/>
           </a:p>
         </p:txBody>
@@ -24727,7 +25049,11 @@
           <a:p>
             <a:r>
               <a:rPr lang="ja-JP" altLang="en-US" sz="3600" b="1" dirty="0" smtClean="0"/>
-              <a:t>期日、予算の超過</a:t>
+              <a:t>メンバーの音信</a:t>
+            </a:r>
+            <a:r>
+              <a:rPr lang="ja-JP" altLang="en-US" sz="3600" b="1" dirty="0"/>
+              <a:t>不通</a:t>
             </a:r>
             <a:endParaRPr lang="en-US" altLang="ja-JP" sz="3600" b="1" dirty="0" smtClean="0"/>
           </a:p>
@@ -24740,15 +25066,27 @@
           </a:p>
           <a:p>
             <a:r>
+              <a:rPr lang="ja-JP" altLang="en-US" sz="3600" b="1" dirty="0" smtClean="0"/>
+              <a:t>情報</a:t>
+            </a:r>
+            <a:r>
+              <a:rPr lang="ja-JP" altLang="en-US" sz="3600" b="1" dirty="0"/>
+              <a:t>収集</a:t>
+            </a:r>
+            <a:r>
               <a:rPr kumimoji="1" lang="ja-JP" altLang="en-US" sz="3600" b="1" dirty="0" smtClean="0"/>
-              <a:t>掲載データ不足</a:t>
+              <a:t>不足</a:t>
             </a:r>
             <a:endParaRPr kumimoji="1" lang="en-US" altLang="ja-JP" sz="3600" b="1" dirty="0" smtClean="0"/>
           </a:p>
           <a:p>
             <a:r>
               <a:rPr lang="ja-JP" altLang="en-US" sz="3600" b="1" dirty="0" smtClean="0"/>
-              <a:t>サーバーの故障</a:t>
+              <a:t>承認</a:t>
+            </a:r>
+            <a:r>
+              <a:rPr lang="ja-JP" altLang="en-US" sz="3600" b="1" dirty="0" smtClean="0"/>
+              <a:t>が得られない</a:t>
             </a:r>
             <a:endParaRPr lang="en-US" altLang="ja-JP" sz="3600" b="1" dirty="0" smtClean="0"/>
           </a:p>

--- a/インセプションデッキ矢吹研A班.pptx
+++ b/インセプションデッキ矢吹研A班.pptx
@@ -212,7 +212,7 @@
           <a:p>
             <a:fld id="{44823B36-9560-43F4-8AF9-F0441FB700C8}" type="datetimeFigureOut">
               <a:rPr kumimoji="1" lang="ja-JP" altLang="en-US" smtClean="0"/>
-              <a:t>2017/6/1</a:t>
+              <a:t>2017/6/2</a:t>
             </a:fld>
             <a:endParaRPr kumimoji="1" lang="ja-JP" altLang="en-US"/>
           </a:p>
@@ -378,7 +378,7 @@
           <a:p>
             <a:fld id="{E6A73E96-2B78-4241-A155-C881DEA9C1F0}" type="datetimeFigureOut">
               <a:rPr kumimoji="1" lang="ja-JP" altLang="en-US" smtClean="0"/>
-              <a:t>2017/6/1</a:t>
+              <a:t>2017/6/2</a:t>
             </a:fld>
             <a:endParaRPr kumimoji="1" lang="ja-JP" altLang="en-US"/>
           </a:p>
@@ -1218,7 +1218,7 @@
           <a:p>
             <a:fld id="{E5E469D5-F795-482D-B0D7-07E5A7634AD4}" type="datetime1">
               <a:rPr kumimoji="1" lang="ja-JP" altLang="en-US" smtClean="0"/>
-              <a:t>2017/6/1</a:t>
+              <a:t>2017/6/2</a:t>
             </a:fld>
             <a:endParaRPr kumimoji="1" lang="ja-JP" altLang="en-US"/>
           </a:p>
@@ -1420,7 +1420,7 @@
           <a:p>
             <a:fld id="{D7C53EB5-3677-443F-996A-A40A3880F401}" type="datetime1">
               <a:rPr kumimoji="1" lang="ja-JP" altLang="en-US" smtClean="0"/>
-              <a:t>2017/6/1</a:t>
+              <a:t>2017/6/2</a:t>
             </a:fld>
             <a:endParaRPr kumimoji="1" lang="ja-JP" altLang="en-US"/>
           </a:p>
@@ -1632,7 +1632,7 @@
           <a:p>
             <a:fld id="{C045E4E9-7BD1-42B6-88A2-5205C7B587DD}" type="datetime1">
               <a:rPr kumimoji="1" lang="ja-JP" altLang="en-US" smtClean="0"/>
-              <a:t>2017/6/1</a:t>
+              <a:t>2017/6/2</a:t>
             </a:fld>
             <a:endParaRPr kumimoji="1" lang="ja-JP" altLang="en-US"/>
           </a:p>
@@ -1834,7 +1834,7 @@
           <a:p>
             <a:fld id="{47929945-3511-4472-97C7-680A477CC988}" type="datetime1">
               <a:rPr kumimoji="1" lang="ja-JP" altLang="en-US" smtClean="0"/>
-              <a:t>2017/6/1</a:t>
+              <a:t>2017/6/2</a:t>
             </a:fld>
             <a:endParaRPr kumimoji="1" lang="ja-JP" altLang="en-US"/>
           </a:p>
@@ -2080,7 +2080,7 @@
           <a:p>
             <a:fld id="{1C574AF9-66AA-4FFE-8E1B-4BE51D41C96D}" type="datetime1">
               <a:rPr kumimoji="1" lang="ja-JP" altLang="en-US" smtClean="0"/>
-              <a:t>2017/6/1</a:t>
+              <a:t>2017/6/2</a:t>
             </a:fld>
             <a:endParaRPr kumimoji="1" lang="ja-JP" altLang="en-US"/>
           </a:p>
@@ -2376,7 +2376,7 @@
           <a:p>
             <a:fld id="{F77EB08F-30EA-49DA-A2FB-9847371D4C66}" type="datetime1">
               <a:rPr kumimoji="1" lang="ja-JP" altLang="en-US" smtClean="0"/>
-              <a:t>2017/6/1</a:t>
+              <a:t>2017/6/2</a:t>
             </a:fld>
             <a:endParaRPr kumimoji="1" lang="ja-JP" altLang="en-US"/>
           </a:p>
@@ -2807,7 +2807,7 @@
           <a:p>
             <a:fld id="{B0BE181C-66BD-4DAC-A4DA-91208C327AE6}" type="datetime1">
               <a:rPr kumimoji="1" lang="ja-JP" altLang="en-US" smtClean="0"/>
-              <a:t>2017/6/1</a:t>
+              <a:t>2017/6/2</a:t>
             </a:fld>
             <a:endParaRPr kumimoji="1" lang="ja-JP" altLang="en-US"/>
           </a:p>
@@ -2925,7 +2925,7 @@
           <a:p>
             <a:fld id="{98E149A5-3263-4EB5-BB37-854917B194A1}" type="datetime1">
               <a:rPr kumimoji="1" lang="ja-JP" altLang="en-US" smtClean="0"/>
-              <a:t>2017/6/1</a:t>
+              <a:t>2017/6/2</a:t>
             </a:fld>
             <a:endParaRPr kumimoji="1" lang="ja-JP" altLang="en-US"/>
           </a:p>
@@ -3020,7 +3020,7 @@
           <a:p>
             <a:fld id="{E0BC77AB-D50D-40C3-ABF7-379E30A601BB}" type="datetime1">
               <a:rPr kumimoji="1" lang="ja-JP" altLang="en-US" smtClean="0"/>
-              <a:t>2017/6/1</a:t>
+              <a:t>2017/6/2</a:t>
             </a:fld>
             <a:endParaRPr kumimoji="1" lang="ja-JP" altLang="en-US"/>
           </a:p>
@@ -3329,7 +3329,7 @@
           <a:p>
             <a:fld id="{2062C1BE-F49F-48CD-9905-49D05CC2F7D4}" type="datetime1">
               <a:rPr kumimoji="1" lang="ja-JP" altLang="en-US" smtClean="0"/>
-              <a:t>2017/6/1</a:t>
+              <a:t>2017/6/2</a:t>
             </a:fld>
             <a:endParaRPr kumimoji="1" lang="ja-JP" altLang="en-US"/>
           </a:p>
@@ -3582,7 +3582,7 @@
           <a:p>
             <a:fld id="{0501E273-2494-4A5C-85AE-EE1F39E3134E}" type="datetime1">
               <a:rPr kumimoji="1" lang="ja-JP" altLang="en-US" smtClean="0"/>
-              <a:t>2017/6/1</a:t>
+              <a:t>2017/6/2</a:t>
             </a:fld>
             <a:endParaRPr kumimoji="1" lang="ja-JP" altLang="en-US"/>
           </a:p>
@@ -3827,7 +3827,7 @@
           <a:p>
             <a:fld id="{4049E619-4B82-451E-B8DD-B0522E948560}" type="datetime1">
               <a:rPr kumimoji="1" lang="ja-JP" altLang="en-US" smtClean="0"/>
-              <a:t>2017/6/1</a:t>
+              <a:t>2017/6/2</a:t>
             </a:fld>
             <a:endParaRPr kumimoji="1" lang="ja-JP" altLang="en-US"/>
           </a:p>
@@ -4750,13 +4750,8 @@
                       </a:pPr>
                       <a:r>
                         <a:rPr kumimoji="1" lang="ja-JP" altLang="en-US" b="1" dirty="0" smtClean="0"/>
-                        <a:t>上下関係はない。作業を進めていく過程で個人が複数のことをできるように</a:t>
+                        <a:t>上下関係はない。作業を進めていく過程で個人が複数のことをできるようになる。</a:t>
                       </a:r>
-                      <a:r>
-                        <a:rPr kumimoji="1" lang="ja-JP" altLang="en-US" b="1" dirty="0" smtClean="0"/>
-                        <a:t>なる。</a:t>
-                      </a:r>
-                      <a:endParaRPr kumimoji="1" lang="ja-JP" altLang="en-US" b="1" dirty="0" smtClean="0"/>
                     </a:p>
                     <a:p>
                       <a:endParaRPr kumimoji="1" lang="ja-JP" altLang="en-US" b="1" dirty="0"/>
@@ -22058,11 +22053,7 @@
             </a:r>
             <a:r>
               <a:rPr lang="ja-JP" altLang="en-US" sz="1600" dirty="0" smtClean="0"/>
-              <a:t>従来の千葉工大学生</a:t>
-            </a:r>
-            <a:r>
-              <a:rPr lang="ja-JP" altLang="en-US" sz="1600" dirty="0" smtClean="0"/>
-              <a:t>アプリでは、必要な情報を手に入れるために手間がかかる。</a:t>
+              <a:t>従来の千葉工大学生アプリでは、必要な情報を手に入れるために手間がかかる。</a:t>
             </a:r>
             <a:endParaRPr lang="en-US" altLang="ja-JP" sz="1600" dirty="0" smtClean="0"/>
           </a:p>
@@ -22086,15 +22077,7 @@
             </a:r>
             <a:r>
               <a:rPr lang="ja-JP" altLang="en-US" sz="1600" dirty="0" smtClean="0"/>
-              <a:t>より</a:t>
-            </a:r>
-            <a:r>
-              <a:rPr lang="ja-JP" altLang="en-US" sz="1600" dirty="0" smtClean="0"/>
-              <a:t>情報を手短かに入手したい津田沼キャンパスに通う</a:t>
-            </a:r>
-            <a:r>
-              <a:rPr lang="ja-JP" altLang="en-US" sz="1600" dirty="0" smtClean="0"/>
-              <a:t>、</a:t>
+              <a:t>より情報を手短かに入手したい津田沼キャンパスに通う、</a:t>
             </a:r>
             <a:r>
               <a:rPr lang="en-US" altLang="ja-JP" sz="1600" dirty="0" smtClean="0"/>
@@ -22202,11 +22185,7 @@
             </a:r>
             <a:r>
               <a:rPr lang="ja-JP" altLang="en-US" sz="1600" dirty="0" smtClean="0"/>
-              <a:t>過去</a:t>
-            </a:r>
-            <a:r>
-              <a:rPr lang="ja-JP" altLang="en-US" sz="1600" dirty="0" smtClean="0"/>
-              <a:t>問や</a:t>
+              <a:t>過去問や</a:t>
             </a:r>
             <a:r>
               <a:rPr lang="en-US" altLang="ja-JP" sz="1600" dirty="0" smtClean="0"/>
@@ -22214,11 +22193,7 @@
             </a:r>
             <a:r>
               <a:rPr lang="ja-JP" altLang="en-US" sz="1600" dirty="0" smtClean="0"/>
-              <a:t>実験などの成果物、学生の時間割などの</a:t>
-            </a:r>
-            <a:r>
-              <a:rPr lang="ja-JP" altLang="en-US" sz="1600" dirty="0" smtClean="0"/>
-              <a:t>情報</a:t>
+              <a:t>実験などの成果物、学生の時間割などの情報</a:t>
             </a:r>
             <a:r>
               <a:rPr lang="ja-JP" altLang="en-US" sz="1600" dirty="0"/>
@@ -22250,15 +22225,7 @@
             </a:r>
             <a:r>
               <a:rPr lang="ja-JP" altLang="en-US" sz="1600" dirty="0" smtClean="0"/>
-              <a:t>これ</a:t>
-            </a:r>
-            <a:r>
-              <a:rPr lang="ja-JP" altLang="en-US" sz="1600" dirty="0" smtClean="0"/>
-              <a:t>まで</a:t>
-            </a:r>
-            <a:r>
-              <a:rPr lang="ja-JP" altLang="en-US" sz="1600" dirty="0" smtClean="0"/>
-              <a:t>の千葉工大学生アプリである。</a:t>
+              <a:t>これまでの千葉工大学生アプリである。</a:t>
             </a:r>
             <a:endParaRPr lang="en-US" altLang="ja-JP" sz="1600" dirty="0" smtClean="0"/>
           </a:p>
@@ -22282,23 +22249,7 @@
             </a:r>
             <a:r>
               <a:rPr lang="ja-JP" altLang="en-US" sz="1600" dirty="0" smtClean="0"/>
-              <a:t>学生</a:t>
-            </a:r>
-            <a:r>
-              <a:rPr lang="ja-JP" altLang="en-US" sz="1600" dirty="0" smtClean="0"/>
-              <a:t>に</a:t>
-            </a:r>
-            <a:r>
-              <a:rPr lang="ja-JP" altLang="en-US" sz="1600" dirty="0" smtClean="0"/>
-              <a:t>とって単位取得を手助けする情報が</a:t>
-            </a:r>
-            <a:r>
-              <a:rPr lang="ja-JP" altLang="en-US" sz="1600" dirty="0" smtClean="0"/>
-              <a:t>備わっている</a:t>
-            </a:r>
-            <a:r>
-              <a:rPr lang="ja-JP" altLang="en-US" sz="1600" dirty="0" smtClean="0"/>
-              <a:t>。</a:t>
+              <a:t>学生にとって単位取得を手助けする情報が備わっている。</a:t>
             </a:r>
             <a:endParaRPr lang="en-US" altLang="ja-JP" sz="1600" dirty="0"/>
           </a:p>
@@ -22840,14 +22791,14 @@
             <p:ph idx="1"/>
             <p:extLst>
               <p:ext uri="{D42A27DB-BD31-4B8C-83A1-F6EECF244321}">
-                <p14:modId xmlns:p14="http://schemas.microsoft.com/office/powerpoint/2010/main" val="471227343"/>
+                <p14:modId xmlns:p14="http://schemas.microsoft.com/office/powerpoint/2010/main" val="2738802671"/>
               </p:ext>
             </p:extLst>
           </p:nvPr>
         </p:nvGraphicFramePr>
         <p:xfrm>
           <a:off x="994610" y="1825625"/>
-          <a:ext cx="10359189" cy="2244932"/>
+          <a:ext cx="10359189" cy="2635355"/>
         </p:xfrm>
         <a:graphic>
           <a:graphicData uri="http://schemas.openxmlformats.org/drawingml/2006/table">
@@ -22930,11 +22881,7 @@
                     <a:p>
                       <a:r>
                         <a:rPr kumimoji="1" lang="ja-JP" altLang="en-US" b="1" dirty="0" smtClean="0"/>
-                        <a:t>・ログイン機能の</a:t>
-                      </a:r>
-                      <a:r>
-                        <a:rPr kumimoji="1" lang="ja-JP" altLang="en-US" b="1" dirty="0" smtClean="0"/>
-                        <a:t>作成する。</a:t>
+                        <a:t>・ログイン機能の作成する。</a:t>
                       </a:r>
                       <a:endParaRPr kumimoji="1" lang="ja-JP" altLang="en-US" b="1" dirty="0"/>
                     </a:p>
@@ -22944,6 +22891,82 @@
                 <a:extLst>
                   <a:ext uri="{0D108BD9-81ED-4DB2-BD59-A6C34878D82A}">
                     <a16:rowId xmlns:a16="http://schemas.microsoft.com/office/drawing/2014/main" val="3192546197"/>
+                  </a:ext>
+                </a:extLst>
+              </a:tr>
+              <a:tr h="390423">
+                <a:tc>
+                  <a:txBody>
+                    <a:bodyPr/>
+                    <a:lstStyle/>
+                    <a:p>
+                      <a:pPr marL="0" marR="0" indent="0" algn="l" defTabSz="914400" rtl="0" eaLnBrk="1" fontAlgn="auto" latinLnBrk="0" hangingPunct="1">
+                        <a:lnSpc>
+                          <a:spcPct val="100000"/>
+                        </a:lnSpc>
+                        <a:spcBef>
+                          <a:spcPts val="0"/>
+                        </a:spcBef>
+                        <a:spcAft>
+                          <a:spcPts val="0"/>
+                        </a:spcAft>
+                        <a:buClrTx/>
+                        <a:buSzTx/>
+                        <a:buFontTx/>
+                        <a:buNone/>
+                        <a:tabLst/>
+                        <a:defRPr/>
+                      </a:pPr>
+                      <a:r>
+                        <a:rPr kumimoji="1" lang="ja-JP" altLang="en-US" b="1" i="0" dirty="0" smtClean="0"/>
+                        <a:t>・</a:t>
+                      </a:r>
+                      <a:r>
+                        <a:rPr lang="en-US" altLang="ja-JP" b="1" dirty="0" smtClean="0"/>
+                        <a:t>Twitter API</a:t>
+                      </a:r>
+                      <a:r>
+                        <a:rPr lang="ja-JP" altLang="en-US" b="1" dirty="0" smtClean="0"/>
+                        <a:t>を導入する。</a:t>
+                      </a:r>
+                      <a:endParaRPr lang="ja-JP" altLang="ja-JP" b="1" dirty="0" smtClean="0"/>
+                    </a:p>
+                  </a:txBody>
+                  <a:tcPr/>
+                </a:tc>
+                <a:tc>
+                  <a:txBody>
+                    <a:bodyPr/>
+                    <a:lstStyle/>
+                    <a:p>
+                      <a:pPr marL="0" marR="0" indent="0" algn="l" defTabSz="914400" rtl="0" eaLnBrk="1" fontAlgn="auto" latinLnBrk="0" hangingPunct="1">
+                        <a:lnSpc>
+                          <a:spcPct val="100000"/>
+                        </a:lnSpc>
+                        <a:spcBef>
+                          <a:spcPts val="0"/>
+                        </a:spcBef>
+                        <a:spcAft>
+                          <a:spcPts val="0"/>
+                        </a:spcAft>
+                        <a:buClrTx/>
+                        <a:buSzTx/>
+                        <a:buFontTx/>
+                        <a:buNone/>
+                        <a:tabLst/>
+                        <a:defRPr/>
+                      </a:pPr>
+                      <a:r>
+                        <a:rPr kumimoji="1" lang="ja-JP" altLang="en-US" b="1" dirty="0" smtClean="0"/>
+                        <a:t>・他の学科の資料、過去問を集める。</a:t>
+                      </a:r>
+                    </a:p>
+                  </a:txBody>
+                  <a:tcPr/>
+                </a:tc>
+                <a:extLst>
+                  <a:ext uri="{0D108BD9-81ED-4DB2-BD59-A6C34878D82A}">
+                    <a16:rowId xmlns:a16="http://schemas.microsoft.com/office/drawing/2014/main" val="3880357056"/>
                   </a:ext>
                 </a:extLst>
               </a:tr>
@@ -23007,11 +23030,7 @@
                       </a:pPr>
                       <a:r>
                         <a:rPr kumimoji="1" lang="ja-JP" altLang="en-US" b="1" dirty="0" smtClean="0"/>
-                        <a:t>・他の学科の資料、過去</a:t>
-                      </a:r>
-                      <a:r>
-                        <a:rPr kumimoji="1" lang="ja-JP" altLang="en-US" b="1" dirty="0" smtClean="0"/>
-                        <a:t>問を集める。</a:t>
+                        <a:t>・新習志野校舎の教室案内図を作成する。</a:t>
                       </a:r>
                       <a:endParaRPr kumimoji="1" lang="ja-JP" altLang="en-US" b="1" dirty="0" smtClean="0"/>
                     </a:p>
@@ -23073,7 +23092,11 @@
                       </a:r>
                       <a:r>
                         <a:rPr lang="ja-JP" altLang="en-US" b="1" dirty="0" smtClean="0"/>
-                        <a:t>成果　　物</a:t>
+                        <a:t>成果　　</a:t>
+                      </a:r>
+                      <a:r>
+                        <a:rPr lang="ja-JP" altLang="en-US" b="1" dirty="0" smtClean="0"/>
+                        <a:t>　物</a:t>
                       </a:r>
                       <a:r>
                         <a:rPr lang="ja-JP" altLang="ja-JP" b="1" dirty="0" smtClean="0"/>
@@ -23089,10 +23112,29 @@
                     <a:bodyPr/>
                     <a:lstStyle/>
                     <a:p>
+                      <a:pPr marL="0" marR="0" indent="0" algn="l" defTabSz="914400" rtl="0" eaLnBrk="1" fontAlgn="auto" latinLnBrk="0" hangingPunct="1">
+                        <a:lnSpc>
+                          <a:spcPct val="100000"/>
+                        </a:lnSpc>
+                        <a:spcBef>
+                          <a:spcPts val="0"/>
+                        </a:spcBef>
+                        <a:spcAft>
+                          <a:spcPts val="0"/>
+                        </a:spcAft>
+                        <a:buClrTx/>
+                        <a:buSzTx/>
+                        <a:buFontTx/>
+                        <a:buNone/>
+                        <a:tabLst/>
+                        <a:defRPr/>
+                      </a:pPr>
                       <a:r>
                         <a:rPr kumimoji="1" lang="ja-JP" altLang="en-US" b="1" dirty="0" smtClean="0"/>
-                        <a:t>・新習志野校舎の教室案内図を作成する。</a:t>
+                        <a:t>・システム上で情報提供を受けること。</a:t>
                       </a:r>
+                    </a:p>
+                    <a:p>
                       <a:endParaRPr kumimoji="1" lang="ja-JP" altLang="en-US" b="1" dirty="0"/>
                     </a:p>
                   </a:txBody>
@@ -23145,10 +23187,6 @@
                     <a:bodyPr/>
                     <a:lstStyle/>
                     <a:p>
-                      <a:r>
-                        <a:rPr kumimoji="1" lang="ja-JP" altLang="en-US" b="1" dirty="0" smtClean="0"/>
-                        <a:t>・システム上で情報提供を受けること。</a:t>
-                      </a:r>
                       <a:endParaRPr kumimoji="1" lang="ja-JP" altLang="en-US" b="1" dirty="0"/>
                     </a:p>
                   </a:txBody>
@@ -23173,13 +23211,13 @@
           <p:nvPr>
             <p:extLst>
               <p:ext uri="{D42A27DB-BD31-4B8C-83A1-F6EECF244321}">
-                <p14:modId xmlns:p14="http://schemas.microsoft.com/office/powerpoint/2010/main" val="1913527762"/>
+                <p14:modId xmlns:p14="http://schemas.microsoft.com/office/powerpoint/2010/main" val="2455520381"/>
               </p:ext>
             </p:extLst>
           </p:nvPr>
         </p:nvGraphicFramePr>
         <p:xfrm>
-          <a:off x="994609" y="4070555"/>
+          <a:off x="994610" y="4419690"/>
           <a:ext cx="10359189" cy="1858000"/>
         </p:xfrm>
         <a:graphic>
@@ -25082,11 +25120,7 @@
           <a:p>
             <a:r>
               <a:rPr lang="ja-JP" altLang="en-US" sz="3600" b="1" dirty="0" smtClean="0"/>
-              <a:t>承認</a:t>
-            </a:r>
-            <a:r>
-              <a:rPr lang="ja-JP" altLang="en-US" sz="3600" b="1" dirty="0" smtClean="0"/>
-              <a:t>が得られない</a:t>
+              <a:t>承認が得られない</a:t>
             </a:r>
             <a:endParaRPr lang="en-US" altLang="ja-JP" sz="3600" b="1" dirty="0" smtClean="0"/>
           </a:p>

--- a/インセプションデッキ矢吹研A班.pptx
+++ b/インセプションデッキ矢吹研A班.pptx
@@ -212,7 +212,7 @@
           <a:p>
             <a:fld id="{44823B36-9560-43F4-8AF9-F0441FB700C8}" type="datetimeFigureOut">
               <a:rPr kumimoji="1" lang="ja-JP" altLang="en-US" smtClean="0"/>
-              <a:t>2017/6/2</a:t>
+              <a:t>2017/7/18</a:t>
             </a:fld>
             <a:endParaRPr kumimoji="1" lang="ja-JP" altLang="en-US"/>
           </a:p>
@@ -378,7 +378,7 @@
           <a:p>
             <a:fld id="{E6A73E96-2B78-4241-A155-C881DEA9C1F0}" type="datetimeFigureOut">
               <a:rPr kumimoji="1" lang="ja-JP" altLang="en-US" smtClean="0"/>
-              <a:t>2017/6/2</a:t>
+              <a:t>2017/7/18</a:t>
             </a:fld>
             <a:endParaRPr kumimoji="1" lang="ja-JP" altLang="en-US"/>
           </a:p>
@@ -1218,7 +1218,7 @@
           <a:p>
             <a:fld id="{E5E469D5-F795-482D-B0D7-07E5A7634AD4}" type="datetime1">
               <a:rPr kumimoji="1" lang="ja-JP" altLang="en-US" smtClean="0"/>
-              <a:t>2017/6/2</a:t>
+              <a:t>2017/7/18</a:t>
             </a:fld>
             <a:endParaRPr kumimoji="1" lang="ja-JP" altLang="en-US"/>
           </a:p>
@@ -1420,7 +1420,7 @@
           <a:p>
             <a:fld id="{D7C53EB5-3677-443F-996A-A40A3880F401}" type="datetime1">
               <a:rPr kumimoji="1" lang="ja-JP" altLang="en-US" smtClean="0"/>
-              <a:t>2017/6/2</a:t>
+              <a:t>2017/7/18</a:t>
             </a:fld>
             <a:endParaRPr kumimoji="1" lang="ja-JP" altLang="en-US"/>
           </a:p>
@@ -1632,7 +1632,7 @@
           <a:p>
             <a:fld id="{C045E4E9-7BD1-42B6-88A2-5205C7B587DD}" type="datetime1">
               <a:rPr kumimoji="1" lang="ja-JP" altLang="en-US" smtClean="0"/>
-              <a:t>2017/6/2</a:t>
+              <a:t>2017/7/18</a:t>
             </a:fld>
             <a:endParaRPr kumimoji="1" lang="ja-JP" altLang="en-US"/>
           </a:p>
@@ -1834,7 +1834,7 @@
           <a:p>
             <a:fld id="{47929945-3511-4472-97C7-680A477CC988}" type="datetime1">
               <a:rPr kumimoji="1" lang="ja-JP" altLang="en-US" smtClean="0"/>
-              <a:t>2017/6/2</a:t>
+              <a:t>2017/7/18</a:t>
             </a:fld>
             <a:endParaRPr kumimoji="1" lang="ja-JP" altLang="en-US"/>
           </a:p>
@@ -2080,7 +2080,7 @@
           <a:p>
             <a:fld id="{1C574AF9-66AA-4FFE-8E1B-4BE51D41C96D}" type="datetime1">
               <a:rPr kumimoji="1" lang="ja-JP" altLang="en-US" smtClean="0"/>
-              <a:t>2017/6/2</a:t>
+              <a:t>2017/7/18</a:t>
             </a:fld>
             <a:endParaRPr kumimoji="1" lang="ja-JP" altLang="en-US"/>
           </a:p>
@@ -2376,7 +2376,7 @@
           <a:p>
             <a:fld id="{F77EB08F-30EA-49DA-A2FB-9847371D4C66}" type="datetime1">
               <a:rPr kumimoji="1" lang="ja-JP" altLang="en-US" smtClean="0"/>
-              <a:t>2017/6/2</a:t>
+              <a:t>2017/7/18</a:t>
             </a:fld>
             <a:endParaRPr kumimoji="1" lang="ja-JP" altLang="en-US"/>
           </a:p>
@@ -2807,7 +2807,7 @@
           <a:p>
             <a:fld id="{B0BE181C-66BD-4DAC-A4DA-91208C327AE6}" type="datetime1">
               <a:rPr kumimoji="1" lang="ja-JP" altLang="en-US" smtClean="0"/>
-              <a:t>2017/6/2</a:t>
+              <a:t>2017/7/18</a:t>
             </a:fld>
             <a:endParaRPr kumimoji="1" lang="ja-JP" altLang="en-US"/>
           </a:p>
@@ -2925,7 +2925,7 @@
           <a:p>
             <a:fld id="{98E149A5-3263-4EB5-BB37-854917B194A1}" type="datetime1">
               <a:rPr kumimoji="1" lang="ja-JP" altLang="en-US" smtClean="0"/>
-              <a:t>2017/6/2</a:t>
+              <a:t>2017/7/18</a:t>
             </a:fld>
             <a:endParaRPr kumimoji="1" lang="ja-JP" altLang="en-US"/>
           </a:p>
@@ -3020,7 +3020,7 @@
           <a:p>
             <a:fld id="{E0BC77AB-D50D-40C3-ABF7-379E30A601BB}" type="datetime1">
               <a:rPr kumimoji="1" lang="ja-JP" altLang="en-US" smtClean="0"/>
-              <a:t>2017/6/2</a:t>
+              <a:t>2017/7/18</a:t>
             </a:fld>
             <a:endParaRPr kumimoji="1" lang="ja-JP" altLang="en-US"/>
           </a:p>
@@ -3329,7 +3329,7 @@
           <a:p>
             <a:fld id="{2062C1BE-F49F-48CD-9905-49D05CC2F7D4}" type="datetime1">
               <a:rPr kumimoji="1" lang="ja-JP" altLang="en-US" smtClean="0"/>
-              <a:t>2017/6/2</a:t>
+              <a:t>2017/7/18</a:t>
             </a:fld>
             <a:endParaRPr kumimoji="1" lang="ja-JP" altLang="en-US"/>
           </a:p>
@@ -3582,7 +3582,7 @@
           <a:p>
             <a:fld id="{0501E273-2494-4A5C-85AE-EE1F39E3134E}" type="datetime1">
               <a:rPr kumimoji="1" lang="ja-JP" altLang="en-US" smtClean="0"/>
-              <a:t>2017/6/2</a:t>
+              <a:t>2017/7/18</a:t>
             </a:fld>
             <a:endParaRPr kumimoji="1" lang="ja-JP" altLang="en-US"/>
           </a:p>
@@ -3827,7 +3827,7 @@
           <a:p>
             <a:fld id="{4049E619-4B82-451E-B8DD-B0522E948560}" type="datetime1">
               <a:rPr kumimoji="1" lang="ja-JP" altLang="en-US" smtClean="0"/>
-              <a:t>2017/6/2</a:t>
+              <a:t>2017/7/18</a:t>
             </a:fld>
             <a:endParaRPr kumimoji="1" lang="ja-JP" altLang="en-US"/>
           </a:p>
@@ -23032,7 +23032,6 @@
                         <a:rPr kumimoji="1" lang="ja-JP" altLang="en-US" b="1" dirty="0" smtClean="0"/>
                         <a:t>・新習志野校舎の教室案内図を作成する。</a:t>
                       </a:r>
-                      <a:endParaRPr kumimoji="1" lang="ja-JP" altLang="en-US" b="1" dirty="0" smtClean="0"/>
                     </a:p>
                   </a:txBody>
                   <a:tcPr/>
@@ -23092,11 +23091,7 @@
                       </a:r>
                       <a:r>
                         <a:rPr lang="ja-JP" altLang="en-US" b="1" dirty="0" smtClean="0"/>
-                        <a:t>成果　　</a:t>
-                      </a:r>
-                      <a:r>
-                        <a:rPr lang="ja-JP" altLang="en-US" b="1" dirty="0" smtClean="0"/>
-                        <a:t>　物</a:t>
+                        <a:t>成果　　　物</a:t>
                       </a:r>
                       <a:r>
                         <a:rPr lang="ja-JP" altLang="ja-JP" b="1" dirty="0" smtClean="0"/>
@@ -24462,7 +24457,7 @@
         <p:spPr>
           <a:xfrm>
             <a:off x="5498175" y="1718830"/>
-            <a:ext cx="3075709" cy="1821135"/>
+            <a:ext cx="3075709" cy="1907701"/>
           </a:xfrm>
           <a:prstGeom prst="rect">
             <a:avLst/>
@@ -24558,7 +24553,18 @@
                   <a:schemeClr val="tx1"/>
                 </a:solidFill>
               </a:rPr>
-              <a:t>Apache</a:t>
+              <a:t>Apache,</a:t>
+            </a:r>
+          </a:p>
+          <a:p>
+            <a:pPr algn="ctr"/>
+            <a:r>
+              <a:rPr lang="en-US" altLang="ja-JP" dirty="0" smtClean="0">
+                <a:solidFill>
+                  <a:schemeClr val="tx1"/>
+                </a:solidFill>
+              </a:rPr>
+              <a:t>Twitter API</a:t>
             </a:r>
             <a:endParaRPr kumimoji="1" lang="ja-JP" altLang="en-US" dirty="0">
               <a:solidFill>
@@ -24578,9 +24584,9 @@
           <p:nvPr/>
         </p:nvCxnSpPr>
         <p:spPr>
-          <a:xfrm flipV="1">
-            <a:off x="3310398" y="2629398"/>
-            <a:ext cx="2187777" cy="9634"/>
+          <a:xfrm>
+            <a:off x="3310398" y="2639032"/>
+            <a:ext cx="2187777" cy="33649"/>
           </a:xfrm>
           <a:prstGeom prst="straightConnector1">
             <a:avLst/>
@@ -24615,8 +24621,8 @@
         </p:nvCxnSpPr>
         <p:spPr>
           <a:xfrm flipV="1">
-            <a:off x="8573884" y="2626622"/>
-            <a:ext cx="832732" cy="2776"/>
+            <a:off x="8573884" y="2672680"/>
+            <a:ext cx="917371" cy="1"/>
           </a:xfrm>
           <a:prstGeom prst="straightConnector1">
             <a:avLst/>
@@ -24709,7 +24715,7 @@
         </p:nvSpPr>
         <p:spPr>
           <a:xfrm>
-            <a:off x="9384273" y="1718830"/>
+            <a:off x="9526419" y="1702005"/>
             <a:ext cx="2470484" cy="1907701"/>
           </a:xfrm>
           <a:prstGeom prst="can">
